--- a/Does Forest Growth Correlate to Happiness.pptx
+++ b/Does Forest Growth Correlate to Happiness.pptx
@@ -2,7 +2,7 @@
 <file path=ppt/presentation.xml><?xml version="1.0" encoding="utf-8"?>
 <p:presentation xmlns:a="http://schemas.openxmlformats.org/drawingml/2006/main" xmlns:r="http://schemas.openxmlformats.org/officeDocument/2006/relationships" xmlns:p="http://schemas.openxmlformats.org/presentationml/2006/main" saveSubsetFonts="1">
   <p:sldMasterIdLst>
-    <p:sldMasterId id="2147483648" r:id="rId1"/>
+    <p:sldMasterId id="2147483672" r:id="rId1"/>
   </p:sldMasterIdLst>
   <p:sldIdLst>
     <p:sldId id="256" r:id="rId2"/>
@@ -126,8 +126,13 @@
 </file>
 
 <file path=ppt/slideLayouts/slideLayout1.xml><?xml version="1.0" encoding="utf-8"?>
-<p:sldLayout xmlns:a="http://schemas.openxmlformats.org/drawingml/2006/main" xmlns:r="http://schemas.openxmlformats.org/officeDocument/2006/relationships" xmlns:p="http://schemas.openxmlformats.org/presentationml/2006/main" type="title" preserve="1">
+<p:sldLayout xmlns:a="http://schemas.openxmlformats.org/drawingml/2006/main" xmlns:r="http://schemas.openxmlformats.org/officeDocument/2006/relationships" xmlns:p="http://schemas.openxmlformats.org/presentationml/2006/main" showMasterSp="0" type="title" preserve="1">
   <p:cSld name="Title Slide">
+    <p:bg>
+      <p:bgRef idx="1001">
+        <a:schemeClr val="bg2"/>
+      </p:bgRef>
+    </p:bg>
     <p:spTree>
       <p:nvGrpSpPr>
         <p:cNvPr id="1" name=""/>
@@ -144,45 +149,197 @@
       </p:grpSpPr>
       <p:sp>
         <p:nvSpPr>
-          <p:cNvPr id="2" name="Title 1"/>
-          <p:cNvSpPr>
-            <a:spLocks noGrp="1"/>
-          </p:cNvSpPr>
-          <p:nvPr>
-            <p:ph type="ctrTitle"/>
+          <p:cNvPr id="15" name="Rectangle 14"/>
+          <p:cNvSpPr>
+            <a:spLocks noChangeArrowheads="1"/>
+          </p:cNvSpPr>
+          <p:nvPr/>
+        </p:nvSpPr>
+        <p:spPr bwMode="white">
+          <a:xfrm>
+            <a:off x="0" y="6705600"/>
+            <a:ext cx="9144000" cy="152400"/>
+          </a:xfrm>
+          <a:prstGeom prst="rect">
+            <a:avLst/>
+          </a:prstGeom>
+          <a:solidFill>
+            <a:srgbClr val="FFFFFF"/>
+          </a:solidFill>
+          <a:ln w="9525" cap="flat" cmpd="sng" algn="ctr">
+            <a:noFill/>
+            <a:prstDash val="solid"/>
+            <a:miter lim="800000"/>
+            <a:headEnd type="none" w="med" len="med"/>
+            <a:tailEnd type="none" w="med" len="med"/>
+          </a:ln>
+          <a:effectLst/>
+        </p:spPr>
+        <p:txBody>
+          <a:bodyPr vert="horz" wrap="none" lIns="91440" tIns="45720" rIns="91440" bIns="45720" anchor="ctr" compatLnSpc="1"/>
+          <a:lstStyle/>
+          <a:p>
+            <a:endParaRPr kumimoji="0" lang="en-US"/>
+          </a:p>
+        </p:txBody>
+      </p:sp>
+      <p:sp>
+        <p:nvSpPr>
+          <p:cNvPr id="19" name="Rectangle 18"/>
+          <p:cNvSpPr>
+            <a:spLocks noChangeArrowheads="1"/>
+          </p:cNvSpPr>
+          <p:nvPr/>
+        </p:nvSpPr>
+        <p:spPr bwMode="white">
+          <a:xfrm>
+            <a:off x="8991600" y="3048"/>
+            <a:ext cx="152400" cy="6858000"/>
+          </a:xfrm>
+          <a:prstGeom prst="rect">
+            <a:avLst/>
+          </a:prstGeom>
+          <a:solidFill>
+            <a:srgbClr val="FFFFFF"/>
+          </a:solidFill>
+          <a:ln w="9525" cap="flat" cmpd="sng" algn="ctr">
+            <a:noFill/>
+            <a:prstDash val="solid"/>
+            <a:miter lim="800000"/>
+            <a:headEnd type="none" w="med" len="med"/>
+            <a:tailEnd type="none" w="med" len="med"/>
+          </a:ln>
+          <a:effectLst/>
+        </p:spPr>
+        <p:txBody>
+          <a:bodyPr vert="horz" wrap="none" lIns="91440" tIns="45720" rIns="91440" bIns="45720" anchor="ctr" compatLnSpc="1"/>
+          <a:lstStyle/>
+          <a:p>
+            <a:endParaRPr kumimoji="0" lang="en-US"/>
+          </a:p>
+        </p:txBody>
+      </p:sp>
+      <p:sp>
+        <p:nvSpPr>
+          <p:cNvPr id="18" name="Rectangle 17"/>
+          <p:cNvSpPr>
+            <a:spLocks noChangeArrowheads="1"/>
+          </p:cNvSpPr>
+          <p:nvPr/>
+        </p:nvSpPr>
+        <p:spPr bwMode="white">
+          <a:xfrm>
+            <a:off x="0" y="0"/>
+            <a:ext cx="152400" cy="6858000"/>
+          </a:xfrm>
+          <a:prstGeom prst="rect">
+            <a:avLst/>
+          </a:prstGeom>
+          <a:solidFill>
+            <a:srgbClr val="FFFFFF"/>
+          </a:solidFill>
+          <a:ln w="9525" cap="flat" cmpd="sng" algn="ctr">
+            <a:noFill/>
+            <a:prstDash val="solid"/>
+            <a:miter lim="800000"/>
+            <a:headEnd type="none" w="med" len="med"/>
+            <a:tailEnd type="none" w="med" len="med"/>
+          </a:ln>
+          <a:effectLst/>
+        </p:spPr>
+        <p:txBody>
+          <a:bodyPr vert="horz" wrap="none" lIns="91440" tIns="45720" rIns="91440" bIns="45720" anchor="ctr" compatLnSpc="1"/>
+          <a:lstStyle/>
+          <a:p>
+            <a:endParaRPr kumimoji="0" lang="en-US"/>
+          </a:p>
+        </p:txBody>
+      </p:sp>
+      <p:sp>
+        <p:nvSpPr>
+          <p:cNvPr id="16" name="Rectangle 15"/>
+          <p:cNvSpPr>
+            <a:spLocks noChangeArrowheads="1"/>
+          </p:cNvSpPr>
+          <p:nvPr/>
+        </p:nvSpPr>
+        <p:spPr bwMode="white">
+          <a:xfrm>
+            <a:off x="0" y="0"/>
+            <a:ext cx="9144000" cy="2514600"/>
+          </a:xfrm>
+          <a:prstGeom prst="rect">
+            <a:avLst/>
+          </a:prstGeom>
+          <a:solidFill>
+            <a:srgbClr val="FFFFFF"/>
+          </a:solidFill>
+          <a:ln w="9525" cap="flat" cmpd="sng" algn="ctr">
+            <a:noFill/>
+            <a:prstDash val="solid"/>
+            <a:miter lim="800000"/>
+            <a:headEnd type="none" w="med" len="med"/>
+            <a:tailEnd type="none" w="med" len="med"/>
+          </a:ln>
+          <a:effectLst/>
+        </p:spPr>
+        <p:txBody>
+          <a:bodyPr vert="horz" wrap="none" lIns="91440" tIns="45720" rIns="91440" bIns="45720" anchor="ctr" compatLnSpc="1"/>
+          <a:lstStyle/>
+          <a:p>
+            <a:endParaRPr kumimoji="0" lang="en-US"/>
+          </a:p>
+        </p:txBody>
+      </p:sp>
+      <p:sp>
+        <p:nvSpPr>
+          <p:cNvPr id="12" name="Rectangle 11"/>
+          <p:cNvSpPr>
+            <a:spLocks noChangeArrowheads="1"/>
+          </p:cNvSpPr>
+          <p:nvPr/>
+        </p:nvSpPr>
+        <p:spPr bwMode="auto">
+          <a:xfrm>
+            <a:off x="146304" y="6391656"/>
+            <a:ext cx="8833104" cy="309563"/>
+          </a:xfrm>
+          <a:prstGeom prst="rect">
+            <a:avLst/>
+          </a:prstGeom>
+          <a:solidFill>
+            <a:schemeClr val="accent3"/>
+          </a:solidFill>
+          <a:ln w="9525" cap="flat" cmpd="sng" algn="ctr">
+            <a:noFill/>
+            <a:prstDash val="solid"/>
+            <a:miter lim="800000"/>
+            <a:headEnd type="none" w="med" len="med"/>
+            <a:tailEnd type="none" w="med" len="med"/>
+          </a:ln>
+          <a:effectLst/>
+        </p:spPr>
+        <p:txBody>
+          <a:bodyPr vert="horz" wrap="none" lIns="91440" tIns="45720" rIns="91440" bIns="45720" anchor="ctr" compatLnSpc="1"/>
+          <a:lstStyle/>
+          <a:p>
+            <a:endParaRPr kumimoji="0" lang="en-US"/>
+          </a:p>
+        </p:txBody>
+      </p:sp>
+      <p:sp>
+        <p:nvSpPr>
+          <p:cNvPr id="9" name="Subtitle 8"/>
+          <p:cNvSpPr>
+            <a:spLocks noGrp="1"/>
+          </p:cNvSpPr>
+          <p:nvPr>
+            <p:ph type="subTitle" idx="1"/>
           </p:nvPr>
         </p:nvSpPr>
         <p:spPr>
           <a:xfrm>
-            <a:off x="685800" y="2130425"/>
-            <a:ext cx="7772400" cy="1470025"/>
-          </a:xfrm>
-        </p:spPr>
-        <p:txBody>
-          <a:bodyPr/>
-          <a:lstStyle/>
-          <a:p>
-            <a:r>
-              <a:rPr lang="en-US" smtClean="0"/>
-              <a:t>Click to edit Master title style</a:t>
-            </a:r>
-            <a:endParaRPr lang="en-US"/>
-          </a:p>
-        </p:txBody>
-      </p:sp>
-      <p:sp>
-        <p:nvSpPr>
-          <p:cNvPr id="3" name="Subtitle 2"/>
-          <p:cNvSpPr>
-            <a:spLocks noGrp="1"/>
-          </p:cNvSpPr>
-          <p:nvPr>
-            <p:ph type="subTitle" idx="1"/>
-          </p:nvPr>
-        </p:nvSpPr>
-        <p:spPr>
-          <a:xfrm>
-            <a:off x="1371600" y="3886200"/>
+            <a:off x="1371600" y="2819400"/>
             <a:ext cx="6400800" cy="1752600"/>
           </a:xfrm>
         </p:spPr>
@@ -191,107 +348,49 @@
           <a:lstStyle>
             <a:lvl1pPr marL="0" indent="0" algn="ctr">
               <a:buNone/>
-              <a:defRPr>
+              <a:defRPr sz="1600" b="1" cap="all" spc="250" baseline="0">
                 <a:solidFill>
-                  <a:schemeClr val="tx1">
-                    <a:tint val="75000"/>
-                  </a:schemeClr>
+                  <a:schemeClr val="tx2"/>
                 </a:solidFill>
               </a:defRPr>
             </a:lvl1pPr>
             <a:lvl2pPr marL="457200" indent="0" algn="ctr">
               <a:buNone/>
-              <a:defRPr>
-                <a:solidFill>
-                  <a:schemeClr val="tx1">
-                    <a:tint val="75000"/>
-                  </a:schemeClr>
-                </a:solidFill>
-              </a:defRPr>
             </a:lvl2pPr>
             <a:lvl3pPr marL="914400" indent="0" algn="ctr">
               <a:buNone/>
-              <a:defRPr>
-                <a:solidFill>
-                  <a:schemeClr val="tx1">
-                    <a:tint val="75000"/>
-                  </a:schemeClr>
-                </a:solidFill>
-              </a:defRPr>
             </a:lvl3pPr>
             <a:lvl4pPr marL="1371600" indent="0" algn="ctr">
               <a:buNone/>
-              <a:defRPr>
-                <a:solidFill>
-                  <a:schemeClr val="tx1">
-                    <a:tint val="75000"/>
-                  </a:schemeClr>
-                </a:solidFill>
-              </a:defRPr>
             </a:lvl4pPr>
             <a:lvl5pPr marL="1828800" indent="0" algn="ctr">
               <a:buNone/>
-              <a:defRPr>
-                <a:solidFill>
-                  <a:schemeClr val="tx1">
-                    <a:tint val="75000"/>
-                  </a:schemeClr>
-                </a:solidFill>
-              </a:defRPr>
             </a:lvl5pPr>
             <a:lvl6pPr marL="2286000" indent="0" algn="ctr">
               <a:buNone/>
-              <a:defRPr>
-                <a:solidFill>
-                  <a:schemeClr val="tx1">
-                    <a:tint val="75000"/>
-                  </a:schemeClr>
-                </a:solidFill>
-              </a:defRPr>
             </a:lvl6pPr>
             <a:lvl7pPr marL="2743200" indent="0" algn="ctr">
               <a:buNone/>
-              <a:defRPr>
-                <a:solidFill>
-                  <a:schemeClr val="tx1">
-                    <a:tint val="75000"/>
-                  </a:schemeClr>
-                </a:solidFill>
-              </a:defRPr>
             </a:lvl7pPr>
             <a:lvl8pPr marL="3200400" indent="0" algn="ctr">
               <a:buNone/>
-              <a:defRPr>
-                <a:solidFill>
-                  <a:schemeClr val="tx1">
-                    <a:tint val="75000"/>
-                  </a:schemeClr>
-                </a:solidFill>
-              </a:defRPr>
             </a:lvl8pPr>
             <a:lvl9pPr marL="3657600" indent="0" algn="ctr">
               <a:buNone/>
-              <a:defRPr>
-                <a:solidFill>
-                  <a:schemeClr val="tx1">
-                    <a:tint val="75000"/>
-                  </a:schemeClr>
-                </a:solidFill>
-              </a:defRPr>
             </a:lvl9pPr>
           </a:lstStyle>
           <a:p>
             <a:r>
-              <a:rPr lang="en-US" smtClean="0"/>
+              <a:rPr kumimoji="0" lang="en-US" smtClean="0"/>
               <a:t>Click to edit Master subtitle style</a:t>
             </a:r>
-            <a:endParaRPr lang="en-US"/>
-          </a:p>
-        </p:txBody>
-      </p:sp>
-      <p:sp>
-        <p:nvSpPr>
-          <p:cNvPr id="4" name="Date Placeholder 3"/>
+            <a:endParaRPr kumimoji="0" lang="en-US"/>
+          </a:p>
+        </p:txBody>
+      </p:sp>
+      <p:sp>
+        <p:nvSpPr>
+          <p:cNvPr id="28" name="Date Placeholder 27"/>
           <p:cNvSpPr>
             <a:spLocks noGrp="1"/>
           </p:cNvSpPr>
@@ -315,7 +414,7 @@
       </p:sp>
       <p:sp>
         <p:nvSpPr>
-          <p:cNvPr id="5" name="Footer Placeholder 4"/>
+          <p:cNvPr id="17" name="Footer Placeholder 16"/>
           <p:cNvSpPr>
             <a:spLocks noGrp="1"/>
           </p:cNvSpPr>
@@ -334,7 +433,179 @@
       </p:sp>
       <p:sp>
         <p:nvSpPr>
-          <p:cNvPr id="6" name="Slide Number Placeholder 5"/>
+          <p:cNvPr id="7" name="Straight Connector 6"/>
+          <p:cNvSpPr>
+            <a:spLocks noChangeShapeType="1"/>
+          </p:cNvSpPr>
+          <p:nvPr/>
+        </p:nvSpPr>
+        <p:spPr bwMode="auto">
+          <a:xfrm>
+            <a:off x="155448" y="2420112"/>
+            <a:ext cx="8833104" cy="0"/>
+          </a:xfrm>
+          <a:prstGeom prst="line">
+            <a:avLst/>
+          </a:prstGeom>
+          <a:noFill/>
+          <a:ln w="11430" cap="flat" cmpd="sng" algn="ctr">
+            <a:solidFill>
+              <a:schemeClr val="accent3">
+                <a:shade val="75000"/>
+              </a:schemeClr>
+            </a:solidFill>
+            <a:prstDash val="sysDash"/>
+            <a:round/>
+            <a:headEnd type="none" w="med" len="med"/>
+            <a:tailEnd type="none" w="med" len="med"/>
+          </a:ln>
+          <a:effectLst/>
+        </p:spPr>
+        <p:txBody>
+          <a:bodyPr vert="horz" wrap="none" lIns="91440" tIns="45720" rIns="91440" bIns="45720" anchor="ctr" compatLnSpc="1"/>
+          <a:lstStyle/>
+          <a:p>
+            <a:endParaRPr kumimoji="0" lang="en-US"/>
+          </a:p>
+        </p:txBody>
+      </p:sp>
+      <p:sp>
+        <p:nvSpPr>
+          <p:cNvPr id="10" name="Rectangle 9"/>
+          <p:cNvSpPr>
+            <a:spLocks noChangeArrowheads="1"/>
+          </p:cNvSpPr>
+          <p:nvPr/>
+        </p:nvSpPr>
+        <p:spPr bwMode="auto">
+          <a:xfrm>
+            <a:off x="152400" y="152400"/>
+            <a:ext cx="8833104" cy="6547104"/>
+          </a:xfrm>
+          <a:prstGeom prst="rect">
+            <a:avLst/>
+          </a:prstGeom>
+          <a:noFill/>
+          <a:ln w="9525" cap="flat" cmpd="sng" algn="ctr">
+            <a:solidFill>
+              <a:schemeClr val="accent3">
+                <a:shade val="75000"/>
+              </a:schemeClr>
+            </a:solidFill>
+            <a:prstDash val="solid"/>
+            <a:miter lim="800000"/>
+            <a:headEnd type="none" w="med" len="med"/>
+            <a:tailEnd type="none" w="med" len="med"/>
+          </a:ln>
+          <a:effectLst/>
+        </p:spPr>
+        <p:txBody>
+          <a:bodyPr vert="horz" wrap="none" lIns="91440" tIns="45720" rIns="91440" bIns="45720" anchor="ctr" compatLnSpc="1"/>
+          <a:lstStyle/>
+          <a:p>
+            <a:endParaRPr kumimoji="0" lang="en-US" dirty="0"/>
+          </a:p>
+        </p:txBody>
+      </p:sp>
+      <p:sp>
+        <p:nvSpPr>
+          <p:cNvPr id="13" name="Oval 12"/>
+          <p:cNvSpPr/>
+          <p:nvPr/>
+        </p:nvSpPr>
+        <p:spPr>
+          <a:xfrm>
+            <a:off x="4267200" y="2115312"/>
+            <a:ext cx="609600" cy="609600"/>
+          </a:xfrm>
+          <a:prstGeom prst="ellipse">
+            <a:avLst/>
+          </a:prstGeom>
+          <a:solidFill>
+            <a:srgbClr val="FFFFFF"/>
+          </a:solidFill>
+          <a:ln w="15875" cap="rnd" cmpd="sng" algn="ctr">
+            <a:noFill/>
+            <a:prstDash val="solid"/>
+          </a:ln>
+          <a:effectLst/>
+        </p:spPr>
+        <p:style>
+          <a:lnRef idx="3">
+            <a:schemeClr val="lt1"/>
+          </a:lnRef>
+          <a:fillRef idx="1">
+            <a:schemeClr val="accent1"/>
+          </a:fillRef>
+          <a:effectRef idx="1">
+            <a:schemeClr val="accent1"/>
+          </a:effectRef>
+          <a:fontRef idx="minor">
+            <a:schemeClr val="lt1"/>
+          </a:fontRef>
+        </p:style>
+        <p:txBody>
+          <a:bodyPr anchor="ctr"/>
+          <a:lstStyle/>
+          <a:p>
+            <a:pPr algn="ctr" eaLnBrk="1" latinLnBrk="0" hangingPunct="1"/>
+            <a:endParaRPr kumimoji="0" lang="en-US"/>
+          </a:p>
+        </p:txBody>
+      </p:sp>
+      <p:sp>
+        <p:nvSpPr>
+          <p:cNvPr id="14" name="Oval 13"/>
+          <p:cNvSpPr/>
+          <p:nvPr/>
+        </p:nvSpPr>
+        <p:spPr>
+          <a:xfrm>
+            <a:off x="4361688" y="2209800"/>
+            <a:ext cx="420624" cy="420624"/>
+          </a:xfrm>
+          <a:prstGeom prst="ellipse">
+            <a:avLst/>
+          </a:prstGeom>
+          <a:solidFill>
+            <a:srgbClr val="FFFFFF"/>
+          </a:solidFill>
+          <a:ln w="50800" cap="rnd" cmpd="dbl" algn="ctr">
+            <a:solidFill>
+              <a:schemeClr val="accent3">
+                <a:shade val="75000"/>
+              </a:schemeClr>
+            </a:solidFill>
+            <a:prstDash val="solid"/>
+          </a:ln>
+          <a:effectLst/>
+        </p:spPr>
+        <p:style>
+          <a:lnRef idx="3">
+            <a:schemeClr val="lt1"/>
+          </a:lnRef>
+          <a:fillRef idx="1">
+            <a:schemeClr val="accent1"/>
+          </a:fillRef>
+          <a:effectRef idx="1">
+            <a:schemeClr val="accent1"/>
+          </a:effectRef>
+          <a:fontRef idx="minor">
+            <a:schemeClr val="lt1"/>
+          </a:fontRef>
+        </p:style>
+        <p:txBody>
+          <a:bodyPr anchor="ctr"/>
+          <a:lstStyle/>
+          <a:p>
+            <a:pPr algn="ctr" eaLnBrk="1" latinLnBrk="0" hangingPunct="1"/>
+            <a:endParaRPr kumimoji="0" lang="en-US"/>
+          </a:p>
+        </p:txBody>
+      </p:sp>
+      <p:sp>
+        <p:nvSpPr>
+          <p:cNvPr id="29" name="Slide Number Placeholder 28"/>
           <p:cNvSpPr>
             <a:spLocks noGrp="1"/>
           </p:cNvSpPr>
@@ -342,10 +613,25 @@
             <p:ph type="sldNum" sz="quarter" idx="12"/>
           </p:nvPr>
         </p:nvSpPr>
-        <p:spPr/>
+        <p:spPr>
+          <a:xfrm>
+            <a:off x="4343400" y="2199450"/>
+            <a:ext cx="457200" cy="441325"/>
+          </a:xfrm>
+        </p:spPr>
         <p:txBody>
           <a:bodyPr/>
-          <a:lstStyle/>
+          <a:lstStyle>
+            <a:lvl1pPr>
+              <a:defRPr>
+                <a:solidFill>
+                  <a:schemeClr val="accent3">
+                    <a:shade val="75000"/>
+                  </a:schemeClr>
+                </a:solidFill>
+              </a:defRPr>
+            </a:lvl1pPr>
+          </a:lstStyle>
           <a:p>
             <a:fld id="{44E34880-AE79-4686-B272-9D28B357CDC7}" type="slidenum">
               <a:rPr lang="en-US" smtClean="0"/>
@@ -356,10 +642,46 @@
           </a:p>
         </p:txBody>
       </p:sp>
+      <p:sp>
+        <p:nvSpPr>
+          <p:cNvPr id="8" name="Title 7"/>
+          <p:cNvSpPr>
+            <a:spLocks noGrp="1"/>
+          </p:cNvSpPr>
+          <p:nvPr>
+            <p:ph type="ctrTitle"/>
+          </p:nvPr>
+        </p:nvSpPr>
+        <p:spPr>
+          <a:xfrm>
+            <a:off x="685800" y="381000"/>
+            <a:ext cx="7772400" cy="1752600"/>
+          </a:xfrm>
+        </p:spPr>
+        <p:txBody>
+          <a:bodyPr anchor="b"/>
+          <a:lstStyle>
+            <a:lvl1pPr>
+              <a:defRPr sz="4200">
+                <a:solidFill>
+                  <a:schemeClr val="accent1"/>
+                </a:solidFill>
+              </a:defRPr>
+            </a:lvl1pPr>
+          </a:lstStyle>
+          <a:p>
+            <a:r>
+              <a:rPr kumimoji="0" lang="en-US" smtClean="0"/>
+              <a:t>Click to edit Master title style</a:t>
+            </a:r>
+            <a:endParaRPr kumimoji="0" lang="en-US"/>
+          </a:p>
+        </p:txBody>
+      </p:sp>
     </p:spTree>
   </p:cSld>
   <p:clrMapOvr>
-    <a:masterClrMapping/>
+    <a:overrideClrMapping bg1="lt1" tx1="dk1" bg2="lt2" tx2="dk2" accent1="accent1" accent2="accent2" accent3="accent3" accent4="accent4" accent5="accent5" accent6="accent6" hlink="hlink" folHlink="folHlink"/>
   </p:clrMapOvr>
 </p:sldLayout>
 </file>
@@ -367,6 +689,11 @@
 <file path=ppt/slideLayouts/slideLayout10.xml><?xml version="1.0" encoding="utf-8"?>
 <p:sldLayout xmlns:a="http://schemas.openxmlformats.org/drawingml/2006/main" xmlns:r="http://schemas.openxmlformats.org/officeDocument/2006/relationships" xmlns:p="http://schemas.openxmlformats.org/presentationml/2006/main" type="vertTx" preserve="1">
   <p:cSld name="Title and Vertical Text">
+    <p:bg>
+      <p:bgRef idx="1001">
+        <a:schemeClr val="bg2"/>
+      </p:bgRef>
+    </p:bg>
     <p:spTree>
       <p:nvGrpSpPr>
         <p:cNvPr id="1" name=""/>
@@ -397,10 +724,10 @@
           <a:lstStyle/>
           <a:p>
             <a:r>
-              <a:rPr lang="en-US" smtClean="0"/>
+              <a:rPr kumimoji="0" lang="en-US" smtClean="0"/>
               <a:t>Click to edit Master title style</a:t>
             </a:r>
-            <a:endParaRPr lang="en-US"/>
+            <a:endParaRPr kumimoji="0" lang="en-US"/>
           </a:p>
         </p:txBody>
       </p:sp>
@@ -419,40 +746,40 @@
           <a:bodyPr vert="eaVert"/>
           <a:lstStyle/>
           <a:p>
-            <a:pPr lvl="0"/>
+            <a:pPr lvl="0" eaLnBrk="1" latinLnBrk="0" hangingPunct="1"/>
             <a:r>
               <a:rPr lang="en-US" smtClean="0"/>
               <a:t>Click to edit Master text styles</a:t>
             </a:r>
           </a:p>
           <a:p>
-            <a:pPr lvl="1"/>
+            <a:pPr lvl="1" eaLnBrk="1" latinLnBrk="0" hangingPunct="1"/>
             <a:r>
               <a:rPr lang="en-US" smtClean="0"/>
               <a:t>Second level</a:t>
             </a:r>
           </a:p>
           <a:p>
-            <a:pPr lvl="2"/>
+            <a:pPr lvl="2" eaLnBrk="1" latinLnBrk="0" hangingPunct="1"/>
             <a:r>
               <a:rPr lang="en-US" smtClean="0"/>
               <a:t>Third level</a:t>
             </a:r>
           </a:p>
           <a:p>
-            <a:pPr lvl="3"/>
+            <a:pPr lvl="3" eaLnBrk="1" latinLnBrk="0" hangingPunct="1"/>
             <a:r>
               <a:rPr lang="en-US" smtClean="0"/>
               <a:t>Fourth level</a:t>
             </a:r>
           </a:p>
           <a:p>
-            <a:pPr lvl="4"/>
+            <a:pPr lvl="4" eaLnBrk="1" latinLnBrk="0" hangingPunct="1"/>
             <a:r>
               <a:rPr lang="en-US" smtClean="0"/>
               <a:t>Fifth level</a:t>
             </a:r>
-            <a:endParaRPr lang="en-US"/>
+            <a:endParaRPr kumimoji="0" lang="en-US"/>
           </a:p>
         </p:txBody>
       </p:sp>
@@ -526,14 +853,19 @@
     </p:spTree>
   </p:cSld>
   <p:clrMapOvr>
-    <a:masterClrMapping/>
+    <a:overrideClrMapping bg1="lt1" tx1="dk1" bg2="lt2" tx2="dk2" accent1="accent1" accent2="accent2" accent3="accent3" accent4="accent4" accent5="accent5" accent6="accent6" hlink="hlink" folHlink="folHlink"/>
   </p:clrMapOvr>
 </p:sldLayout>
 </file>
 
 <file path=ppt/slideLayouts/slideLayout11.xml><?xml version="1.0" encoding="utf-8"?>
-<p:sldLayout xmlns:a="http://schemas.openxmlformats.org/drawingml/2006/main" xmlns:r="http://schemas.openxmlformats.org/officeDocument/2006/relationships" xmlns:p="http://schemas.openxmlformats.org/presentationml/2006/main" type="vertTitleAndTx" preserve="1">
+<p:sldLayout xmlns:a="http://schemas.openxmlformats.org/drawingml/2006/main" xmlns:r="http://schemas.openxmlformats.org/officeDocument/2006/relationships" xmlns:p="http://schemas.openxmlformats.org/presentationml/2006/main" showMasterSp="0" type="vertTitleAndTx" preserve="1">
   <p:cSld name="Vertical Title and Text">
+    <p:bg>
+      <p:bgRef idx="1001">
+        <a:schemeClr val="bg2"/>
+      </p:bgRef>
+    </p:bg>
     <p:spTree>
       <p:nvGrpSpPr>
         <p:cNvPr id="1" name=""/>
@@ -550,86 +882,439 @@
       </p:grpSpPr>
       <p:sp>
         <p:nvSpPr>
-          <p:cNvPr id="2" name="Vertical Title 1"/>
-          <p:cNvSpPr>
-            <a:spLocks noGrp="1"/>
-          </p:cNvSpPr>
-          <p:nvPr>
-            <p:ph type="title" orient="vert"/>
-          </p:nvPr>
+          <p:cNvPr id="7" name="Rectangle 6"/>
+          <p:cNvSpPr>
+            <a:spLocks noChangeArrowheads="1"/>
+          </p:cNvSpPr>
+          <p:nvPr/>
+        </p:nvSpPr>
+        <p:spPr bwMode="white">
+          <a:xfrm>
+            <a:off x="0" y="6705600"/>
+            <a:ext cx="9144000" cy="152400"/>
+          </a:xfrm>
+          <a:prstGeom prst="rect">
+            <a:avLst/>
+          </a:prstGeom>
+          <a:solidFill>
+            <a:srgbClr val="FFFFFF"/>
+          </a:solidFill>
+          <a:ln w="9525" cap="flat" cmpd="sng" algn="ctr">
+            <a:noFill/>
+            <a:prstDash val="solid"/>
+            <a:miter lim="800000"/>
+            <a:headEnd type="none" w="med" len="med"/>
+            <a:tailEnd type="none" w="med" len="med"/>
+          </a:ln>
+          <a:effectLst/>
+        </p:spPr>
+        <p:txBody>
+          <a:bodyPr vert="horz" wrap="none" lIns="91440" tIns="45720" rIns="91440" bIns="45720" anchor="ctr" compatLnSpc="1"/>
+          <a:lstStyle/>
+          <a:p>
+            <a:endParaRPr kumimoji="0" lang="en-US"/>
+          </a:p>
+        </p:txBody>
+      </p:sp>
+      <p:sp>
+        <p:nvSpPr>
+          <p:cNvPr id="8" name="Rectangle 7"/>
+          <p:cNvSpPr>
+            <a:spLocks noChangeArrowheads="1"/>
+          </p:cNvSpPr>
+          <p:nvPr/>
+        </p:nvSpPr>
+        <p:spPr bwMode="white">
+          <a:xfrm>
+            <a:off x="7010400" y="0"/>
+            <a:ext cx="2133600" cy="6858000"/>
+          </a:xfrm>
+          <a:prstGeom prst="rect">
+            <a:avLst/>
+          </a:prstGeom>
+          <a:solidFill>
+            <a:srgbClr val="FFFFFF"/>
+          </a:solidFill>
+          <a:ln w="9525" cap="flat" cmpd="sng" algn="ctr">
+            <a:noFill/>
+            <a:prstDash val="solid"/>
+            <a:miter lim="800000"/>
+            <a:headEnd type="none" w="med" len="med"/>
+            <a:tailEnd type="none" w="med" len="med"/>
+          </a:ln>
+          <a:effectLst/>
+        </p:spPr>
+        <p:txBody>
+          <a:bodyPr vert="horz" wrap="none" lIns="91440" tIns="45720" rIns="91440" bIns="45720" anchor="ctr" compatLnSpc="1"/>
+          <a:lstStyle/>
+          <a:p>
+            <a:endParaRPr kumimoji="0" lang="en-US"/>
+          </a:p>
+        </p:txBody>
+      </p:sp>
+      <p:sp>
+        <p:nvSpPr>
+          <p:cNvPr id="9" name="Rectangle 8"/>
+          <p:cNvSpPr>
+            <a:spLocks noChangeArrowheads="1"/>
+          </p:cNvSpPr>
+          <p:nvPr/>
+        </p:nvSpPr>
+        <p:spPr bwMode="white">
+          <a:xfrm>
+            <a:off x="0" y="0"/>
+            <a:ext cx="9144000" cy="155448"/>
+          </a:xfrm>
+          <a:prstGeom prst="rect">
+            <a:avLst/>
+          </a:prstGeom>
+          <a:solidFill>
+            <a:srgbClr val="FFFFFF"/>
+          </a:solidFill>
+          <a:ln w="9525" cap="flat" cmpd="sng" algn="ctr">
+            <a:noFill/>
+            <a:prstDash val="solid"/>
+            <a:miter lim="800000"/>
+            <a:headEnd type="none" w="med" len="med"/>
+            <a:tailEnd type="none" w="med" len="med"/>
+          </a:ln>
+          <a:effectLst/>
+        </p:spPr>
+        <p:txBody>
+          <a:bodyPr vert="horz" wrap="none" lIns="91440" tIns="45720" rIns="91440" bIns="45720" anchor="ctr" compatLnSpc="1"/>
+          <a:lstStyle/>
+          <a:p>
+            <a:endParaRPr kumimoji="0" lang="en-US"/>
+          </a:p>
+        </p:txBody>
+      </p:sp>
+      <p:sp>
+        <p:nvSpPr>
+          <p:cNvPr id="10" name="Rectangle 9"/>
+          <p:cNvSpPr>
+            <a:spLocks noChangeArrowheads="1"/>
+          </p:cNvSpPr>
+          <p:nvPr/>
+        </p:nvSpPr>
+        <p:spPr bwMode="white">
+          <a:xfrm>
+            <a:off x="0" y="0"/>
+            <a:ext cx="152400" cy="6858000"/>
+          </a:xfrm>
+          <a:prstGeom prst="rect">
+            <a:avLst/>
+          </a:prstGeom>
+          <a:solidFill>
+            <a:srgbClr val="FFFFFF"/>
+          </a:solidFill>
+          <a:ln w="9525" cap="flat" cmpd="sng" algn="ctr">
+            <a:noFill/>
+            <a:prstDash val="solid"/>
+            <a:miter lim="800000"/>
+            <a:headEnd type="none" w="med" len="med"/>
+            <a:tailEnd type="none" w="med" len="med"/>
+          </a:ln>
+          <a:effectLst/>
+        </p:spPr>
+        <p:txBody>
+          <a:bodyPr vert="horz" wrap="none" lIns="91440" tIns="45720" rIns="91440" bIns="45720" anchor="ctr" compatLnSpc="1"/>
+          <a:lstStyle/>
+          <a:p>
+            <a:endParaRPr kumimoji="0" lang="en-US"/>
+          </a:p>
+        </p:txBody>
+      </p:sp>
+      <p:sp>
+        <p:nvSpPr>
+          <p:cNvPr id="11" name="Rectangle 10"/>
+          <p:cNvSpPr>
+            <a:spLocks noChangeArrowheads="1"/>
+          </p:cNvSpPr>
+          <p:nvPr/>
+        </p:nvSpPr>
+        <p:spPr bwMode="auto">
+          <a:xfrm>
+            <a:off x="146304" y="6391656"/>
+            <a:ext cx="8833104" cy="309563"/>
+          </a:xfrm>
+          <a:prstGeom prst="rect">
+            <a:avLst/>
+          </a:prstGeom>
+          <a:solidFill>
+            <a:schemeClr val="accent3"/>
+          </a:solidFill>
+          <a:ln w="9525" cap="flat" cmpd="sng" algn="ctr">
+            <a:noFill/>
+            <a:prstDash val="solid"/>
+            <a:miter lim="800000"/>
+            <a:headEnd type="none" w="med" len="med"/>
+            <a:tailEnd type="none" w="med" len="med"/>
+          </a:ln>
+          <a:effectLst/>
+        </p:spPr>
+        <p:txBody>
+          <a:bodyPr vert="horz" wrap="none" lIns="91440" tIns="45720" rIns="91440" bIns="45720" anchor="ctr" compatLnSpc="1"/>
+          <a:lstStyle/>
+          <a:p>
+            <a:endParaRPr kumimoji="0" lang="en-US"/>
+          </a:p>
+        </p:txBody>
+      </p:sp>
+      <p:sp>
+        <p:nvSpPr>
+          <p:cNvPr id="12" name="Rectangle 11"/>
+          <p:cNvSpPr>
+            <a:spLocks noChangeArrowheads="1"/>
+          </p:cNvSpPr>
+          <p:nvPr/>
+        </p:nvSpPr>
+        <p:spPr bwMode="auto">
+          <a:xfrm>
+            <a:off x="152400" y="155448"/>
+            <a:ext cx="8833104" cy="6547104"/>
+          </a:xfrm>
+          <a:prstGeom prst="rect">
+            <a:avLst/>
+          </a:prstGeom>
+          <a:noFill/>
+          <a:ln w="9525" cap="flat" cmpd="sng" algn="ctr">
+            <a:solidFill>
+              <a:schemeClr val="accent3">
+                <a:shade val="75000"/>
+              </a:schemeClr>
+            </a:solidFill>
+            <a:prstDash val="solid"/>
+            <a:miter lim="800000"/>
+            <a:headEnd type="none" w="med" len="med"/>
+            <a:tailEnd type="none" w="med" len="med"/>
+          </a:ln>
+          <a:effectLst/>
+        </p:spPr>
+        <p:txBody>
+          <a:bodyPr vert="horz" wrap="none" lIns="91440" tIns="45720" rIns="91440" bIns="45720" anchor="ctr" compatLnSpc="1"/>
+          <a:lstStyle/>
+          <a:p>
+            <a:endParaRPr kumimoji="0" lang="en-US" dirty="0"/>
+          </a:p>
+        </p:txBody>
+      </p:sp>
+      <p:sp>
+        <p:nvSpPr>
+          <p:cNvPr id="13" name="Straight Connector 12"/>
+          <p:cNvSpPr>
+            <a:spLocks noChangeShapeType="1"/>
+          </p:cNvSpPr>
+          <p:nvPr/>
+        </p:nvSpPr>
+        <p:spPr bwMode="auto">
+          <a:xfrm rot="5400000">
+            <a:off x="4021836" y="3278124"/>
+            <a:ext cx="6245352" cy="0"/>
+          </a:xfrm>
+          <a:prstGeom prst="line">
+            <a:avLst/>
+          </a:prstGeom>
+          <a:noFill/>
+          <a:ln w="9525" cap="flat" cmpd="sng" algn="ctr">
+            <a:solidFill>
+              <a:schemeClr val="accent3">
+                <a:shade val="75000"/>
+              </a:schemeClr>
+            </a:solidFill>
+            <a:prstDash val="sysDash"/>
+            <a:round/>
+            <a:headEnd type="none" w="med" len="med"/>
+            <a:tailEnd type="none" w="med" len="med"/>
+          </a:ln>
+          <a:effectLst/>
+        </p:spPr>
+        <p:txBody>
+          <a:bodyPr vert="horz" wrap="none" lIns="91440" tIns="45720" rIns="91440" bIns="45720" anchor="ctr" compatLnSpc="1"/>
+          <a:lstStyle/>
+          <a:p>
+            <a:endParaRPr kumimoji="0" lang="en-US"/>
+          </a:p>
+        </p:txBody>
+      </p:sp>
+      <p:sp>
+        <p:nvSpPr>
+          <p:cNvPr id="14" name="Oval 13"/>
+          <p:cNvSpPr/>
+          <p:nvPr/>
         </p:nvSpPr>
         <p:spPr>
           <a:xfrm>
-            <a:off x="6629400" y="274638"/>
-            <a:ext cx="2057400" cy="5851525"/>
+            <a:off x="6839712" y="2925763"/>
+            <a:ext cx="609600" cy="609600"/>
+          </a:xfrm>
+          <a:prstGeom prst="ellipse">
+            <a:avLst/>
+          </a:prstGeom>
+          <a:solidFill>
+            <a:srgbClr val="FFFFFF"/>
+          </a:solidFill>
+          <a:ln w="15875" cap="rnd" cmpd="sng" algn="ctr">
+            <a:noFill/>
+            <a:prstDash val="solid"/>
+          </a:ln>
+          <a:effectLst/>
+        </p:spPr>
+        <p:style>
+          <a:lnRef idx="3">
+            <a:schemeClr val="lt1"/>
+          </a:lnRef>
+          <a:fillRef idx="1">
+            <a:schemeClr val="accent1"/>
+          </a:fillRef>
+          <a:effectRef idx="1">
+            <a:schemeClr val="accent1"/>
+          </a:effectRef>
+          <a:fontRef idx="minor">
+            <a:schemeClr val="lt1"/>
+          </a:fontRef>
+        </p:style>
+        <p:txBody>
+          <a:bodyPr anchor="ctr"/>
+          <a:lstStyle/>
+          <a:p>
+            <a:pPr algn="ctr" eaLnBrk="1" latinLnBrk="0" hangingPunct="1"/>
+            <a:endParaRPr kumimoji="0" lang="en-US"/>
+          </a:p>
+        </p:txBody>
+      </p:sp>
+      <p:sp>
+        <p:nvSpPr>
+          <p:cNvPr id="15" name="Oval 14"/>
+          <p:cNvSpPr/>
+          <p:nvPr/>
+        </p:nvSpPr>
+        <p:spPr>
+          <a:xfrm>
+            <a:off x="6934200" y="3020251"/>
+            <a:ext cx="420624" cy="420624"/>
+          </a:xfrm>
+          <a:prstGeom prst="ellipse">
+            <a:avLst/>
+          </a:prstGeom>
+          <a:solidFill>
+            <a:srgbClr val="FFFFFF"/>
+          </a:solidFill>
+          <a:ln w="50800" cap="rnd" cmpd="dbl" algn="ctr">
+            <a:solidFill>
+              <a:schemeClr val="accent3">
+                <a:shade val="75000"/>
+              </a:schemeClr>
+            </a:solidFill>
+            <a:prstDash val="solid"/>
+          </a:ln>
+          <a:effectLst/>
+        </p:spPr>
+        <p:style>
+          <a:lnRef idx="3">
+            <a:schemeClr val="lt1"/>
+          </a:lnRef>
+          <a:fillRef idx="1">
+            <a:schemeClr val="accent1"/>
+          </a:fillRef>
+          <a:effectRef idx="1">
+            <a:schemeClr val="accent1"/>
+          </a:effectRef>
+          <a:fontRef idx="minor">
+            <a:schemeClr val="lt1"/>
+          </a:fontRef>
+        </p:style>
+        <p:txBody>
+          <a:bodyPr anchor="ctr"/>
+          <a:lstStyle/>
+          <a:p>
+            <a:pPr algn="ctr" eaLnBrk="1" latinLnBrk="0" hangingPunct="1"/>
+            <a:endParaRPr kumimoji="0" lang="en-US"/>
+          </a:p>
+        </p:txBody>
+      </p:sp>
+      <p:sp>
+        <p:nvSpPr>
+          <p:cNvPr id="6" name="Slide Number Placeholder 5"/>
+          <p:cNvSpPr>
+            <a:spLocks noGrp="1"/>
+          </p:cNvSpPr>
+          <p:nvPr>
+            <p:ph type="sldNum" sz="quarter" idx="12"/>
+          </p:nvPr>
+        </p:nvSpPr>
+        <p:spPr>
+          <a:xfrm>
+            <a:off x="6915912" y="3009901"/>
+            <a:ext cx="457200" cy="441325"/>
+          </a:xfrm>
+        </p:spPr>
+        <p:txBody>
+          <a:bodyPr/>
+          <a:lstStyle/>
+          <a:p>
+            <a:fld id="{44E34880-AE79-4686-B272-9D28B357CDC7}" type="slidenum">
+              <a:rPr lang="en-US" smtClean="0"/>
+              <a:pPr/>
+              <a:t>‹#›</a:t>
+            </a:fld>
+            <a:endParaRPr lang="en-US"/>
+          </a:p>
+        </p:txBody>
+      </p:sp>
+      <p:sp>
+        <p:nvSpPr>
+          <p:cNvPr id="3" name="Vertical Text Placeholder 2"/>
+          <p:cNvSpPr>
+            <a:spLocks noGrp="1"/>
+          </p:cNvSpPr>
+          <p:nvPr>
+            <p:ph type="body" orient="vert" idx="1"/>
+          </p:nvPr>
+        </p:nvSpPr>
+        <p:spPr>
+          <a:xfrm>
+            <a:off x="304800" y="304800"/>
+            <a:ext cx="6553200" cy="5821366"/>
           </a:xfrm>
         </p:spPr>
         <p:txBody>
           <a:bodyPr vert="eaVert"/>
           <a:lstStyle/>
           <a:p>
-            <a:r>
-              <a:rPr lang="en-US" smtClean="0"/>
-              <a:t>Click to edit Master title style</a:t>
-            </a:r>
-            <a:endParaRPr lang="en-US"/>
-          </a:p>
-        </p:txBody>
-      </p:sp>
-      <p:sp>
-        <p:nvSpPr>
-          <p:cNvPr id="3" name="Vertical Text Placeholder 2"/>
-          <p:cNvSpPr>
-            <a:spLocks noGrp="1"/>
-          </p:cNvSpPr>
-          <p:nvPr>
-            <p:ph type="body" orient="vert" idx="1"/>
-          </p:nvPr>
-        </p:nvSpPr>
-        <p:spPr>
-          <a:xfrm>
-            <a:off x="457200" y="274638"/>
-            <a:ext cx="6019800" cy="5851525"/>
-          </a:xfrm>
-        </p:spPr>
-        <p:txBody>
-          <a:bodyPr vert="eaVert"/>
-          <a:lstStyle/>
-          <a:p>
-            <a:pPr lvl="0"/>
+            <a:pPr lvl="0" eaLnBrk="1" latinLnBrk="0" hangingPunct="1"/>
             <a:r>
               <a:rPr lang="en-US" smtClean="0"/>
               <a:t>Click to edit Master text styles</a:t>
             </a:r>
           </a:p>
           <a:p>
-            <a:pPr lvl="1"/>
+            <a:pPr lvl="1" eaLnBrk="1" latinLnBrk="0" hangingPunct="1"/>
             <a:r>
               <a:rPr lang="en-US" smtClean="0"/>
               <a:t>Second level</a:t>
             </a:r>
           </a:p>
           <a:p>
-            <a:pPr lvl="2"/>
+            <a:pPr lvl="2" eaLnBrk="1" latinLnBrk="0" hangingPunct="1"/>
             <a:r>
               <a:rPr lang="en-US" smtClean="0"/>
               <a:t>Third level</a:t>
             </a:r>
           </a:p>
           <a:p>
-            <a:pPr lvl="3"/>
+            <a:pPr lvl="3" eaLnBrk="1" latinLnBrk="0" hangingPunct="1"/>
             <a:r>
               <a:rPr lang="en-US" smtClean="0"/>
               <a:t>Fourth level</a:t>
             </a:r>
           </a:p>
           <a:p>
-            <a:pPr lvl="4"/>
+            <a:pPr lvl="4" eaLnBrk="1" latinLnBrk="0" hangingPunct="1"/>
             <a:r>
               <a:rPr lang="en-US" smtClean="0"/>
               <a:t>Fifth level</a:t>
             </a:r>
-            <a:endParaRPr lang="en-US"/>
+            <a:endParaRPr kumimoji="0" lang="en-US"/>
           </a:p>
         </p:txBody>
       </p:sp>
@@ -678,32 +1363,36 @@
       </p:sp>
       <p:sp>
         <p:nvSpPr>
-          <p:cNvPr id="6" name="Slide Number Placeholder 5"/>
-          <p:cNvSpPr>
-            <a:spLocks noGrp="1"/>
-          </p:cNvSpPr>
-          <p:nvPr>
-            <p:ph type="sldNum" sz="quarter" idx="12"/>
-          </p:nvPr>
-        </p:nvSpPr>
-        <p:spPr/>
-        <p:txBody>
-          <a:bodyPr/>
-          <a:lstStyle/>
-          <a:p>
-            <a:fld id="{44E34880-AE79-4686-B272-9D28B357CDC7}" type="slidenum">
-              <a:rPr lang="en-US" smtClean="0"/>
-              <a:pPr/>
-              <a:t>‹#›</a:t>
-            </a:fld>
-            <a:endParaRPr lang="en-US"/>
+          <p:cNvPr id="2" name="Vertical Title 1"/>
+          <p:cNvSpPr>
+            <a:spLocks noGrp="1"/>
+          </p:cNvSpPr>
+          <p:nvPr>
+            <p:ph type="title" orient="vert"/>
+          </p:nvPr>
+        </p:nvSpPr>
+        <p:spPr>
+          <a:xfrm>
+            <a:off x="7391400" y="304801"/>
+            <a:ext cx="1447800" cy="5851525"/>
+          </a:xfrm>
+        </p:spPr>
+        <p:txBody>
+          <a:bodyPr vert="eaVert"/>
+          <a:lstStyle/>
+          <a:p>
+            <a:r>
+              <a:rPr kumimoji="0" lang="en-US" smtClean="0"/>
+              <a:t>Click to edit Master title style</a:t>
+            </a:r>
+            <a:endParaRPr kumimoji="0" lang="en-US"/>
           </a:p>
         </p:txBody>
       </p:sp>
     </p:spTree>
   </p:cSld>
   <p:clrMapOvr>
-    <a:masterClrMapping/>
+    <a:overrideClrMapping bg1="lt1" tx1="dk1" bg2="lt2" tx2="dk2" accent1="accent1" accent2="accent2" accent3="accent3" accent4="accent4" accent5="accent5" accent6="accent6" hlink="hlink" folHlink="folHlink"/>
   </p:clrMapOvr>
 </p:sldLayout>
 </file>
@@ -711,6 +1400,11 @@
 <file path=ppt/slideLayouts/slideLayout2.xml><?xml version="1.0" encoding="utf-8"?>
 <p:sldLayout xmlns:a="http://schemas.openxmlformats.org/drawingml/2006/main" xmlns:r="http://schemas.openxmlformats.org/officeDocument/2006/relationships" xmlns:p="http://schemas.openxmlformats.org/presentationml/2006/main" type="obj" preserve="1">
   <p:cSld name="Title and Content">
+    <p:bg>
+      <p:bgRef idx="1001">
+        <a:schemeClr val="bg2"/>
+      </p:bgRef>
+    </p:bg>
     <p:spTree>
       <p:nvGrpSpPr>
         <p:cNvPr id="1" name=""/>
@@ -738,65 +1432,23 @@
         <p:spPr/>
         <p:txBody>
           <a:bodyPr/>
-          <a:lstStyle/>
-          <a:p>
-            <a:r>
-              <a:rPr lang="en-US" smtClean="0"/>
+          <a:lstStyle>
+            <a:lvl1pPr>
+              <a:defRPr>
+                <a:solidFill>
+                  <a:schemeClr val="accent3">
+                    <a:shade val="75000"/>
+                  </a:schemeClr>
+                </a:solidFill>
+              </a:defRPr>
+            </a:lvl1pPr>
+          </a:lstStyle>
+          <a:p>
+            <a:r>
+              <a:rPr kumimoji="0" lang="en-US" smtClean="0"/>
               <a:t>Click to edit Master title style</a:t>
             </a:r>
-            <a:endParaRPr lang="en-US"/>
-          </a:p>
-        </p:txBody>
-      </p:sp>
-      <p:sp>
-        <p:nvSpPr>
-          <p:cNvPr id="3" name="Content Placeholder 2"/>
-          <p:cNvSpPr>
-            <a:spLocks noGrp="1"/>
-          </p:cNvSpPr>
-          <p:nvPr>
-            <p:ph idx="1"/>
-          </p:nvPr>
-        </p:nvSpPr>
-        <p:spPr/>
-        <p:txBody>
-          <a:bodyPr/>
-          <a:lstStyle/>
-          <a:p>
-            <a:pPr lvl="0"/>
-            <a:r>
-              <a:rPr lang="en-US" smtClean="0"/>
-              <a:t>Click to edit Master text styles</a:t>
-            </a:r>
-          </a:p>
-          <a:p>
-            <a:pPr lvl="1"/>
-            <a:r>
-              <a:rPr lang="en-US" smtClean="0"/>
-              <a:t>Second level</a:t>
-            </a:r>
-          </a:p>
-          <a:p>
-            <a:pPr lvl="2"/>
-            <a:r>
-              <a:rPr lang="en-US" smtClean="0"/>
-              <a:t>Third level</a:t>
-            </a:r>
-          </a:p>
-          <a:p>
-            <a:pPr lvl="3"/>
-            <a:r>
-              <a:rPr lang="en-US" smtClean="0"/>
-              <a:t>Fourth level</a:t>
-            </a:r>
-          </a:p>
-          <a:p>
-            <a:pPr lvl="4"/>
-            <a:r>
-              <a:rPr lang="en-US" smtClean="0"/>
-              <a:t>Fifth level</a:t>
-            </a:r>
-            <a:endParaRPr lang="en-US"/>
+            <a:endParaRPr kumimoji="0" lang="en-US"/>
           </a:p>
         </p:txBody>
       </p:sp>
@@ -853,7 +1505,12 @@
             <p:ph type="sldNum" sz="quarter" idx="12"/>
           </p:nvPr>
         </p:nvSpPr>
-        <p:spPr/>
+        <p:spPr>
+          <a:xfrm>
+            <a:off x="4361688" y="1026372"/>
+            <a:ext cx="457200" cy="441325"/>
+          </a:xfrm>
+        </p:spPr>
         <p:txBody>
           <a:bodyPr/>
           <a:lstStyle/>
@@ -867,17 +1524,79 @@
           </a:p>
         </p:txBody>
       </p:sp>
+      <p:sp>
+        <p:nvSpPr>
+          <p:cNvPr id="8" name="Content Placeholder 7"/>
+          <p:cNvSpPr>
+            <a:spLocks noGrp="1"/>
+          </p:cNvSpPr>
+          <p:nvPr>
+            <p:ph sz="quarter" idx="1"/>
+          </p:nvPr>
+        </p:nvSpPr>
+        <p:spPr>
+          <a:xfrm>
+            <a:off x="301752" y="1527048"/>
+            <a:ext cx="8503920" cy="4572000"/>
+          </a:xfrm>
+        </p:spPr>
+        <p:txBody>
+          <a:bodyPr/>
+          <a:lstStyle/>
+          <a:p>
+            <a:pPr lvl="0" eaLnBrk="1" latinLnBrk="0" hangingPunct="1"/>
+            <a:r>
+              <a:rPr lang="en-US" smtClean="0"/>
+              <a:t>Click to edit Master text styles</a:t>
+            </a:r>
+          </a:p>
+          <a:p>
+            <a:pPr lvl="1" eaLnBrk="1" latinLnBrk="0" hangingPunct="1"/>
+            <a:r>
+              <a:rPr lang="en-US" smtClean="0"/>
+              <a:t>Second level</a:t>
+            </a:r>
+          </a:p>
+          <a:p>
+            <a:pPr lvl="2" eaLnBrk="1" latinLnBrk="0" hangingPunct="1"/>
+            <a:r>
+              <a:rPr lang="en-US" smtClean="0"/>
+              <a:t>Third level</a:t>
+            </a:r>
+          </a:p>
+          <a:p>
+            <a:pPr lvl="3" eaLnBrk="1" latinLnBrk="0" hangingPunct="1"/>
+            <a:r>
+              <a:rPr lang="en-US" smtClean="0"/>
+              <a:t>Fourth level</a:t>
+            </a:r>
+          </a:p>
+          <a:p>
+            <a:pPr lvl="4" eaLnBrk="1" latinLnBrk="0" hangingPunct="1"/>
+            <a:r>
+              <a:rPr lang="en-US" smtClean="0"/>
+              <a:t>Fifth level</a:t>
+            </a:r>
+            <a:endParaRPr kumimoji="0" lang="en-US"/>
+          </a:p>
+        </p:txBody>
+      </p:sp>
     </p:spTree>
   </p:cSld>
   <p:clrMapOvr>
-    <a:masterClrMapping/>
+    <a:overrideClrMapping bg1="lt1" tx1="dk1" bg2="lt2" tx2="dk2" accent1="accent1" accent2="accent2" accent3="accent3" accent4="accent4" accent5="accent5" accent6="accent6" hlink="hlink" folHlink="folHlink"/>
   </p:clrMapOvr>
 </p:sldLayout>
 </file>
 
 <file path=ppt/slideLayouts/slideLayout3.xml><?xml version="1.0" encoding="utf-8"?>
-<p:sldLayout xmlns:a="http://schemas.openxmlformats.org/drawingml/2006/main" xmlns:r="http://schemas.openxmlformats.org/officeDocument/2006/relationships" xmlns:p="http://schemas.openxmlformats.org/presentationml/2006/main" type="secHead" preserve="1">
+<p:sldLayout xmlns:a="http://schemas.openxmlformats.org/drawingml/2006/main" xmlns:r="http://schemas.openxmlformats.org/officeDocument/2006/relationships" xmlns:p="http://schemas.openxmlformats.org/presentationml/2006/main" showMasterSp="0" type="secHead" preserve="1">
   <p:cSld name="Section Header">
+    <p:bg>
+      <p:bgRef idx="1001">
+        <a:schemeClr val="bg1"/>
+      </p:bgRef>
+    </p:bg>
     <p:spTree>
       <p:nvGrpSpPr>
         <p:cNvPr id="1" name=""/>
@@ -894,66 +1613,248 @@
       </p:grpSpPr>
       <p:sp>
         <p:nvSpPr>
-          <p:cNvPr id="2" name="Title 1"/>
-          <p:cNvSpPr>
-            <a:spLocks noGrp="1"/>
-          </p:cNvSpPr>
-          <p:nvPr>
-            <p:ph type="title"/>
+          <p:cNvPr id="17" name="Rectangle 16"/>
+          <p:cNvSpPr>
+            <a:spLocks noChangeArrowheads="1"/>
+          </p:cNvSpPr>
+          <p:nvPr/>
+        </p:nvSpPr>
+        <p:spPr bwMode="white">
+          <a:xfrm>
+            <a:off x="0" y="0"/>
+            <a:ext cx="152400" cy="6858000"/>
+          </a:xfrm>
+          <a:prstGeom prst="rect">
+            <a:avLst/>
+          </a:prstGeom>
+          <a:solidFill>
+            <a:srgbClr val="FFFFFF"/>
+          </a:solidFill>
+          <a:ln w="9525" cap="flat" cmpd="sng" algn="ctr">
+            <a:noFill/>
+            <a:prstDash val="solid"/>
+            <a:miter lim="800000"/>
+            <a:headEnd type="none" w="med" len="med"/>
+            <a:tailEnd type="none" w="med" len="med"/>
+          </a:ln>
+          <a:effectLst/>
+        </p:spPr>
+        <p:txBody>
+          <a:bodyPr vert="horz" wrap="none" lIns="91440" tIns="45720" rIns="91440" bIns="45720" anchor="ctr" compatLnSpc="1"/>
+          <a:lstStyle/>
+          <a:p>
+            <a:endParaRPr kumimoji="0" lang="en-US"/>
+          </a:p>
+        </p:txBody>
+      </p:sp>
+      <p:sp>
+        <p:nvSpPr>
+          <p:cNvPr id="15" name="Rectangle 14"/>
+          <p:cNvSpPr>
+            <a:spLocks noChangeArrowheads="1"/>
+          </p:cNvSpPr>
+          <p:nvPr/>
+        </p:nvSpPr>
+        <p:spPr bwMode="white">
+          <a:xfrm>
+            <a:off x="0" y="6705600"/>
+            <a:ext cx="9144000" cy="152400"/>
+          </a:xfrm>
+          <a:prstGeom prst="rect">
+            <a:avLst/>
+          </a:prstGeom>
+          <a:solidFill>
+            <a:srgbClr val="FFFFFF"/>
+          </a:solidFill>
+          <a:ln w="9525" cap="flat" cmpd="sng" algn="ctr">
+            <a:noFill/>
+            <a:prstDash val="solid"/>
+            <a:miter lim="800000"/>
+            <a:headEnd type="none" w="med" len="med"/>
+            <a:tailEnd type="none" w="med" len="med"/>
+          </a:ln>
+          <a:effectLst/>
+        </p:spPr>
+        <p:txBody>
+          <a:bodyPr vert="horz" wrap="none" lIns="91440" tIns="45720" rIns="91440" bIns="45720" anchor="ctr" compatLnSpc="1"/>
+          <a:lstStyle/>
+          <a:p>
+            <a:endParaRPr kumimoji="0" lang="en-US"/>
+          </a:p>
+        </p:txBody>
+      </p:sp>
+      <p:sp>
+        <p:nvSpPr>
+          <p:cNvPr id="16" name="Rectangle 15"/>
+          <p:cNvSpPr>
+            <a:spLocks noChangeArrowheads="1"/>
+          </p:cNvSpPr>
+          <p:nvPr/>
+        </p:nvSpPr>
+        <p:spPr bwMode="white">
+          <a:xfrm>
+            <a:off x="0" y="0"/>
+            <a:ext cx="9144000" cy="152400"/>
+          </a:xfrm>
+          <a:prstGeom prst="rect">
+            <a:avLst/>
+          </a:prstGeom>
+          <a:solidFill>
+            <a:srgbClr val="FFFFFF"/>
+          </a:solidFill>
+          <a:ln w="9525" cap="flat" cmpd="sng" algn="ctr">
+            <a:noFill/>
+            <a:prstDash val="solid"/>
+            <a:miter lim="800000"/>
+            <a:headEnd type="none" w="med" len="med"/>
+            <a:tailEnd type="none" w="med" len="med"/>
+          </a:ln>
+          <a:effectLst/>
+        </p:spPr>
+        <p:txBody>
+          <a:bodyPr vert="horz" wrap="none" lIns="91440" tIns="45720" rIns="91440" bIns="45720" anchor="ctr" compatLnSpc="1"/>
+          <a:lstStyle/>
+          <a:p>
+            <a:endParaRPr kumimoji="0" lang="en-US"/>
+          </a:p>
+        </p:txBody>
+      </p:sp>
+      <p:sp>
+        <p:nvSpPr>
+          <p:cNvPr id="18" name="Rectangle 17"/>
+          <p:cNvSpPr>
+            <a:spLocks noChangeArrowheads="1"/>
+          </p:cNvSpPr>
+          <p:nvPr/>
+        </p:nvSpPr>
+        <p:spPr bwMode="white">
+          <a:xfrm>
+            <a:off x="8991600" y="19050"/>
+            <a:ext cx="152400" cy="6858000"/>
+          </a:xfrm>
+          <a:prstGeom prst="rect">
+            <a:avLst/>
+          </a:prstGeom>
+          <a:solidFill>
+            <a:srgbClr val="FFFFFF"/>
+          </a:solidFill>
+          <a:ln w="9525" cap="flat" cmpd="sng" algn="ctr">
+            <a:noFill/>
+            <a:prstDash val="solid"/>
+            <a:miter lim="800000"/>
+            <a:headEnd type="none" w="med" len="med"/>
+            <a:tailEnd type="none" w="med" len="med"/>
+          </a:ln>
+          <a:effectLst/>
+        </p:spPr>
+        <p:txBody>
+          <a:bodyPr vert="horz" wrap="none" lIns="91440" tIns="45720" rIns="91440" bIns="45720" anchor="ctr" compatLnSpc="1"/>
+          <a:lstStyle/>
+          <a:p>
+            <a:endParaRPr kumimoji="0" lang="en-US"/>
+          </a:p>
+        </p:txBody>
+      </p:sp>
+      <p:sp>
+        <p:nvSpPr>
+          <p:cNvPr id="19" name="Rectangle 18"/>
+          <p:cNvSpPr>
+            <a:spLocks noChangeArrowheads="1"/>
+          </p:cNvSpPr>
+          <p:nvPr/>
+        </p:nvSpPr>
+        <p:spPr bwMode="white">
+          <a:xfrm>
+            <a:off x="152400" y="2286000"/>
+            <a:ext cx="8833104" cy="304800"/>
+          </a:xfrm>
+          <a:prstGeom prst="rect">
+            <a:avLst/>
+          </a:prstGeom>
+          <a:solidFill>
+            <a:srgbClr val="FFFFFF"/>
+          </a:solidFill>
+          <a:ln w="9525" cap="flat" cmpd="sng" algn="ctr">
+            <a:noFill/>
+            <a:prstDash val="solid"/>
+            <a:miter lim="800000"/>
+            <a:headEnd type="none" w="med" len="med"/>
+            <a:tailEnd type="none" w="med" len="med"/>
+          </a:ln>
+          <a:effectLst/>
+        </p:spPr>
+        <p:txBody>
+          <a:bodyPr vert="horz" wrap="none" lIns="91440" tIns="45720" rIns="91440" bIns="45720" anchor="ctr" compatLnSpc="1"/>
+          <a:lstStyle/>
+          <a:p>
+            <a:endParaRPr kumimoji="0" lang="en-US"/>
+          </a:p>
+        </p:txBody>
+      </p:sp>
+      <p:sp>
+        <p:nvSpPr>
+          <p:cNvPr id="12" name="Rectangle 11"/>
+          <p:cNvSpPr>
+            <a:spLocks noChangeArrowheads="1"/>
+          </p:cNvSpPr>
+          <p:nvPr/>
+        </p:nvSpPr>
+        <p:spPr bwMode="auto">
+          <a:xfrm>
+            <a:off x="155448" y="142352"/>
+            <a:ext cx="8833104" cy="2139696"/>
+          </a:xfrm>
+          <a:prstGeom prst="rect">
+            <a:avLst/>
+          </a:prstGeom>
+          <a:solidFill>
+            <a:schemeClr val="accent1"/>
+          </a:solidFill>
+          <a:ln w="9525" cap="flat" cmpd="sng" algn="ctr">
+            <a:noFill/>
+            <a:prstDash val="solid"/>
+            <a:miter lim="800000"/>
+            <a:headEnd type="none" w="med" len="med"/>
+            <a:tailEnd type="none" w="med" len="med"/>
+          </a:ln>
+          <a:effectLst/>
+        </p:spPr>
+        <p:txBody>
+          <a:bodyPr vert="horz" wrap="none" lIns="91440" tIns="45720" rIns="91440" bIns="45720" anchor="ctr" compatLnSpc="1"/>
+          <a:lstStyle/>
+          <a:p>
+            <a:endParaRPr kumimoji="0" lang="en-US"/>
+          </a:p>
+        </p:txBody>
+      </p:sp>
+      <p:sp>
+        <p:nvSpPr>
+          <p:cNvPr id="3" name="Text Placeholder 2"/>
+          <p:cNvSpPr>
+            <a:spLocks noGrp="1"/>
+          </p:cNvSpPr>
+          <p:nvPr>
+            <p:ph type="body" idx="1"/>
           </p:nvPr>
         </p:nvSpPr>
         <p:spPr>
           <a:xfrm>
-            <a:off x="722313" y="4406900"/>
-            <a:ext cx="7772400" cy="1362075"/>
+            <a:off x="1368426" y="2743200"/>
+            <a:ext cx="6480174" cy="1673225"/>
           </a:xfrm>
         </p:spPr>
         <p:txBody>
           <a:bodyPr anchor="t"/>
           <a:lstStyle>
-            <a:lvl1pPr algn="l">
-              <a:defRPr sz="4000" b="1" cap="all"/>
-            </a:lvl1pPr>
-          </a:lstStyle>
-          <a:p>
-            <a:r>
-              <a:rPr lang="en-US" smtClean="0"/>
-              <a:t>Click to edit Master title style</a:t>
-            </a:r>
-            <a:endParaRPr lang="en-US"/>
-          </a:p>
-        </p:txBody>
-      </p:sp>
-      <p:sp>
-        <p:nvSpPr>
-          <p:cNvPr id="3" name="Text Placeholder 2"/>
-          <p:cNvSpPr>
-            <a:spLocks noGrp="1"/>
-          </p:cNvSpPr>
-          <p:nvPr>
-            <p:ph type="body" idx="1"/>
-          </p:nvPr>
-        </p:nvSpPr>
-        <p:spPr>
-          <a:xfrm>
-            <a:off x="722313" y="2906713"/>
-            <a:ext cx="7772400" cy="1500187"/>
-          </a:xfrm>
-        </p:spPr>
-        <p:txBody>
-          <a:bodyPr anchor="b"/>
-          <a:lstStyle>
-            <a:lvl1pPr marL="0" indent="0">
+            <a:lvl1pPr marL="0" indent="0" algn="ctr">
               <a:buNone/>
-              <a:defRPr sz="2000">
+              <a:defRPr sz="1600" b="1" cap="all" spc="250" baseline="0">
                 <a:solidFill>
-                  <a:schemeClr val="tx1">
-                    <a:tint val="75000"/>
-                  </a:schemeClr>
+                  <a:schemeClr val="tx2"/>
                 </a:solidFill>
               </a:defRPr>
             </a:lvl1pPr>
-            <a:lvl2pPr marL="457200" indent="0">
+            <a:lvl2pPr>
               <a:buNone/>
               <a:defRPr sz="1800">
                 <a:solidFill>
@@ -963,7 +1864,7 @@
                 </a:solidFill>
               </a:defRPr>
             </a:lvl2pPr>
-            <a:lvl3pPr marL="914400" indent="0">
+            <a:lvl3pPr>
               <a:buNone/>
               <a:defRPr sz="1600">
                 <a:solidFill>
@@ -973,7 +1874,7 @@
                 </a:solidFill>
               </a:defRPr>
             </a:lvl3pPr>
-            <a:lvl4pPr marL="1371600" indent="0">
+            <a:lvl4pPr>
               <a:buNone/>
               <a:defRPr sz="1400">
                 <a:solidFill>
@@ -983,7 +1884,7 @@
                 </a:solidFill>
               </a:defRPr>
             </a:lvl4pPr>
-            <a:lvl5pPr marL="1828800" indent="0">
+            <a:lvl5pPr>
               <a:buNone/>
               <a:defRPr sz="1400">
                 <a:solidFill>
@@ -993,53 +1894,106 @@
                 </a:solidFill>
               </a:defRPr>
             </a:lvl5pPr>
-            <a:lvl6pPr marL="2286000" indent="0">
-              <a:buNone/>
-              <a:defRPr sz="1400">
-                <a:solidFill>
-                  <a:schemeClr val="tx1">
-                    <a:tint val="75000"/>
-                  </a:schemeClr>
-                </a:solidFill>
-              </a:defRPr>
-            </a:lvl6pPr>
-            <a:lvl7pPr marL="2743200" indent="0">
-              <a:buNone/>
-              <a:defRPr sz="1400">
-                <a:solidFill>
-                  <a:schemeClr val="tx1">
-                    <a:tint val="75000"/>
-                  </a:schemeClr>
-                </a:solidFill>
-              </a:defRPr>
-            </a:lvl7pPr>
-            <a:lvl8pPr marL="3200400" indent="0">
-              <a:buNone/>
-              <a:defRPr sz="1400">
-                <a:solidFill>
-                  <a:schemeClr val="tx1">
-                    <a:tint val="75000"/>
-                  </a:schemeClr>
-                </a:solidFill>
-              </a:defRPr>
-            </a:lvl8pPr>
-            <a:lvl9pPr marL="3657600" indent="0">
-              <a:buNone/>
-              <a:defRPr sz="1400">
-                <a:solidFill>
-                  <a:schemeClr val="tx1">
-                    <a:tint val="75000"/>
-                  </a:schemeClr>
-                </a:solidFill>
-              </a:defRPr>
-            </a:lvl9pPr>
           </a:lstStyle>
           <a:p>
-            <a:pPr lvl="0"/>
-            <a:r>
-              <a:rPr lang="en-US" smtClean="0"/>
+            <a:pPr lvl="0" eaLnBrk="1" latinLnBrk="0" hangingPunct="1"/>
+            <a:r>
+              <a:rPr kumimoji="0" lang="en-US" smtClean="0"/>
               <a:t>Click to edit Master text styles</a:t>
             </a:r>
+          </a:p>
+        </p:txBody>
+      </p:sp>
+      <p:sp>
+        <p:nvSpPr>
+          <p:cNvPr id="13" name="Rectangle 12"/>
+          <p:cNvSpPr>
+            <a:spLocks noChangeArrowheads="1"/>
+          </p:cNvSpPr>
+          <p:nvPr/>
+        </p:nvSpPr>
+        <p:spPr bwMode="auto">
+          <a:xfrm>
+            <a:off x="146304" y="6391656"/>
+            <a:ext cx="8833104" cy="309563"/>
+          </a:xfrm>
+          <a:prstGeom prst="rect">
+            <a:avLst/>
+          </a:prstGeom>
+          <a:solidFill>
+            <a:schemeClr val="accent3"/>
+          </a:solidFill>
+          <a:ln w="9525" cap="flat" cmpd="sng" algn="ctr">
+            <a:noFill/>
+            <a:prstDash val="solid"/>
+            <a:miter lim="800000"/>
+            <a:headEnd type="none" w="med" len="med"/>
+            <a:tailEnd type="none" w="med" len="med"/>
+          </a:ln>
+          <a:effectLst/>
+        </p:spPr>
+        <p:txBody>
+          <a:bodyPr vert="horz" wrap="none" lIns="91440" tIns="45720" rIns="91440" bIns="45720" anchor="ctr" compatLnSpc="1"/>
+          <a:lstStyle/>
+          <a:p>
+            <a:endParaRPr kumimoji="0" lang="en-US"/>
+          </a:p>
+        </p:txBody>
+      </p:sp>
+      <p:sp>
+        <p:nvSpPr>
+          <p:cNvPr id="14" name="Rectangle 13"/>
+          <p:cNvSpPr>
+            <a:spLocks noChangeArrowheads="1"/>
+          </p:cNvSpPr>
+          <p:nvPr/>
+        </p:nvSpPr>
+        <p:spPr bwMode="auto">
+          <a:xfrm>
+            <a:off x="152400" y="152400"/>
+            <a:ext cx="8833104" cy="6547104"/>
+          </a:xfrm>
+          <a:prstGeom prst="rect">
+            <a:avLst/>
+          </a:prstGeom>
+          <a:noFill/>
+          <a:ln w="9525" cap="flat" cmpd="sng" algn="ctr">
+            <a:solidFill>
+              <a:schemeClr val="accent3">
+                <a:shade val="75000"/>
+              </a:schemeClr>
+            </a:solidFill>
+            <a:prstDash val="solid"/>
+            <a:miter lim="800000"/>
+            <a:headEnd type="none" w="med" len="med"/>
+            <a:tailEnd type="none" w="med" len="med"/>
+          </a:ln>
+          <a:effectLst/>
+        </p:spPr>
+        <p:txBody>
+          <a:bodyPr vert="horz" wrap="none" lIns="91440" tIns="45720" rIns="91440" bIns="45720" anchor="ctr" compatLnSpc="1"/>
+          <a:lstStyle/>
+          <a:p>
+            <a:endParaRPr kumimoji="0" lang="en-US" dirty="0"/>
+          </a:p>
+        </p:txBody>
+      </p:sp>
+      <p:sp>
+        <p:nvSpPr>
+          <p:cNvPr id="5" name="Footer Placeholder 4"/>
+          <p:cNvSpPr>
+            <a:spLocks noGrp="1"/>
+          </p:cNvSpPr>
+          <p:nvPr>
+            <p:ph type="ftr" sz="quarter" idx="11"/>
+          </p:nvPr>
+        </p:nvSpPr>
+        <p:spPr/>
+        <p:txBody>
+          <a:bodyPr/>
+          <a:lstStyle/>
+          <a:p>
+            <a:endParaRPr lang="en-US"/>
           </a:p>
         </p:txBody>
       </p:sp>
@@ -1069,37 +2023,167 @@
       </p:sp>
       <p:sp>
         <p:nvSpPr>
-          <p:cNvPr id="5" name="Footer Placeholder 4"/>
-          <p:cNvSpPr>
-            <a:spLocks noGrp="1"/>
-          </p:cNvSpPr>
-          <p:nvPr>
-            <p:ph type="ftr" sz="quarter" idx="11"/>
-          </p:nvPr>
-        </p:nvSpPr>
-        <p:spPr/>
+          <p:cNvPr id="8" name="Straight Connector 7"/>
+          <p:cNvSpPr>
+            <a:spLocks noChangeShapeType="1"/>
+          </p:cNvSpPr>
+          <p:nvPr/>
+        </p:nvSpPr>
+        <p:spPr bwMode="auto">
+          <a:xfrm>
+            <a:off x="152400" y="2438400"/>
+            <a:ext cx="8833104" cy="0"/>
+          </a:xfrm>
+          <a:prstGeom prst="line">
+            <a:avLst/>
+          </a:prstGeom>
+          <a:noFill/>
+          <a:ln w="11430" cap="flat" cmpd="sng" algn="ctr">
+            <a:solidFill>
+              <a:schemeClr val="accent3">
+                <a:shade val="75000"/>
+              </a:schemeClr>
+            </a:solidFill>
+            <a:prstDash val="sysDash"/>
+            <a:round/>
+            <a:headEnd type="none" w="med" len="med"/>
+            <a:tailEnd type="none" w="med" len="med"/>
+          </a:ln>
+          <a:effectLst/>
+        </p:spPr>
+        <p:txBody>
+          <a:bodyPr vert="horz" wrap="none" lIns="91440" tIns="45720" rIns="91440" bIns="45720" anchor="ctr" compatLnSpc="1"/>
+          <a:lstStyle/>
+          <a:p>
+            <a:endParaRPr kumimoji="0" lang="en-US"/>
+          </a:p>
+        </p:txBody>
+      </p:sp>
+      <p:sp>
+        <p:nvSpPr>
+          <p:cNvPr id="10" name="Oval 9"/>
+          <p:cNvSpPr/>
+          <p:nvPr/>
+        </p:nvSpPr>
+        <p:spPr>
+          <a:xfrm>
+            <a:off x="4267200" y="2115312"/>
+            <a:ext cx="609600" cy="609600"/>
+          </a:xfrm>
+          <a:prstGeom prst="ellipse">
+            <a:avLst/>
+          </a:prstGeom>
+          <a:solidFill>
+            <a:srgbClr val="FFFFFF"/>
+          </a:solidFill>
+          <a:ln w="15875" cap="rnd" cmpd="sng" algn="ctr">
+            <a:noFill/>
+            <a:prstDash val="solid"/>
+          </a:ln>
+          <a:effectLst/>
+        </p:spPr>
+        <p:style>
+          <a:lnRef idx="3">
+            <a:schemeClr val="lt1"/>
+          </a:lnRef>
+          <a:fillRef idx="1">
+            <a:schemeClr val="accent1"/>
+          </a:fillRef>
+          <a:effectRef idx="1">
+            <a:schemeClr val="accent1"/>
+          </a:effectRef>
+          <a:fontRef idx="minor">
+            <a:schemeClr val="lt1"/>
+          </a:fontRef>
+        </p:style>
+        <p:txBody>
+          <a:bodyPr anchor="ctr"/>
+          <a:lstStyle/>
+          <a:p>
+            <a:pPr algn="ctr" eaLnBrk="1" latinLnBrk="0" hangingPunct="1"/>
+            <a:endParaRPr kumimoji="0" lang="en-US"/>
+          </a:p>
+        </p:txBody>
+      </p:sp>
+      <p:sp>
+        <p:nvSpPr>
+          <p:cNvPr id="11" name="Oval 10"/>
+          <p:cNvSpPr/>
+          <p:nvPr/>
+        </p:nvSpPr>
+        <p:spPr>
+          <a:xfrm>
+            <a:off x="4361688" y="2209800"/>
+            <a:ext cx="420624" cy="420624"/>
+          </a:xfrm>
+          <a:prstGeom prst="ellipse">
+            <a:avLst/>
+          </a:prstGeom>
+          <a:solidFill>
+            <a:srgbClr val="FFFFFF"/>
+          </a:solidFill>
+          <a:ln w="50800" cap="rnd" cmpd="dbl" algn="ctr">
+            <a:solidFill>
+              <a:schemeClr val="accent3">
+                <a:shade val="75000"/>
+              </a:schemeClr>
+            </a:solidFill>
+            <a:prstDash val="solid"/>
+          </a:ln>
+          <a:effectLst/>
+        </p:spPr>
+        <p:style>
+          <a:lnRef idx="3">
+            <a:schemeClr val="lt1"/>
+          </a:lnRef>
+          <a:fillRef idx="1">
+            <a:schemeClr val="accent1"/>
+          </a:fillRef>
+          <a:effectRef idx="1">
+            <a:schemeClr val="accent1"/>
+          </a:effectRef>
+          <a:fontRef idx="minor">
+            <a:schemeClr val="lt1"/>
+          </a:fontRef>
+        </p:style>
+        <p:txBody>
+          <a:bodyPr anchor="ctr"/>
+          <a:lstStyle/>
+          <a:p>
+            <a:pPr algn="ctr" eaLnBrk="1" latinLnBrk="0" hangingPunct="1"/>
+            <a:endParaRPr kumimoji="0" lang="en-US"/>
+          </a:p>
+        </p:txBody>
+      </p:sp>
+      <p:sp>
+        <p:nvSpPr>
+          <p:cNvPr id="6" name="Slide Number Placeholder 5"/>
+          <p:cNvSpPr>
+            <a:spLocks noGrp="1"/>
+          </p:cNvSpPr>
+          <p:nvPr>
+            <p:ph type="sldNum" sz="quarter" idx="12"/>
+          </p:nvPr>
+        </p:nvSpPr>
+        <p:spPr>
+          <a:xfrm>
+            <a:off x="4343400" y="2199450"/>
+            <a:ext cx="457200" cy="441325"/>
+          </a:xfrm>
+        </p:spPr>
         <p:txBody>
           <a:bodyPr/>
-          <a:lstStyle/>
-          <a:p>
-            <a:endParaRPr lang="en-US"/>
-          </a:p>
-        </p:txBody>
-      </p:sp>
-      <p:sp>
-        <p:nvSpPr>
-          <p:cNvPr id="6" name="Slide Number Placeholder 5"/>
-          <p:cNvSpPr>
-            <a:spLocks noGrp="1"/>
-          </p:cNvSpPr>
-          <p:nvPr>
-            <p:ph type="sldNum" sz="quarter" idx="12"/>
-          </p:nvPr>
-        </p:nvSpPr>
-        <p:spPr/>
-        <p:txBody>
-          <a:bodyPr/>
-          <a:lstStyle/>
+          <a:lstStyle>
+            <a:lvl1pPr>
+              <a:defRPr>
+                <a:solidFill>
+                  <a:schemeClr val="accent3">
+                    <a:shade val="75000"/>
+                  </a:schemeClr>
+                </a:solidFill>
+              </a:defRPr>
+            </a:lvl1pPr>
+          </a:lstStyle>
           <a:p>
             <a:fld id="{44E34880-AE79-4686-B272-9D28B357CDC7}" type="slidenum">
               <a:rPr lang="en-US" smtClean="0"/>
@@ -1110,10 +2194,47 @@
           </a:p>
         </p:txBody>
       </p:sp>
+      <p:sp>
+        <p:nvSpPr>
+          <p:cNvPr id="2" name="Title 1"/>
+          <p:cNvSpPr>
+            <a:spLocks noGrp="1"/>
+          </p:cNvSpPr>
+          <p:nvPr>
+            <p:ph type="title"/>
+          </p:nvPr>
+        </p:nvSpPr>
+        <p:spPr>
+          <a:xfrm>
+            <a:off x="722313" y="533400"/>
+            <a:ext cx="7772400" cy="1524000"/>
+          </a:xfrm>
+        </p:spPr>
+        <p:txBody>
+          <a:bodyPr anchor="b"/>
+          <a:lstStyle>
+            <a:lvl1pPr algn="ctr">
+              <a:buNone/>
+              <a:defRPr sz="4200" b="0" cap="none" baseline="0">
+                <a:solidFill>
+                  <a:srgbClr val="FFFFFF"/>
+                </a:solidFill>
+              </a:defRPr>
+            </a:lvl1pPr>
+          </a:lstStyle>
+          <a:p>
+            <a:r>
+              <a:rPr kumimoji="0" lang="en-US" smtClean="0"/>
+              <a:t>Click to edit Master title style</a:t>
+            </a:r>
+            <a:endParaRPr kumimoji="0" lang="en-US"/>
+          </a:p>
+        </p:txBody>
+      </p:sp>
     </p:spTree>
   </p:cSld>
   <p:clrMapOvr>
-    <a:masterClrMapping/>
+    <a:overrideClrMapping bg1="lt1" tx1="dk1" bg2="lt2" tx2="dk2" accent1="accent1" accent2="accent2" accent3="accent3" accent4="accent4" accent5="accent5" accent6="accent6" hlink="hlink" folHlink="folHlink"/>
   </p:clrMapOvr>
 </p:sldLayout>
 </file>
@@ -1121,6 +2242,11 @@
 <file path=ppt/slideLayouts/slideLayout4.xml><?xml version="1.0" encoding="utf-8"?>
 <p:sldLayout xmlns:a="http://schemas.openxmlformats.org/drawingml/2006/main" xmlns:r="http://schemas.openxmlformats.org/officeDocument/2006/relationships" xmlns:p="http://schemas.openxmlformats.org/presentationml/2006/main" type="twoObj" preserve="1">
   <p:cSld name="Two Content">
+    <p:bg>
+      <p:bgRef idx="1001">
+        <a:schemeClr val="bg2"/>
+      </p:bgRef>
+    </p:bg>
     <p:spTree>
       <p:nvGrpSpPr>
         <p:cNvPr id="1" name=""/>
@@ -1145,200 +2271,40 @@
             <p:ph type="title"/>
           </p:nvPr>
         </p:nvSpPr>
-        <p:spPr/>
+        <p:spPr>
+          <a:xfrm>
+            <a:off x="301752" y="228600"/>
+            <a:ext cx="8534400" cy="758952"/>
+          </a:xfrm>
+        </p:spPr>
         <p:txBody>
           <a:bodyPr/>
           <a:lstStyle/>
           <a:p>
             <a:r>
-              <a:rPr lang="en-US" smtClean="0"/>
+              <a:rPr kumimoji="0" lang="en-US" smtClean="0"/>
               <a:t>Click to edit Master title style</a:t>
             </a:r>
-            <a:endParaRPr lang="en-US"/>
-          </a:p>
-        </p:txBody>
-      </p:sp>
-      <p:sp>
-        <p:nvSpPr>
-          <p:cNvPr id="3" name="Content Placeholder 2"/>
-          <p:cNvSpPr>
-            <a:spLocks noGrp="1"/>
-          </p:cNvSpPr>
-          <p:nvPr>
-            <p:ph sz="half" idx="1"/>
+            <a:endParaRPr kumimoji="0" lang="en-US"/>
+          </a:p>
+        </p:txBody>
+      </p:sp>
+      <p:sp>
+        <p:nvSpPr>
+          <p:cNvPr id="5" name="Date Placeholder 4"/>
+          <p:cNvSpPr>
+            <a:spLocks noGrp="1"/>
+          </p:cNvSpPr>
+          <p:nvPr>
+            <p:ph type="dt" sz="half" idx="10"/>
           </p:nvPr>
         </p:nvSpPr>
         <p:spPr>
           <a:xfrm>
-            <a:off x="457200" y="1600200"/>
-            <a:ext cx="4038600" cy="4525963"/>
-          </a:xfrm>
-        </p:spPr>
-        <p:txBody>
-          <a:bodyPr/>
-          <a:lstStyle>
-            <a:lvl1pPr>
-              <a:defRPr sz="2800"/>
-            </a:lvl1pPr>
-            <a:lvl2pPr>
-              <a:defRPr sz="2400"/>
-            </a:lvl2pPr>
-            <a:lvl3pPr>
-              <a:defRPr sz="2000"/>
-            </a:lvl3pPr>
-            <a:lvl4pPr>
-              <a:defRPr sz="1800"/>
-            </a:lvl4pPr>
-            <a:lvl5pPr>
-              <a:defRPr sz="1800"/>
-            </a:lvl5pPr>
-            <a:lvl6pPr>
-              <a:defRPr sz="1800"/>
-            </a:lvl6pPr>
-            <a:lvl7pPr>
-              <a:defRPr sz="1800"/>
-            </a:lvl7pPr>
-            <a:lvl8pPr>
-              <a:defRPr sz="1800"/>
-            </a:lvl8pPr>
-            <a:lvl9pPr>
-              <a:defRPr sz="1800"/>
-            </a:lvl9pPr>
-          </a:lstStyle>
-          <a:p>
-            <a:pPr lvl="0"/>
-            <a:r>
-              <a:rPr lang="en-US" smtClean="0"/>
-              <a:t>Click to edit Master text styles</a:t>
-            </a:r>
-          </a:p>
-          <a:p>
-            <a:pPr lvl="1"/>
-            <a:r>
-              <a:rPr lang="en-US" smtClean="0"/>
-              <a:t>Second level</a:t>
-            </a:r>
-          </a:p>
-          <a:p>
-            <a:pPr lvl="2"/>
-            <a:r>
-              <a:rPr lang="en-US" smtClean="0"/>
-              <a:t>Third level</a:t>
-            </a:r>
-          </a:p>
-          <a:p>
-            <a:pPr lvl="3"/>
-            <a:r>
-              <a:rPr lang="en-US" smtClean="0"/>
-              <a:t>Fourth level</a:t>
-            </a:r>
-          </a:p>
-          <a:p>
-            <a:pPr lvl="4"/>
-            <a:r>
-              <a:rPr lang="en-US" smtClean="0"/>
-              <a:t>Fifth level</a:t>
-            </a:r>
-            <a:endParaRPr lang="en-US"/>
-          </a:p>
-        </p:txBody>
-      </p:sp>
-      <p:sp>
-        <p:nvSpPr>
-          <p:cNvPr id="4" name="Content Placeholder 3"/>
-          <p:cNvSpPr>
-            <a:spLocks noGrp="1"/>
-          </p:cNvSpPr>
-          <p:nvPr>
-            <p:ph sz="half" idx="2"/>
-          </p:nvPr>
-        </p:nvSpPr>
-        <p:spPr>
-          <a:xfrm>
-            <a:off x="4648200" y="1600200"/>
-            <a:ext cx="4038600" cy="4525963"/>
-          </a:xfrm>
-        </p:spPr>
-        <p:txBody>
-          <a:bodyPr/>
-          <a:lstStyle>
-            <a:lvl1pPr>
-              <a:defRPr sz="2800"/>
-            </a:lvl1pPr>
-            <a:lvl2pPr>
-              <a:defRPr sz="2400"/>
-            </a:lvl2pPr>
-            <a:lvl3pPr>
-              <a:defRPr sz="2000"/>
-            </a:lvl3pPr>
-            <a:lvl4pPr>
-              <a:defRPr sz="1800"/>
-            </a:lvl4pPr>
-            <a:lvl5pPr>
-              <a:defRPr sz="1800"/>
-            </a:lvl5pPr>
-            <a:lvl6pPr>
-              <a:defRPr sz="1800"/>
-            </a:lvl6pPr>
-            <a:lvl7pPr>
-              <a:defRPr sz="1800"/>
-            </a:lvl7pPr>
-            <a:lvl8pPr>
-              <a:defRPr sz="1800"/>
-            </a:lvl8pPr>
-            <a:lvl9pPr>
-              <a:defRPr sz="1800"/>
-            </a:lvl9pPr>
-          </a:lstStyle>
-          <a:p>
-            <a:pPr lvl="0"/>
-            <a:r>
-              <a:rPr lang="en-US" smtClean="0"/>
-              <a:t>Click to edit Master text styles</a:t>
-            </a:r>
-          </a:p>
-          <a:p>
-            <a:pPr lvl="1"/>
-            <a:r>
-              <a:rPr lang="en-US" smtClean="0"/>
-              <a:t>Second level</a:t>
-            </a:r>
-          </a:p>
-          <a:p>
-            <a:pPr lvl="2"/>
-            <a:r>
-              <a:rPr lang="en-US" smtClean="0"/>
-              <a:t>Third level</a:t>
-            </a:r>
-          </a:p>
-          <a:p>
-            <a:pPr lvl="3"/>
-            <a:r>
-              <a:rPr lang="en-US" smtClean="0"/>
-              <a:t>Fourth level</a:t>
-            </a:r>
-          </a:p>
-          <a:p>
-            <a:pPr lvl="4"/>
-            <a:r>
-              <a:rPr lang="en-US" smtClean="0"/>
-              <a:t>Fifth level</a:t>
-            </a:r>
-            <a:endParaRPr lang="en-US"/>
-          </a:p>
-        </p:txBody>
-      </p:sp>
-      <p:sp>
-        <p:nvSpPr>
-          <p:cNvPr id="5" name="Date Placeholder 4"/>
-          <p:cNvSpPr>
-            <a:spLocks noGrp="1"/>
-          </p:cNvSpPr>
-          <p:nvPr>
-            <p:ph type="dt" sz="half" idx="10"/>
-          </p:nvPr>
-        </p:nvSpPr>
-        <p:spPr/>
+            <a:off x="5791200" y="6409944"/>
+            <a:ext cx="3044952" cy="365760"/>
+          </a:xfrm>
+        </p:spPr>
         <p:txBody>
           <a:bodyPr/>
           <a:lstStyle/>
@@ -1395,17 +2361,180 @@
           </a:p>
         </p:txBody>
       </p:sp>
+      <p:sp>
+        <p:nvSpPr>
+          <p:cNvPr id="8" name="Straight Connector 7"/>
+          <p:cNvSpPr>
+            <a:spLocks noChangeShapeType="1"/>
+          </p:cNvSpPr>
+          <p:nvPr/>
+        </p:nvSpPr>
+        <p:spPr bwMode="auto">
+          <a:xfrm flipV="1">
+            <a:off x="4563080" y="1575652"/>
+            <a:ext cx="8921" cy="4819557"/>
+          </a:xfrm>
+          <a:prstGeom prst="line">
+            <a:avLst/>
+          </a:prstGeom>
+          <a:noFill/>
+          <a:ln w="9525" cap="flat" cmpd="sng" algn="ctr">
+            <a:solidFill>
+              <a:schemeClr val="tx2"/>
+            </a:solidFill>
+            <a:prstDash val="sysDash"/>
+            <a:round/>
+            <a:headEnd type="none" w="med" len="med"/>
+            <a:tailEnd type="none" w="med" len="med"/>
+          </a:ln>
+          <a:effectLst/>
+        </p:spPr>
+        <p:txBody>
+          <a:bodyPr vert="horz" wrap="none" lIns="91440" tIns="45720" rIns="91440" bIns="45720" anchor="ctr" compatLnSpc="1"/>
+          <a:lstStyle/>
+          <a:p>
+            <a:endParaRPr kumimoji="0" lang="en-US"/>
+          </a:p>
+        </p:txBody>
+      </p:sp>
+      <p:sp>
+        <p:nvSpPr>
+          <p:cNvPr id="10" name="Content Placeholder 9"/>
+          <p:cNvSpPr>
+            <a:spLocks noGrp="1"/>
+          </p:cNvSpPr>
+          <p:nvPr>
+            <p:ph sz="half" idx="1"/>
+          </p:nvPr>
+        </p:nvSpPr>
+        <p:spPr>
+          <a:xfrm>
+            <a:off x="301752" y="1371600"/>
+            <a:ext cx="4038600" cy="4681728"/>
+          </a:xfrm>
+        </p:spPr>
+        <p:txBody>
+          <a:bodyPr/>
+          <a:lstStyle>
+            <a:lvl1pPr>
+              <a:defRPr sz="2500"/>
+            </a:lvl1pPr>
+          </a:lstStyle>
+          <a:p>
+            <a:pPr lvl="0" eaLnBrk="1" latinLnBrk="0" hangingPunct="1"/>
+            <a:r>
+              <a:rPr lang="en-US" smtClean="0"/>
+              <a:t>Click to edit Master text styles</a:t>
+            </a:r>
+          </a:p>
+          <a:p>
+            <a:pPr lvl="1" eaLnBrk="1" latinLnBrk="0" hangingPunct="1"/>
+            <a:r>
+              <a:rPr lang="en-US" smtClean="0"/>
+              <a:t>Second level</a:t>
+            </a:r>
+          </a:p>
+          <a:p>
+            <a:pPr lvl="2" eaLnBrk="1" latinLnBrk="0" hangingPunct="1"/>
+            <a:r>
+              <a:rPr lang="en-US" smtClean="0"/>
+              <a:t>Third level</a:t>
+            </a:r>
+          </a:p>
+          <a:p>
+            <a:pPr lvl="3" eaLnBrk="1" latinLnBrk="0" hangingPunct="1"/>
+            <a:r>
+              <a:rPr lang="en-US" smtClean="0"/>
+              <a:t>Fourth level</a:t>
+            </a:r>
+          </a:p>
+          <a:p>
+            <a:pPr lvl="4" eaLnBrk="1" latinLnBrk="0" hangingPunct="1"/>
+            <a:r>
+              <a:rPr lang="en-US" smtClean="0"/>
+              <a:t>Fifth level</a:t>
+            </a:r>
+            <a:endParaRPr kumimoji="0" lang="en-US"/>
+          </a:p>
+        </p:txBody>
+      </p:sp>
+      <p:sp>
+        <p:nvSpPr>
+          <p:cNvPr id="12" name="Content Placeholder 11"/>
+          <p:cNvSpPr>
+            <a:spLocks noGrp="1"/>
+          </p:cNvSpPr>
+          <p:nvPr>
+            <p:ph sz="half" idx="2"/>
+          </p:nvPr>
+        </p:nvSpPr>
+        <p:spPr>
+          <a:xfrm>
+            <a:off x="4800600" y="1371600"/>
+            <a:ext cx="4038600" cy="4681728"/>
+          </a:xfrm>
+        </p:spPr>
+        <p:txBody>
+          <a:bodyPr/>
+          <a:lstStyle>
+            <a:lvl1pPr>
+              <a:defRPr sz="2500"/>
+            </a:lvl1pPr>
+          </a:lstStyle>
+          <a:p>
+            <a:pPr lvl="0" eaLnBrk="1" latinLnBrk="0" hangingPunct="1"/>
+            <a:r>
+              <a:rPr lang="en-US" smtClean="0"/>
+              <a:t>Click to edit Master text styles</a:t>
+            </a:r>
+          </a:p>
+          <a:p>
+            <a:pPr lvl="1" eaLnBrk="1" latinLnBrk="0" hangingPunct="1"/>
+            <a:r>
+              <a:rPr lang="en-US" smtClean="0"/>
+              <a:t>Second level</a:t>
+            </a:r>
+          </a:p>
+          <a:p>
+            <a:pPr lvl="2" eaLnBrk="1" latinLnBrk="0" hangingPunct="1"/>
+            <a:r>
+              <a:rPr lang="en-US" smtClean="0"/>
+              <a:t>Third level</a:t>
+            </a:r>
+          </a:p>
+          <a:p>
+            <a:pPr lvl="3" eaLnBrk="1" latinLnBrk="0" hangingPunct="1"/>
+            <a:r>
+              <a:rPr lang="en-US" smtClean="0"/>
+              <a:t>Fourth level</a:t>
+            </a:r>
+          </a:p>
+          <a:p>
+            <a:pPr lvl="4" eaLnBrk="1" latinLnBrk="0" hangingPunct="1"/>
+            <a:r>
+              <a:rPr lang="en-US" smtClean="0"/>
+              <a:t>Fifth level</a:t>
+            </a:r>
+            <a:endParaRPr kumimoji="0" lang="en-US"/>
+          </a:p>
+        </p:txBody>
+      </p:sp>
     </p:spTree>
   </p:cSld>
   <p:clrMapOvr>
-    <a:masterClrMapping/>
+    <a:overrideClrMapping bg1="lt1" tx1="dk1" bg2="lt2" tx2="dk2" accent1="accent1" accent2="accent2" accent3="accent3" accent4="accent4" accent5="accent5" accent6="accent6" hlink="hlink" folHlink="folHlink"/>
   </p:clrMapOvr>
 </p:sldLayout>
 </file>
 
 <file path=ppt/slideLayouts/slideLayout5.xml><?xml version="1.0" encoding="utf-8"?>
-<p:sldLayout xmlns:a="http://schemas.openxmlformats.org/drawingml/2006/main" xmlns:r="http://schemas.openxmlformats.org/officeDocument/2006/relationships" xmlns:p="http://schemas.openxmlformats.org/presentationml/2006/main" type="twoTxTwoObj" preserve="1">
+<p:sldLayout xmlns:a="http://schemas.openxmlformats.org/drawingml/2006/main" xmlns:r="http://schemas.openxmlformats.org/officeDocument/2006/relationships" xmlns:p="http://schemas.openxmlformats.org/presentationml/2006/main" showMasterSp="0" type="twoTxTwoObj" preserve="1">
   <p:cSld name="Comparison">
+    <p:bg>
+      <p:bgRef idx="1001">
+        <a:schemeClr val="bg2"/>
+      </p:bgRef>
+    </p:bg>
     <p:spTree>
       <p:nvGrpSpPr>
         <p:cNvPr id="1" name=""/>
@@ -1422,28 +2551,263 @@
       </p:grpSpPr>
       <p:sp>
         <p:nvSpPr>
-          <p:cNvPr id="2" name="Title 1"/>
-          <p:cNvSpPr>
-            <a:spLocks noGrp="1"/>
-          </p:cNvSpPr>
-          <p:nvPr>
-            <p:ph type="title"/>
-          </p:nvPr>
-        </p:nvSpPr>
-        <p:spPr/>
-        <p:txBody>
-          <a:bodyPr/>
-          <a:lstStyle>
-            <a:lvl1pPr>
-              <a:defRPr/>
-            </a:lvl1pPr>
-          </a:lstStyle>
-          <a:p>
-            <a:r>
-              <a:rPr lang="en-US" smtClean="0"/>
-              <a:t>Click to edit Master title style</a:t>
-            </a:r>
-            <a:endParaRPr lang="en-US"/>
+          <p:cNvPr id="10" name="Straight Connector 9"/>
+          <p:cNvSpPr>
+            <a:spLocks noChangeShapeType="1"/>
+          </p:cNvSpPr>
+          <p:nvPr/>
+        </p:nvSpPr>
+        <p:spPr bwMode="auto">
+          <a:xfrm flipV="1">
+            <a:off x="4572000" y="2200275"/>
+            <a:ext cx="0" cy="4187952"/>
+          </a:xfrm>
+          <a:prstGeom prst="line">
+            <a:avLst/>
+          </a:prstGeom>
+          <a:noFill/>
+          <a:ln w="9525" cap="flat" cmpd="sng" algn="ctr">
+            <a:solidFill>
+              <a:schemeClr val="tx2"/>
+            </a:solidFill>
+            <a:prstDash val="sysDash"/>
+            <a:round/>
+            <a:headEnd type="none" w="med" len="med"/>
+            <a:tailEnd type="none" w="med" len="med"/>
+          </a:ln>
+          <a:effectLst/>
+        </p:spPr>
+        <p:txBody>
+          <a:bodyPr vert="horz" wrap="none" lIns="91440" tIns="45720" rIns="91440" bIns="45720" anchor="ctr" compatLnSpc="1"/>
+          <a:lstStyle/>
+          <a:p>
+            <a:endParaRPr kumimoji="0" lang="en-US"/>
+          </a:p>
+        </p:txBody>
+      </p:sp>
+      <p:sp>
+        <p:nvSpPr>
+          <p:cNvPr id="20" name="Rectangle 19"/>
+          <p:cNvSpPr>
+            <a:spLocks noChangeArrowheads="1"/>
+          </p:cNvSpPr>
+          <p:nvPr/>
+        </p:nvSpPr>
+        <p:spPr bwMode="white">
+          <a:xfrm>
+            <a:off x="0" y="0"/>
+            <a:ext cx="9144000" cy="1447800"/>
+          </a:xfrm>
+          <a:prstGeom prst="rect">
+            <a:avLst/>
+          </a:prstGeom>
+          <a:solidFill>
+            <a:srgbClr val="FFFFFF"/>
+          </a:solidFill>
+          <a:ln w="9525" cap="flat" cmpd="sng" algn="ctr">
+            <a:noFill/>
+            <a:prstDash val="solid"/>
+            <a:miter lim="800000"/>
+            <a:headEnd type="none" w="med" len="med"/>
+            <a:tailEnd type="none" w="med" len="med"/>
+          </a:ln>
+          <a:effectLst/>
+        </p:spPr>
+        <p:txBody>
+          <a:bodyPr vert="horz" wrap="none" lIns="91440" tIns="45720" rIns="91440" bIns="45720" anchor="ctr" compatLnSpc="1"/>
+          <a:lstStyle/>
+          <a:p>
+            <a:endParaRPr kumimoji="0" lang="en-US"/>
+          </a:p>
+        </p:txBody>
+      </p:sp>
+      <p:sp>
+        <p:nvSpPr>
+          <p:cNvPr id="19" name="Rectangle 18"/>
+          <p:cNvSpPr>
+            <a:spLocks noChangeArrowheads="1"/>
+          </p:cNvSpPr>
+          <p:nvPr/>
+        </p:nvSpPr>
+        <p:spPr bwMode="white">
+          <a:xfrm>
+            <a:off x="0" y="6705600"/>
+            <a:ext cx="9144000" cy="152400"/>
+          </a:xfrm>
+          <a:prstGeom prst="rect">
+            <a:avLst/>
+          </a:prstGeom>
+          <a:solidFill>
+            <a:srgbClr val="FFFFFF"/>
+          </a:solidFill>
+          <a:ln w="9525" cap="flat" cmpd="sng" algn="ctr">
+            <a:noFill/>
+            <a:prstDash val="solid"/>
+            <a:miter lim="800000"/>
+            <a:headEnd type="none" w="med" len="med"/>
+            <a:tailEnd type="none" w="med" len="med"/>
+          </a:ln>
+          <a:effectLst/>
+        </p:spPr>
+        <p:txBody>
+          <a:bodyPr vert="horz" wrap="none" lIns="91440" tIns="45720" rIns="91440" bIns="45720" anchor="ctr" compatLnSpc="1"/>
+          <a:lstStyle/>
+          <a:p>
+            <a:endParaRPr kumimoji="0" lang="en-US"/>
+          </a:p>
+        </p:txBody>
+      </p:sp>
+      <p:sp>
+        <p:nvSpPr>
+          <p:cNvPr id="21" name="Rectangle 20"/>
+          <p:cNvSpPr>
+            <a:spLocks noChangeArrowheads="1"/>
+          </p:cNvSpPr>
+          <p:nvPr/>
+        </p:nvSpPr>
+        <p:spPr bwMode="white">
+          <a:xfrm>
+            <a:off x="0" y="0"/>
+            <a:ext cx="152400" cy="6858000"/>
+          </a:xfrm>
+          <a:prstGeom prst="rect">
+            <a:avLst/>
+          </a:prstGeom>
+          <a:solidFill>
+            <a:srgbClr val="FFFFFF"/>
+          </a:solidFill>
+          <a:ln w="9525" cap="flat" cmpd="sng" algn="ctr">
+            <a:noFill/>
+            <a:prstDash val="solid"/>
+            <a:miter lim="800000"/>
+            <a:headEnd type="none" w="med" len="med"/>
+            <a:tailEnd type="none" w="med" len="med"/>
+          </a:ln>
+          <a:effectLst/>
+        </p:spPr>
+        <p:txBody>
+          <a:bodyPr vert="horz" wrap="none" lIns="91440" tIns="45720" rIns="91440" bIns="45720" anchor="ctr" compatLnSpc="1"/>
+          <a:lstStyle/>
+          <a:p>
+            <a:endParaRPr kumimoji="0" lang="en-US"/>
+          </a:p>
+        </p:txBody>
+      </p:sp>
+      <p:sp>
+        <p:nvSpPr>
+          <p:cNvPr id="22" name="Rectangle 21"/>
+          <p:cNvSpPr>
+            <a:spLocks noChangeArrowheads="1"/>
+          </p:cNvSpPr>
+          <p:nvPr/>
+        </p:nvSpPr>
+        <p:spPr bwMode="white">
+          <a:xfrm>
+            <a:off x="8991600" y="0"/>
+            <a:ext cx="152400" cy="6858000"/>
+          </a:xfrm>
+          <a:prstGeom prst="rect">
+            <a:avLst/>
+          </a:prstGeom>
+          <a:solidFill>
+            <a:srgbClr val="FFFFFF"/>
+          </a:solidFill>
+          <a:ln w="9525" cap="flat" cmpd="sng" algn="ctr">
+            <a:noFill/>
+            <a:prstDash val="solid"/>
+            <a:miter lim="800000"/>
+            <a:headEnd type="none" w="med" len="med"/>
+            <a:tailEnd type="none" w="med" len="med"/>
+          </a:ln>
+          <a:effectLst/>
+        </p:spPr>
+        <p:txBody>
+          <a:bodyPr vert="horz" wrap="none" lIns="91440" tIns="45720" rIns="91440" bIns="45720" anchor="ctr" compatLnSpc="1"/>
+          <a:lstStyle/>
+          <a:p>
+            <a:endParaRPr kumimoji="0" lang="en-US"/>
+          </a:p>
+        </p:txBody>
+      </p:sp>
+      <p:sp>
+        <p:nvSpPr>
+          <p:cNvPr id="11" name="Rectangle 10"/>
+          <p:cNvSpPr/>
+          <p:nvPr/>
+        </p:nvSpPr>
+        <p:spPr>
+          <a:xfrm>
+            <a:off x="152400" y="1371600"/>
+            <a:ext cx="8833104" cy="914400"/>
+          </a:xfrm>
+          <a:prstGeom prst="rect">
+            <a:avLst/>
+          </a:prstGeom>
+          <a:solidFill>
+            <a:schemeClr val="accent1"/>
+          </a:solidFill>
+          <a:ln w="15875" cap="rnd" cmpd="sng" algn="ctr">
+            <a:noFill/>
+            <a:prstDash val="solid"/>
+          </a:ln>
+          <a:effectLst/>
+        </p:spPr>
+        <p:style>
+          <a:lnRef idx="3">
+            <a:schemeClr val="lt1"/>
+          </a:lnRef>
+          <a:fillRef idx="1">
+            <a:schemeClr val="accent1"/>
+          </a:fillRef>
+          <a:effectRef idx="1">
+            <a:schemeClr val="accent1"/>
+          </a:effectRef>
+          <a:fontRef idx="minor">
+            <a:schemeClr val="lt1"/>
+          </a:fontRef>
+        </p:style>
+        <p:txBody>
+          <a:bodyPr anchor="ctr"/>
+          <a:lstStyle/>
+          <a:p>
+            <a:pPr algn="ctr" eaLnBrk="1" latinLnBrk="0" hangingPunct="1"/>
+            <a:endParaRPr kumimoji="0" lang="en-US"/>
+          </a:p>
+        </p:txBody>
+      </p:sp>
+      <p:sp>
+        <p:nvSpPr>
+          <p:cNvPr id="13" name="Rectangle 12"/>
+          <p:cNvSpPr>
+            <a:spLocks noChangeArrowheads="1"/>
+          </p:cNvSpPr>
+          <p:nvPr/>
+        </p:nvSpPr>
+        <p:spPr bwMode="auto">
+          <a:xfrm>
+            <a:off x="145923" y="6391656"/>
+            <a:ext cx="8833104" cy="310896"/>
+          </a:xfrm>
+          <a:prstGeom prst="rect">
+            <a:avLst/>
+          </a:prstGeom>
+          <a:solidFill>
+            <a:schemeClr val="accent3"/>
+          </a:solidFill>
+          <a:ln w="9525" cap="flat" cmpd="sng" algn="ctr">
+            <a:noFill/>
+            <a:prstDash val="solid"/>
+            <a:miter lim="800000"/>
+            <a:headEnd type="none" w="med" len="med"/>
+            <a:tailEnd type="none" w="med" len="med"/>
+          </a:ln>
+          <a:effectLst/>
+        </p:spPr>
+        <p:txBody>
+          <a:bodyPr vert="horz" wrap="none" lIns="91440" tIns="45720" rIns="91440" bIns="45720" anchor="ctr" compatLnSpc="1"/>
+          <a:lstStyle/>
+          <a:p>
+            <a:endParaRPr kumimoji="0" lang="en-US"/>
           </a:p>
         </p:txBody>
       </p:sp>
@@ -1459,54 +2823,63 @@
         </p:nvSpPr>
         <p:spPr>
           <a:xfrm>
-            <a:off x="457200" y="1535113"/>
-            <a:ext cx="4040188" cy="639762"/>
-          </a:xfrm>
-        </p:spPr>
-        <p:txBody>
-          <a:bodyPr anchor="b"/>
+            <a:off x="301752" y="1524000"/>
+            <a:ext cx="4040188" cy="732974"/>
+          </a:xfrm>
+          <a:noFill/>
+          <a:ln w="15875" cap="rnd" cmpd="sng" algn="ctr">
+            <a:noFill/>
+            <a:prstDash val="solid"/>
+          </a:ln>
+        </p:spPr>
+        <p:style>
+          <a:lnRef idx="3">
+            <a:schemeClr val="lt1"/>
+          </a:lnRef>
+          <a:fillRef idx="1">
+            <a:schemeClr val="accent1"/>
+          </a:fillRef>
+          <a:effectRef idx="1">
+            <a:schemeClr val="accent1"/>
+          </a:effectRef>
+          <a:fontRef idx="minor">
+            <a:schemeClr val="lt1"/>
+          </a:fontRef>
+        </p:style>
+        <p:txBody>
+          <a:bodyPr anchor="ctr">
+            <a:noAutofit/>
+          </a:bodyPr>
           <a:lstStyle>
             <a:lvl1pPr marL="0" indent="0">
               <a:buNone/>
-              <a:defRPr sz="2400" b="1"/>
+              <a:defRPr lang="en-US" sz="2200" b="1" dirty="0" smtClean="0">
+                <a:solidFill>
+                  <a:srgbClr val="FFFFFF"/>
+                </a:solidFill>
+              </a:defRPr>
             </a:lvl1pPr>
-            <a:lvl2pPr marL="457200" indent="0">
+            <a:lvl2pPr>
               <a:buNone/>
               <a:defRPr sz="2000" b="1"/>
             </a:lvl2pPr>
-            <a:lvl3pPr marL="914400" indent="0">
+            <a:lvl3pPr>
               <a:buNone/>
               <a:defRPr sz="1800" b="1"/>
             </a:lvl3pPr>
-            <a:lvl4pPr marL="1371600" indent="0">
+            <a:lvl4pPr>
               <a:buNone/>
               <a:defRPr sz="1600" b="1"/>
             </a:lvl4pPr>
-            <a:lvl5pPr marL="1828800" indent="0">
+            <a:lvl5pPr>
               <a:buNone/>
               <a:defRPr sz="1600" b="1"/>
             </a:lvl5pPr>
-            <a:lvl6pPr marL="2286000" indent="0">
-              <a:buNone/>
-              <a:defRPr sz="1600" b="1"/>
-            </a:lvl6pPr>
-            <a:lvl7pPr marL="2743200" indent="0">
-              <a:buNone/>
-              <a:defRPr sz="1600" b="1"/>
-            </a:lvl7pPr>
-            <a:lvl8pPr marL="3200400" indent="0">
-              <a:buNone/>
-              <a:defRPr sz="1600" b="1"/>
-            </a:lvl8pPr>
-            <a:lvl9pPr marL="3657600" indent="0">
-              <a:buNone/>
-              <a:defRPr sz="1600" b="1"/>
-            </a:lvl9pPr>
           </a:lstStyle>
           <a:p>
-            <a:pPr lvl="0"/>
-            <a:r>
-              <a:rPr lang="en-US" smtClean="0"/>
+            <a:pPr lvl="0" eaLnBrk="1" latinLnBrk="0" hangingPunct="1"/>
+            <a:r>
+              <a:rPr kumimoji="0" lang="en-US" smtClean="0"/>
               <a:t>Click to edit Master text styles</a:t>
             </a:r>
           </a:p>
@@ -1514,236 +2887,71 @@
       </p:sp>
       <p:sp>
         <p:nvSpPr>
-          <p:cNvPr id="4" name="Content Placeholder 3"/>
-          <p:cNvSpPr>
-            <a:spLocks noGrp="1"/>
-          </p:cNvSpPr>
-          <p:nvPr>
-            <p:ph sz="half" idx="2"/>
+          <p:cNvPr id="4" name="Text Placeholder 3"/>
+          <p:cNvSpPr>
+            <a:spLocks noGrp="1"/>
+          </p:cNvSpPr>
+          <p:nvPr>
+            <p:ph type="body" sz="half" idx="3"/>
           </p:nvPr>
         </p:nvSpPr>
         <p:spPr>
           <a:xfrm>
-            <a:off x="457200" y="2174875"/>
-            <a:ext cx="4040188" cy="3951288"/>
-          </a:xfrm>
-        </p:spPr>
-        <p:txBody>
-          <a:bodyPr/>
-          <a:lstStyle>
-            <a:lvl1pPr>
-              <a:defRPr sz="2400"/>
-            </a:lvl1pPr>
-            <a:lvl2pPr>
-              <a:defRPr sz="2000"/>
-            </a:lvl2pPr>
-            <a:lvl3pPr>
-              <a:defRPr sz="1800"/>
-            </a:lvl3pPr>
-            <a:lvl4pPr>
-              <a:defRPr sz="1600"/>
-            </a:lvl4pPr>
-            <a:lvl5pPr>
-              <a:defRPr sz="1600"/>
-            </a:lvl5pPr>
-            <a:lvl6pPr>
-              <a:defRPr sz="1600"/>
-            </a:lvl6pPr>
-            <a:lvl7pPr>
-              <a:defRPr sz="1600"/>
-            </a:lvl7pPr>
-            <a:lvl8pPr>
-              <a:defRPr sz="1600"/>
-            </a:lvl8pPr>
-            <a:lvl9pPr>
-              <a:defRPr sz="1600"/>
-            </a:lvl9pPr>
-          </a:lstStyle>
-          <a:p>
-            <a:pPr lvl="0"/>
-            <a:r>
-              <a:rPr lang="en-US" smtClean="0"/>
-              <a:t>Click to edit Master text styles</a:t>
-            </a:r>
-          </a:p>
-          <a:p>
-            <a:pPr lvl="1"/>
-            <a:r>
-              <a:rPr lang="en-US" smtClean="0"/>
-              <a:t>Second level</a:t>
-            </a:r>
-          </a:p>
-          <a:p>
-            <a:pPr lvl="2"/>
-            <a:r>
-              <a:rPr lang="en-US" smtClean="0"/>
-              <a:t>Third level</a:t>
-            </a:r>
-          </a:p>
-          <a:p>
-            <a:pPr lvl="3"/>
-            <a:r>
-              <a:rPr lang="en-US" smtClean="0"/>
-              <a:t>Fourth level</a:t>
-            </a:r>
-          </a:p>
-          <a:p>
-            <a:pPr lvl="4"/>
-            <a:r>
-              <a:rPr lang="en-US" smtClean="0"/>
-              <a:t>Fifth level</a:t>
-            </a:r>
-            <a:endParaRPr lang="en-US"/>
-          </a:p>
-        </p:txBody>
-      </p:sp>
-      <p:sp>
-        <p:nvSpPr>
-          <p:cNvPr id="5" name="Text Placeholder 4"/>
-          <p:cNvSpPr>
-            <a:spLocks noGrp="1"/>
-          </p:cNvSpPr>
-          <p:nvPr>
-            <p:ph type="body" sz="quarter" idx="3"/>
-          </p:nvPr>
-        </p:nvSpPr>
-        <p:spPr>
-          <a:xfrm>
-            <a:off x="4645025" y="1535113"/>
-            <a:ext cx="4041775" cy="639762"/>
-          </a:xfrm>
-        </p:spPr>
-        <p:txBody>
-          <a:bodyPr anchor="b"/>
+            <a:off x="4791330" y="1524000"/>
+            <a:ext cx="4041775" cy="731520"/>
+          </a:xfrm>
+          <a:noFill/>
+          <a:ln w="15875" cap="rnd" cmpd="sng" algn="ctr">
+            <a:noFill/>
+            <a:prstDash val="solid"/>
+          </a:ln>
+        </p:spPr>
+        <p:style>
+          <a:lnRef idx="3">
+            <a:schemeClr val="lt1"/>
+          </a:lnRef>
+          <a:fillRef idx="1">
+            <a:schemeClr val="accent2"/>
+          </a:fillRef>
+          <a:effectRef idx="1">
+            <a:schemeClr val="accent2"/>
+          </a:effectRef>
+          <a:fontRef idx="minor">
+            <a:schemeClr val="lt1"/>
+          </a:fontRef>
+        </p:style>
+        <p:txBody>
+          <a:bodyPr anchor="ctr">
+            <a:noAutofit/>
+          </a:bodyPr>
           <a:lstStyle>
             <a:lvl1pPr marL="0" indent="0">
               <a:buNone/>
-              <a:defRPr sz="2400" b="1"/>
+              <a:defRPr sz="2200" b="1"/>
             </a:lvl1pPr>
-            <a:lvl2pPr marL="457200" indent="0">
+            <a:lvl2pPr>
               <a:buNone/>
               <a:defRPr sz="2000" b="1"/>
             </a:lvl2pPr>
-            <a:lvl3pPr marL="914400" indent="0">
+            <a:lvl3pPr>
               <a:buNone/>
               <a:defRPr sz="1800" b="1"/>
             </a:lvl3pPr>
-            <a:lvl4pPr marL="1371600" indent="0">
+            <a:lvl4pPr>
               <a:buNone/>
               <a:defRPr sz="1600" b="1"/>
             </a:lvl4pPr>
-            <a:lvl5pPr marL="1828800" indent="0">
+            <a:lvl5pPr>
               <a:buNone/>
               <a:defRPr sz="1600" b="1"/>
             </a:lvl5pPr>
-            <a:lvl6pPr marL="2286000" indent="0">
-              <a:buNone/>
-              <a:defRPr sz="1600" b="1"/>
-            </a:lvl6pPr>
-            <a:lvl7pPr marL="2743200" indent="0">
-              <a:buNone/>
-              <a:defRPr sz="1600" b="1"/>
-            </a:lvl7pPr>
-            <a:lvl8pPr marL="3200400" indent="0">
-              <a:buNone/>
-              <a:defRPr sz="1600" b="1"/>
-            </a:lvl8pPr>
-            <a:lvl9pPr marL="3657600" indent="0">
-              <a:buNone/>
-              <a:defRPr sz="1600" b="1"/>
-            </a:lvl9pPr>
           </a:lstStyle>
           <a:p>
-            <a:pPr lvl="0"/>
-            <a:r>
-              <a:rPr lang="en-US" smtClean="0"/>
+            <a:pPr lvl="0" eaLnBrk="1" latinLnBrk="0" hangingPunct="1"/>
+            <a:r>
+              <a:rPr kumimoji="0" lang="en-US" smtClean="0"/>
               <a:t>Click to edit Master text styles</a:t>
             </a:r>
-          </a:p>
-        </p:txBody>
-      </p:sp>
-      <p:sp>
-        <p:nvSpPr>
-          <p:cNvPr id="6" name="Content Placeholder 5"/>
-          <p:cNvSpPr>
-            <a:spLocks noGrp="1"/>
-          </p:cNvSpPr>
-          <p:nvPr>
-            <p:ph sz="quarter" idx="4"/>
-          </p:nvPr>
-        </p:nvSpPr>
-        <p:spPr>
-          <a:xfrm>
-            <a:off x="4645025" y="2174875"/>
-            <a:ext cx="4041775" cy="3951288"/>
-          </a:xfrm>
-        </p:spPr>
-        <p:txBody>
-          <a:bodyPr/>
-          <a:lstStyle>
-            <a:lvl1pPr>
-              <a:defRPr sz="2400"/>
-            </a:lvl1pPr>
-            <a:lvl2pPr>
-              <a:defRPr sz="2000"/>
-            </a:lvl2pPr>
-            <a:lvl3pPr>
-              <a:defRPr sz="1800"/>
-            </a:lvl3pPr>
-            <a:lvl4pPr>
-              <a:defRPr sz="1600"/>
-            </a:lvl4pPr>
-            <a:lvl5pPr>
-              <a:defRPr sz="1600"/>
-            </a:lvl5pPr>
-            <a:lvl6pPr>
-              <a:defRPr sz="1600"/>
-            </a:lvl6pPr>
-            <a:lvl7pPr>
-              <a:defRPr sz="1600"/>
-            </a:lvl7pPr>
-            <a:lvl8pPr>
-              <a:defRPr sz="1600"/>
-            </a:lvl8pPr>
-            <a:lvl9pPr>
-              <a:defRPr sz="1600"/>
-            </a:lvl9pPr>
-          </a:lstStyle>
-          <a:p>
-            <a:pPr lvl="0"/>
-            <a:r>
-              <a:rPr lang="en-US" smtClean="0"/>
-              <a:t>Click to edit Master text styles</a:t>
-            </a:r>
-          </a:p>
-          <a:p>
-            <a:pPr lvl="1"/>
-            <a:r>
-              <a:rPr lang="en-US" smtClean="0"/>
-              <a:t>Second level</a:t>
-            </a:r>
-          </a:p>
-          <a:p>
-            <a:pPr lvl="2"/>
-            <a:r>
-              <a:rPr lang="en-US" smtClean="0"/>
-              <a:t>Third level</a:t>
-            </a:r>
-          </a:p>
-          <a:p>
-            <a:pPr lvl="3"/>
-            <a:r>
-              <a:rPr lang="en-US" smtClean="0"/>
-              <a:t>Fourth level</a:t>
-            </a:r>
-          </a:p>
-          <a:p>
-            <a:pPr lvl="4"/>
-            <a:r>
-              <a:rPr lang="en-US" smtClean="0"/>
-              <a:t>Fifth level</a:t>
-            </a:r>
-            <a:endParaRPr lang="en-US"/>
           </a:p>
         </p:txBody>
       </p:sp>
@@ -1781,7 +2989,12 @@
             <p:ph type="ftr" sz="quarter" idx="11"/>
           </p:nvPr>
         </p:nvSpPr>
-        <p:spPr/>
+        <p:spPr>
+          <a:xfrm>
+            <a:off x="304800" y="6409944"/>
+            <a:ext cx="3581400" cy="365760"/>
+          </a:xfrm>
+        </p:spPr>
         <p:txBody>
           <a:bodyPr/>
           <a:lstStyle/>
@@ -1792,6 +3005,292 @@
       </p:sp>
       <p:sp>
         <p:nvSpPr>
+          <p:cNvPr id="15" name="Straight Connector 14"/>
+          <p:cNvSpPr>
+            <a:spLocks noChangeShapeType="1"/>
+          </p:cNvSpPr>
+          <p:nvPr/>
+        </p:nvSpPr>
+        <p:spPr bwMode="auto">
+          <a:xfrm>
+            <a:off x="152400" y="1280160"/>
+            <a:ext cx="8833104" cy="0"/>
+          </a:xfrm>
+          <a:prstGeom prst="line">
+            <a:avLst/>
+          </a:prstGeom>
+          <a:noFill/>
+          <a:ln w="11430" cap="flat" cmpd="sng" algn="ctr">
+            <a:solidFill>
+              <a:schemeClr val="accent3">
+                <a:shade val="75000"/>
+              </a:schemeClr>
+            </a:solidFill>
+            <a:prstDash val="sysDash"/>
+            <a:round/>
+            <a:headEnd type="none" w="med" len="med"/>
+            <a:tailEnd type="none" w="med" len="med"/>
+          </a:ln>
+          <a:effectLst/>
+        </p:spPr>
+        <p:txBody>
+          <a:bodyPr vert="horz" wrap="none" lIns="91440" tIns="45720" rIns="91440" bIns="45720" anchor="ctr" compatLnSpc="1"/>
+          <a:lstStyle/>
+          <a:p>
+            <a:endParaRPr kumimoji="0" lang="en-US"/>
+          </a:p>
+        </p:txBody>
+      </p:sp>
+      <p:sp>
+        <p:nvSpPr>
+          <p:cNvPr id="18" name="Rectangle 17"/>
+          <p:cNvSpPr>
+            <a:spLocks noChangeArrowheads="1"/>
+          </p:cNvSpPr>
+          <p:nvPr/>
+        </p:nvSpPr>
+        <p:spPr bwMode="auto">
+          <a:xfrm>
+            <a:off x="152400" y="155448"/>
+            <a:ext cx="8833104" cy="6547104"/>
+          </a:xfrm>
+          <a:prstGeom prst="rect">
+            <a:avLst/>
+          </a:prstGeom>
+          <a:noFill/>
+          <a:ln w="9525" cap="flat" cmpd="sng" algn="ctr">
+            <a:solidFill>
+              <a:schemeClr val="accent3">
+                <a:shade val="75000"/>
+              </a:schemeClr>
+            </a:solidFill>
+            <a:prstDash val="solid"/>
+            <a:miter lim="800000"/>
+            <a:headEnd type="none" w="med" len="med"/>
+            <a:tailEnd type="none" w="med" len="med"/>
+          </a:ln>
+          <a:effectLst/>
+        </p:spPr>
+        <p:txBody>
+          <a:bodyPr vert="horz" wrap="none" lIns="91440" tIns="45720" rIns="91440" bIns="45720" anchor="ctr" compatLnSpc="1"/>
+          <a:lstStyle/>
+          <a:p>
+            <a:endParaRPr kumimoji="0" lang="en-US" dirty="0"/>
+          </a:p>
+        </p:txBody>
+      </p:sp>
+      <p:sp>
+        <p:nvSpPr>
+          <p:cNvPr id="24" name="Content Placeholder 23"/>
+          <p:cNvSpPr>
+            <a:spLocks noGrp="1"/>
+          </p:cNvSpPr>
+          <p:nvPr>
+            <p:ph sz="quarter" idx="2"/>
+          </p:nvPr>
+        </p:nvSpPr>
+        <p:spPr>
+          <a:xfrm>
+            <a:off x="301752" y="2471383"/>
+            <a:ext cx="4041648" cy="3818404"/>
+          </a:xfrm>
+        </p:spPr>
+        <p:txBody>
+          <a:bodyPr/>
+          <a:lstStyle/>
+          <a:p>
+            <a:pPr lvl="0" eaLnBrk="1" latinLnBrk="0" hangingPunct="1"/>
+            <a:r>
+              <a:rPr lang="en-US" smtClean="0"/>
+              <a:t>Click to edit Master text styles</a:t>
+            </a:r>
+          </a:p>
+          <a:p>
+            <a:pPr lvl="1" eaLnBrk="1" latinLnBrk="0" hangingPunct="1"/>
+            <a:r>
+              <a:rPr lang="en-US" smtClean="0"/>
+              <a:t>Second level</a:t>
+            </a:r>
+          </a:p>
+          <a:p>
+            <a:pPr lvl="2" eaLnBrk="1" latinLnBrk="0" hangingPunct="1"/>
+            <a:r>
+              <a:rPr lang="en-US" smtClean="0"/>
+              <a:t>Third level</a:t>
+            </a:r>
+          </a:p>
+          <a:p>
+            <a:pPr lvl="3" eaLnBrk="1" latinLnBrk="0" hangingPunct="1"/>
+            <a:r>
+              <a:rPr lang="en-US" smtClean="0"/>
+              <a:t>Fourth level</a:t>
+            </a:r>
+          </a:p>
+          <a:p>
+            <a:pPr lvl="4" eaLnBrk="1" latinLnBrk="0" hangingPunct="1"/>
+            <a:r>
+              <a:rPr lang="en-US" smtClean="0"/>
+              <a:t>Fifth level</a:t>
+            </a:r>
+            <a:endParaRPr kumimoji="0" lang="en-US"/>
+          </a:p>
+        </p:txBody>
+      </p:sp>
+      <p:sp>
+        <p:nvSpPr>
+          <p:cNvPr id="26" name="Content Placeholder 25"/>
+          <p:cNvSpPr>
+            <a:spLocks noGrp="1"/>
+          </p:cNvSpPr>
+          <p:nvPr>
+            <p:ph sz="quarter" idx="4"/>
+          </p:nvPr>
+        </p:nvSpPr>
+        <p:spPr>
+          <a:xfrm>
+            <a:off x="4800600" y="2471383"/>
+            <a:ext cx="4038600" cy="3822192"/>
+          </a:xfrm>
+        </p:spPr>
+        <p:txBody>
+          <a:bodyPr/>
+          <a:lstStyle/>
+          <a:p>
+            <a:pPr lvl="0" eaLnBrk="1" latinLnBrk="0" hangingPunct="1"/>
+            <a:r>
+              <a:rPr lang="en-US" smtClean="0"/>
+              <a:t>Click to edit Master text styles</a:t>
+            </a:r>
+          </a:p>
+          <a:p>
+            <a:pPr lvl="1" eaLnBrk="1" latinLnBrk="0" hangingPunct="1"/>
+            <a:r>
+              <a:rPr lang="en-US" smtClean="0"/>
+              <a:t>Second level</a:t>
+            </a:r>
+          </a:p>
+          <a:p>
+            <a:pPr lvl="2" eaLnBrk="1" latinLnBrk="0" hangingPunct="1"/>
+            <a:r>
+              <a:rPr lang="en-US" smtClean="0"/>
+              <a:t>Third level</a:t>
+            </a:r>
+          </a:p>
+          <a:p>
+            <a:pPr lvl="3" eaLnBrk="1" latinLnBrk="0" hangingPunct="1"/>
+            <a:r>
+              <a:rPr lang="en-US" smtClean="0"/>
+              <a:t>Fourth level</a:t>
+            </a:r>
+          </a:p>
+          <a:p>
+            <a:pPr lvl="4" eaLnBrk="1" latinLnBrk="0" hangingPunct="1"/>
+            <a:r>
+              <a:rPr lang="en-US" smtClean="0"/>
+              <a:t>Fifth level</a:t>
+            </a:r>
+            <a:endParaRPr kumimoji="0" lang="en-US"/>
+          </a:p>
+        </p:txBody>
+      </p:sp>
+      <p:sp>
+        <p:nvSpPr>
+          <p:cNvPr id="25" name="Oval 24"/>
+          <p:cNvSpPr/>
+          <p:nvPr/>
+        </p:nvSpPr>
+        <p:spPr>
+          <a:xfrm>
+            <a:off x="4267200" y="956036"/>
+            <a:ext cx="609600" cy="609600"/>
+          </a:xfrm>
+          <a:prstGeom prst="ellipse">
+            <a:avLst/>
+          </a:prstGeom>
+          <a:solidFill>
+            <a:srgbClr val="FFFFFF"/>
+          </a:solidFill>
+          <a:ln w="15875" cap="rnd" cmpd="sng" algn="ctr">
+            <a:noFill/>
+            <a:prstDash val="solid"/>
+          </a:ln>
+          <a:effectLst/>
+        </p:spPr>
+        <p:style>
+          <a:lnRef idx="3">
+            <a:schemeClr val="lt1"/>
+          </a:lnRef>
+          <a:fillRef idx="1">
+            <a:schemeClr val="accent1"/>
+          </a:fillRef>
+          <a:effectRef idx="1">
+            <a:schemeClr val="accent1"/>
+          </a:effectRef>
+          <a:fontRef idx="minor">
+            <a:schemeClr val="lt1"/>
+          </a:fontRef>
+        </p:style>
+        <p:txBody>
+          <a:bodyPr anchor="ctr"/>
+          <a:lstStyle/>
+          <a:p>
+            <a:pPr algn="ctr" eaLnBrk="1" latinLnBrk="0" hangingPunct="1"/>
+            <a:endParaRPr kumimoji="0" lang="en-US"/>
+          </a:p>
+        </p:txBody>
+      </p:sp>
+      <p:sp>
+        <p:nvSpPr>
+          <p:cNvPr id="27" name="Oval 26"/>
+          <p:cNvSpPr/>
+          <p:nvPr/>
+        </p:nvSpPr>
+        <p:spPr>
+          <a:xfrm>
+            <a:off x="4361688" y="1050524"/>
+            <a:ext cx="420624" cy="420624"/>
+          </a:xfrm>
+          <a:prstGeom prst="ellipse">
+            <a:avLst/>
+          </a:prstGeom>
+          <a:solidFill>
+            <a:srgbClr val="FFFFFF"/>
+          </a:solidFill>
+          <a:ln w="50800" cap="rnd" cmpd="dbl" algn="ctr">
+            <a:solidFill>
+              <a:schemeClr val="accent3">
+                <a:shade val="75000"/>
+              </a:schemeClr>
+            </a:solidFill>
+            <a:prstDash val="solid"/>
+          </a:ln>
+          <a:effectLst/>
+        </p:spPr>
+        <p:style>
+          <a:lnRef idx="3">
+            <a:schemeClr val="lt1"/>
+          </a:lnRef>
+          <a:fillRef idx="1">
+            <a:schemeClr val="accent1"/>
+          </a:fillRef>
+          <a:effectRef idx="1">
+            <a:schemeClr val="accent1"/>
+          </a:effectRef>
+          <a:fontRef idx="minor">
+            <a:schemeClr val="lt1"/>
+          </a:fontRef>
+        </p:style>
+        <p:txBody>
+          <a:bodyPr anchor="ctr"/>
+          <a:lstStyle/>
+          <a:p>
+            <a:pPr algn="ctr" eaLnBrk="1" latinLnBrk="0" hangingPunct="1"/>
+            <a:endParaRPr kumimoji="0" lang="en-US"/>
+          </a:p>
+        </p:txBody>
+      </p:sp>
+      <p:sp>
+        <p:nvSpPr>
           <p:cNvPr id="9" name="Slide Number Placeholder 8"/>
           <p:cNvSpPr>
             <a:spLocks noGrp="1"/>
@@ -1800,10 +3299,19 @@
             <p:ph type="sldNum" sz="quarter" idx="12"/>
           </p:nvPr>
         </p:nvSpPr>
-        <p:spPr/>
+        <p:spPr>
+          <a:xfrm>
+            <a:off x="4343400" y="1042416"/>
+            <a:ext cx="457200" cy="441325"/>
+          </a:xfrm>
+        </p:spPr>
         <p:txBody>
           <a:bodyPr/>
-          <a:lstStyle/>
+          <a:lstStyle>
+            <a:lvl1pPr algn="ctr">
+              <a:defRPr/>
+            </a:lvl1pPr>
+          </a:lstStyle>
           <a:p>
             <a:fld id="{44E34880-AE79-4686-B272-9D28B357CDC7}" type="slidenum">
               <a:rPr lang="en-US" smtClean="0"/>
@@ -1814,10 +3322,33 @@
           </a:p>
         </p:txBody>
       </p:sp>
+      <p:sp>
+        <p:nvSpPr>
+          <p:cNvPr id="23" name="Title 22"/>
+          <p:cNvSpPr>
+            <a:spLocks noGrp="1"/>
+          </p:cNvSpPr>
+          <p:nvPr>
+            <p:ph type="title"/>
+          </p:nvPr>
+        </p:nvSpPr>
+        <p:spPr/>
+        <p:txBody>
+          <a:bodyPr rtlCol="0" anchor="b" anchorCtr="0"/>
+          <a:lstStyle/>
+          <a:p>
+            <a:r>
+              <a:rPr kumimoji="0" lang="en-US" smtClean="0"/>
+              <a:t>Click to edit Master title style</a:t>
+            </a:r>
+            <a:endParaRPr kumimoji="0" lang="en-US"/>
+          </a:p>
+        </p:txBody>
+      </p:sp>
     </p:spTree>
   </p:cSld>
   <p:clrMapOvr>
-    <a:masterClrMapping/>
+    <a:overrideClrMapping bg1="lt1" tx1="dk1" bg2="lt2" tx2="dk2" accent1="accent1" accent2="accent2" accent3="accent3" accent4="accent4" accent5="accent5" accent6="accent6" hlink="hlink" folHlink="folHlink"/>
   </p:clrMapOvr>
 </p:sldLayout>
 </file>
@@ -1855,10 +3386,10 @@
           <a:lstStyle/>
           <a:p>
             <a:r>
-              <a:rPr lang="en-US" smtClean="0"/>
+              <a:rPr kumimoji="0" lang="en-US" smtClean="0"/>
               <a:t>Click to edit Master title style</a:t>
             </a:r>
-            <a:endParaRPr lang="en-US"/>
+            <a:endParaRPr kumimoji="0" lang="en-US"/>
           </a:p>
         </p:txBody>
       </p:sp>
@@ -1915,7 +3446,12 @@
             <p:ph type="sldNum" sz="quarter" idx="12"/>
           </p:nvPr>
         </p:nvSpPr>
-        <p:spPr/>
+        <p:spPr>
+          <a:xfrm>
+            <a:off x="4343400" y="1036020"/>
+            <a:ext cx="457200" cy="441325"/>
+          </a:xfrm>
+        </p:spPr>
         <p:txBody>
           <a:bodyPr/>
           <a:lstStyle/>
@@ -1938,7 +3474,7 @@
 </file>
 
 <file path=ppt/slideLayouts/slideLayout7.xml><?xml version="1.0" encoding="utf-8"?>
-<p:sldLayout xmlns:a="http://schemas.openxmlformats.org/drawingml/2006/main" xmlns:r="http://schemas.openxmlformats.org/officeDocument/2006/relationships" xmlns:p="http://schemas.openxmlformats.org/presentationml/2006/main" type="blank" preserve="1">
+<p:sldLayout xmlns:a="http://schemas.openxmlformats.org/drawingml/2006/main" xmlns:r="http://schemas.openxmlformats.org/officeDocument/2006/relationships" xmlns:p="http://schemas.openxmlformats.org/presentationml/2006/main" showMasterSp="0" type="blank" preserve="1">
   <p:cSld name="Blank">
     <p:spTree>
       <p:nvGrpSpPr>
@@ -1956,6 +3492,224 @@
       </p:grpSpPr>
       <p:sp>
         <p:nvSpPr>
+          <p:cNvPr id="7" name="Rectangle 6"/>
+          <p:cNvSpPr>
+            <a:spLocks noChangeArrowheads="1"/>
+          </p:cNvSpPr>
+          <p:nvPr/>
+        </p:nvSpPr>
+        <p:spPr bwMode="white">
+          <a:xfrm>
+            <a:off x="0" y="6705600"/>
+            <a:ext cx="9144000" cy="152400"/>
+          </a:xfrm>
+          <a:prstGeom prst="rect">
+            <a:avLst/>
+          </a:prstGeom>
+          <a:solidFill>
+            <a:srgbClr val="FFFFFF"/>
+          </a:solidFill>
+          <a:ln w="9525" cap="flat" cmpd="sng" algn="ctr">
+            <a:noFill/>
+            <a:prstDash val="solid"/>
+            <a:miter lim="800000"/>
+            <a:headEnd type="none" w="med" len="med"/>
+            <a:tailEnd type="none" w="med" len="med"/>
+          </a:ln>
+          <a:effectLst/>
+        </p:spPr>
+        <p:txBody>
+          <a:bodyPr vert="horz" wrap="none" lIns="91440" tIns="45720" rIns="91440" bIns="45720" anchor="ctr" compatLnSpc="1"/>
+          <a:lstStyle/>
+          <a:p>
+            <a:endParaRPr kumimoji="0" lang="en-US"/>
+          </a:p>
+        </p:txBody>
+      </p:sp>
+      <p:sp>
+        <p:nvSpPr>
+          <p:cNvPr id="8" name="Rectangle 7"/>
+          <p:cNvSpPr>
+            <a:spLocks noChangeArrowheads="1"/>
+          </p:cNvSpPr>
+          <p:nvPr/>
+        </p:nvSpPr>
+        <p:spPr bwMode="white">
+          <a:xfrm>
+            <a:off x="0" y="0"/>
+            <a:ext cx="9144000" cy="155448"/>
+          </a:xfrm>
+          <a:prstGeom prst="rect">
+            <a:avLst/>
+          </a:prstGeom>
+          <a:solidFill>
+            <a:srgbClr val="FFFFFF"/>
+          </a:solidFill>
+          <a:ln w="9525" cap="flat" cmpd="sng" algn="ctr">
+            <a:noFill/>
+            <a:prstDash val="solid"/>
+            <a:miter lim="800000"/>
+            <a:headEnd type="none" w="med" len="med"/>
+            <a:tailEnd type="none" w="med" len="med"/>
+          </a:ln>
+          <a:effectLst/>
+        </p:spPr>
+        <p:txBody>
+          <a:bodyPr vert="horz" wrap="none" lIns="91440" tIns="45720" rIns="91440" bIns="45720" anchor="ctr" compatLnSpc="1"/>
+          <a:lstStyle/>
+          <a:p>
+            <a:endParaRPr kumimoji="0" lang="en-US"/>
+          </a:p>
+        </p:txBody>
+      </p:sp>
+      <p:sp>
+        <p:nvSpPr>
+          <p:cNvPr id="10" name="Rectangle 9"/>
+          <p:cNvSpPr>
+            <a:spLocks noChangeArrowheads="1"/>
+          </p:cNvSpPr>
+          <p:nvPr/>
+        </p:nvSpPr>
+        <p:spPr bwMode="white">
+          <a:xfrm>
+            <a:off x="8991600" y="0"/>
+            <a:ext cx="152400" cy="6858000"/>
+          </a:xfrm>
+          <a:prstGeom prst="rect">
+            <a:avLst/>
+          </a:prstGeom>
+          <a:solidFill>
+            <a:srgbClr val="FFFFFF"/>
+          </a:solidFill>
+          <a:ln w="9525" cap="flat" cmpd="sng" algn="ctr">
+            <a:noFill/>
+            <a:prstDash val="solid"/>
+            <a:miter lim="800000"/>
+            <a:headEnd type="none" w="med" len="med"/>
+            <a:tailEnd type="none" w="med" len="med"/>
+          </a:ln>
+          <a:effectLst/>
+        </p:spPr>
+        <p:txBody>
+          <a:bodyPr vert="horz" wrap="none" lIns="91440" tIns="45720" rIns="91440" bIns="45720" anchor="ctr" compatLnSpc="1"/>
+          <a:lstStyle/>
+          <a:p>
+            <a:endParaRPr kumimoji="0" lang="en-US"/>
+          </a:p>
+        </p:txBody>
+      </p:sp>
+      <p:sp>
+        <p:nvSpPr>
+          <p:cNvPr id="9" name="Rectangle 8"/>
+          <p:cNvSpPr>
+            <a:spLocks noChangeArrowheads="1"/>
+          </p:cNvSpPr>
+          <p:nvPr/>
+        </p:nvSpPr>
+        <p:spPr bwMode="white">
+          <a:xfrm>
+            <a:off x="0" y="0"/>
+            <a:ext cx="152400" cy="6858000"/>
+          </a:xfrm>
+          <a:prstGeom prst="rect">
+            <a:avLst/>
+          </a:prstGeom>
+          <a:solidFill>
+            <a:srgbClr val="FFFFFF"/>
+          </a:solidFill>
+          <a:ln w="9525" cap="flat" cmpd="sng" algn="ctr">
+            <a:noFill/>
+            <a:prstDash val="solid"/>
+            <a:miter lim="800000"/>
+            <a:headEnd type="none" w="med" len="med"/>
+            <a:tailEnd type="none" w="med" len="med"/>
+          </a:ln>
+          <a:effectLst/>
+        </p:spPr>
+        <p:txBody>
+          <a:bodyPr vert="horz" wrap="none" lIns="91440" tIns="45720" rIns="91440" bIns="45720" anchor="ctr" compatLnSpc="1"/>
+          <a:lstStyle/>
+          <a:p>
+            <a:endParaRPr kumimoji="0" lang="en-US"/>
+          </a:p>
+        </p:txBody>
+      </p:sp>
+      <p:sp>
+        <p:nvSpPr>
+          <p:cNvPr id="5" name="Rectangle 4"/>
+          <p:cNvSpPr>
+            <a:spLocks noChangeArrowheads="1"/>
+          </p:cNvSpPr>
+          <p:nvPr/>
+        </p:nvSpPr>
+        <p:spPr bwMode="auto">
+          <a:xfrm>
+            <a:off x="146304" y="6391656"/>
+            <a:ext cx="8833104" cy="309563"/>
+          </a:xfrm>
+          <a:prstGeom prst="rect">
+            <a:avLst/>
+          </a:prstGeom>
+          <a:solidFill>
+            <a:schemeClr val="accent3"/>
+          </a:solidFill>
+          <a:ln w="9525" cap="flat" cmpd="sng" algn="ctr">
+            <a:noFill/>
+            <a:prstDash val="solid"/>
+            <a:miter lim="800000"/>
+            <a:headEnd type="none" w="med" len="med"/>
+            <a:tailEnd type="none" w="med" len="med"/>
+          </a:ln>
+          <a:effectLst/>
+        </p:spPr>
+        <p:txBody>
+          <a:bodyPr vert="horz" wrap="none" lIns="91440" tIns="45720" rIns="91440" bIns="45720" anchor="ctr" compatLnSpc="1"/>
+          <a:lstStyle/>
+          <a:p>
+            <a:endParaRPr kumimoji="0" lang="en-US"/>
+          </a:p>
+        </p:txBody>
+      </p:sp>
+      <p:sp>
+        <p:nvSpPr>
+          <p:cNvPr id="6" name="Rectangle 5"/>
+          <p:cNvSpPr>
+            <a:spLocks noChangeArrowheads="1"/>
+          </p:cNvSpPr>
+          <p:nvPr/>
+        </p:nvSpPr>
+        <p:spPr bwMode="auto">
+          <a:xfrm>
+            <a:off x="152400" y="158496"/>
+            <a:ext cx="8833104" cy="6547104"/>
+          </a:xfrm>
+          <a:prstGeom prst="rect">
+            <a:avLst/>
+          </a:prstGeom>
+          <a:noFill/>
+          <a:ln w="9525" cap="flat" cmpd="sng" algn="ctr">
+            <a:solidFill>
+              <a:schemeClr val="accent3">
+                <a:shade val="75000"/>
+              </a:schemeClr>
+            </a:solidFill>
+            <a:prstDash val="solid"/>
+            <a:miter lim="800000"/>
+            <a:headEnd type="none" w="med" len="med"/>
+            <a:tailEnd type="none" w="med" len="med"/>
+          </a:ln>
+          <a:effectLst/>
+        </p:spPr>
+        <p:txBody>
+          <a:bodyPr vert="horz" wrap="none" lIns="91440" tIns="45720" rIns="91440" bIns="45720" anchor="ctr" compatLnSpc="1"/>
+          <a:lstStyle/>
+          <a:p>
+            <a:endParaRPr kumimoji="0" lang="en-US" dirty="0"/>
+          </a:p>
+        </p:txBody>
+      </p:sp>
+      <p:sp>
+        <p:nvSpPr>
           <p:cNvPr id="2" name="Date Placeholder 1"/>
           <p:cNvSpPr>
             <a:spLocks noGrp="1"/>
@@ -2007,10 +3761,23 @@
             <p:ph type="sldNum" sz="quarter" idx="12"/>
           </p:nvPr>
         </p:nvSpPr>
-        <p:spPr/>
+        <p:spPr>
+          <a:xfrm>
+            <a:off x="4267200" y="6324600"/>
+            <a:ext cx="609600" cy="441324"/>
+          </a:xfrm>
+        </p:spPr>
         <p:txBody>
           <a:bodyPr/>
-          <a:lstStyle/>
+          <a:lstStyle>
+            <a:lvl1pPr>
+              <a:defRPr>
+                <a:solidFill>
+                  <a:srgbClr val="FFFFFF"/>
+                </a:solidFill>
+              </a:defRPr>
+            </a:lvl1pPr>
+          </a:lstStyle>
           <a:p>
             <a:fld id="{44E34880-AE79-4686-B272-9D28B357CDC7}" type="slidenum">
               <a:rPr lang="en-US" smtClean="0"/>
@@ -2030,8 +3797,13 @@
 </file>
 
 <file path=ppt/slideLayouts/slideLayout8.xml><?xml version="1.0" encoding="utf-8"?>
-<p:sldLayout xmlns:a="http://schemas.openxmlformats.org/drawingml/2006/main" xmlns:r="http://schemas.openxmlformats.org/officeDocument/2006/relationships" xmlns:p="http://schemas.openxmlformats.org/presentationml/2006/main" type="objTx" preserve="1">
+<p:sldLayout xmlns:a="http://schemas.openxmlformats.org/drawingml/2006/main" xmlns:r="http://schemas.openxmlformats.org/officeDocument/2006/relationships" xmlns:p="http://schemas.openxmlformats.org/presentationml/2006/main" showMasterSp="0" type="objTx" preserve="1">
   <p:cSld name="Content with Caption">
+    <p:bg>
+      <p:bgRef idx="1001">
+        <a:schemeClr val="bg1"/>
+      </p:bgRef>
+    </p:bg>
     <p:spTree>
       <p:nvGrpSpPr>
         <p:cNvPr id="1" name=""/>
@@ -2048,6 +3820,232 @@
       </p:grpSpPr>
       <p:sp>
         <p:nvSpPr>
+          <p:cNvPr id="19" name="Rectangle 18"/>
+          <p:cNvSpPr>
+            <a:spLocks noChangeArrowheads="1"/>
+          </p:cNvSpPr>
+          <p:nvPr/>
+        </p:nvSpPr>
+        <p:spPr bwMode="auto">
+          <a:xfrm>
+            <a:off x="152400" y="152400"/>
+            <a:ext cx="8833104" cy="304800"/>
+          </a:xfrm>
+          <a:prstGeom prst="rect">
+            <a:avLst/>
+          </a:prstGeom>
+          <a:solidFill>
+            <a:schemeClr val="accent3"/>
+          </a:solidFill>
+          <a:ln w="9525" cap="flat" cmpd="sng" algn="ctr">
+            <a:noFill/>
+            <a:prstDash val="solid"/>
+            <a:miter lim="800000"/>
+            <a:headEnd type="none" w="med" len="med"/>
+            <a:tailEnd type="none" w="med" len="med"/>
+          </a:ln>
+          <a:effectLst/>
+        </p:spPr>
+        <p:txBody>
+          <a:bodyPr vert="horz" wrap="none" lIns="91440" tIns="45720" rIns="91440" bIns="45720" anchor="ctr" compatLnSpc="1"/>
+          <a:lstStyle/>
+          <a:p>
+            <a:endParaRPr kumimoji="0" lang="en-US"/>
+          </a:p>
+        </p:txBody>
+      </p:sp>
+      <p:sp>
+        <p:nvSpPr>
+          <p:cNvPr id="15" name="Rectangle 14"/>
+          <p:cNvSpPr>
+            <a:spLocks noChangeArrowheads="1"/>
+          </p:cNvSpPr>
+          <p:nvPr/>
+        </p:nvSpPr>
+        <p:spPr bwMode="white">
+          <a:xfrm>
+            <a:off x="0" y="6705600"/>
+            <a:ext cx="9144000" cy="152400"/>
+          </a:xfrm>
+          <a:prstGeom prst="rect">
+            <a:avLst/>
+          </a:prstGeom>
+          <a:solidFill>
+            <a:srgbClr val="FFFFFF"/>
+          </a:solidFill>
+          <a:ln w="9525" cap="flat" cmpd="sng" algn="ctr">
+            <a:noFill/>
+            <a:prstDash val="solid"/>
+            <a:miter lim="800000"/>
+            <a:headEnd type="none" w="med" len="med"/>
+            <a:tailEnd type="none" w="med" len="med"/>
+          </a:ln>
+          <a:effectLst/>
+        </p:spPr>
+        <p:txBody>
+          <a:bodyPr vert="horz" wrap="none" lIns="91440" tIns="45720" rIns="91440" bIns="45720" anchor="ctr" compatLnSpc="1"/>
+          <a:lstStyle/>
+          <a:p>
+            <a:endParaRPr kumimoji="0" lang="en-US"/>
+          </a:p>
+        </p:txBody>
+      </p:sp>
+      <p:sp>
+        <p:nvSpPr>
+          <p:cNvPr id="18" name="Rectangle 17"/>
+          <p:cNvSpPr>
+            <a:spLocks noChangeArrowheads="1"/>
+          </p:cNvSpPr>
+          <p:nvPr/>
+        </p:nvSpPr>
+        <p:spPr bwMode="white">
+          <a:xfrm>
+            <a:off x="8991600" y="0"/>
+            <a:ext cx="152400" cy="6858000"/>
+          </a:xfrm>
+          <a:prstGeom prst="rect">
+            <a:avLst/>
+          </a:prstGeom>
+          <a:solidFill>
+            <a:srgbClr val="FFFFFF"/>
+          </a:solidFill>
+          <a:ln w="9525" cap="flat" cmpd="sng" algn="ctr">
+            <a:noFill/>
+            <a:prstDash val="solid"/>
+            <a:miter lim="800000"/>
+            <a:headEnd type="none" w="med" len="med"/>
+            <a:tailEnd type="none" w="med" len="med"/>
+          </a:ln>
+          <a:effectLst/>
+        </p:spPr>
+        <p:txBody>
+          <a:bodyPr vert="horz" wrap="none" lIns="91440" tIns="45720" rIns="91440" bIns="45720" anchor="ctr" compatLnSpc="1"/>
+          <a:lstStyle/>
+          <a:p>
+            <a:endParaRPr kumimoji="0" lang="en-US"/>
+          </a:p>
+        </p:txBody>
+      </p:sp>
+      <p:sp>
+        <p:nvSpPr>
+          <p:cNvPr id="16" name="Rectangle 15"/>
+          <p:cNvSpPr>
+            <a:spLocks noChangeArrowheads="1"/>
+          </p:cNvSpPr>
+          <p:nvPr/>
+        </p:nvSpPr>
+        <p:spPr bwMode="white">
+          <a:xfrm>
+            <a:off x="0" y="0"/>
+            <a:ext cx="9144000" cy="118872"/>
+          </a:xfrm>
+          <a:prstGeom prst="rect">
+            <a:avLst/>
+          </a:prstGeom>
+          <a:solidFill>
+            <a:srgbClr val="FFFFFF"/>
+          </a:solidFill>
+          <a:ln w="9525" cap="flat" cmpd="sng" algn="ctr">
+            <a:noFill/>
+            <a:prstDash val="solid"/>
+            <a:miter lim="800000"/>
+            <a:headEnd type="none" w="med" len="med"/>
+            <a:tailEnd type="none" w="med" len="med"/>
+          </a:ln>
+          <a:effectLst/>
+        </p:spPr>
+        <p:txBody>
+          <a:bodyPr vert="horz" wrap="none" lIns="91440" tIns="45720" rIns="91440" bIns="45720" anchor="ctr" compatLnSpc="1"/>
+          <a:lstStyle/>
+          <a:p>
+            <a:endParaRPr kumimoji="0" lang="en-US"/>
+          </a:p>
+        </p:txBody>
+      </p:sp>
+      <p:sp>
+        <p:nvSpPr>
+          <p:cNvPr id="17" name="Rectangle 16"/>
+          <p:cNvSpPr>
+            <a:spLocks noChangeArrowheads="1"/>
+          </p:cNvSpPr>
+          <p:nvPr/>
+        </p:nvSpPr>
+        <p:spPr bwMode="white">
+          <a:xfrm>
+            <a:off x="0" y="0"/>
+            <a:ext cx="152400" cy="6858000"/>
+          </a:xfrm>
+          <a:prstGeom prst="rect">
+            <a:avLst/>
+          </a:prstGeom>
+          <a:solidFill>
+            <a:srgbClr val="FFFFFF"/>
+          </a:solidFill>
+          <a:ln w="9525" cap="flat" cmpd="sng" algn="ctr">
+            <a:noFill/>
+            <a:prstDash val="solid"/>
+            <a:miter lim="800000"/>
+            <a:headEnd type="none" w="med" len="med"/>
+            <a:tailEnd type="none" w="med" len="med"/>
+          </a:ln>
+          <a:effectLst/>
+        </p:spPr>
+        <p:txBody>
+          <a:bodyPr vert="horz" wrap="none" lIns="91440" tIns="45720" rIns="91440" bIns="45720" anchor="ctr" compatLnSpc="1"/>
+          <a:lstStyle/>
+          <a:p>
+            <a:endParaRPr kumimoji="0" lang="en-US"/>
+          </a:p>
+        </p:txBody>
+      </p:sp>
+      <p:sp>
+        <p:nvSpPr>
+          <p:cNvPr id="13" name="Rectangle 12"/>
+          <p:cNvSpPr/>
+          <p:nvPr/>
+        </p:nvSpPr>
+        <p:spPr>
+          <a:xfrm>
+            <a:off x="152400" y="609600"/>
+            <a:ext cx="2743200" cy="5867400"/>
+          </a:xfrm>
+          <a:prstGeom prst="rect">
+            <a:avLst/>
+          </a:prstGeom>
+          <a:solidFill>
+            <a:schemeClr val="accent1"/>
+          </a:solidFill>
+          <a:ln w="15875" cap="rnd" cmpd="sng" algn="ctr">
+            <a:noFill/>
+            <a:prstDash val="solid"/>
+          </a:ln>
+          <a:effectLst/>
+        </p:spPr>
+        <p:style>
+          <a:lnRef idx="3">
+            <a:schemeClr val="lt1"/>
+          </a:lnRef>
+          <a:fillRef idx="1">
+            <a:schemeClr val="accent1"/>
+          </a:fillRef>
+          <a:effectRef idx="1">
+            <a:schemeClr val="accent1"/>
+          </a:effectRef>
+          <a:fontRef idx="minor">
+            <a:schemeClr val="lt1"/>
+          </a:fontRef>
+        </p:style>
+        <p:txBody>
+          <a:bodyPr anchor="ctr"/>
+          <a:lstStyle/>
+          <a:p>
+            <a:pPr algn="ctr" eaLnBrk="1" latinLnBrk="0" hangingPunct="1"/>
+            <a:endParaRPr kumimoji="0" lang="en-US"/>
+          </a:p>
+        </p:txBody>
+      </p:sp>
+      <p:sp>
+        <p:nvSpPr>
           <p:cNvPr id="2" name="Title 1"/>
           <p:cNvSpPr>
             <a:spLocks noGrp="1"/>
@@ -2058,173 +4056,390 @@
         </p:nvSpPr>
         <p:spPr>
           <a:xfrm>
-            <a:off x="457200" y="273050"/>
-            <a:ext cx="3008313" cy="1162050"/>
-          </a:xfrm>
-        </p:spPr>
-        <p:txBody>
-          <a:bodyPr anchor="b"/>
+            <a:off x="381000" y="914400"/>
+            <a:ext cx="2362200" cy="990600"/>
+          </a:xfrm>
+        </p:spPr>
+        <p:txBody>
+          <a:bodyPr anchor="b">
+            <a:noAutofit/>
+          </a:bodyPr>
           <a:lstStyle>
             <a:lvl1pPr algn="l">
-              <a:defRPr sz="2000" b="1"/>
+              <a:buNone/>
+              <a:defRPr sz="2200" b="1">
+                <a:solidFill>
+                  <a:srgbClr val="FFFFFF"/>
+                </a:solidFill>
+              </a:defRPr>
             </a:lvl1pPr>
           </a:lstStyle>
           <a:p>
             <a:r>
+              <a:rPr kumimoji="0" lang="en-US" smtClean="0"/>
+              <a:t>Click to edit Master title style</a:t>
+            </a:r>
+            <a:endParaRPr kumimoji="0" lang="en-US"/>
+          </a:p>
+        </p:txBody>
+      </p:sp>
+      <p:sp>
+        <p:nvSpPr>
+          <p:cNvPr id="3" name="Text Placeholder 2"/>
+          <p:cNvSpPr>
+            <a:spLocks noGrp="1"/>
+          </p:cNvSpPr>
+          <p:nvPr>
+            <p:ph type="body" idx="2"/>
+          </p:nvPr>
+        </p:nvSpPr>
+        <p:spPr>
+          <a:xfrm>
+            <a:off x="381000" y="1981200"/>
+            <a:ext cx="2362200" cy="4144963"/>
+          </a:xfrm>
+        </p:spPr>
+        <p:txBody>
+          <a:bodyPr/>
+          <a:lstStyle>
+            <a:lvl1pPr marL="0" indent="0">
+              <a:spcAft>
+                <a:spcPts val="1000"/>
+              </a:spcAft>
+              <a:buNone/>
+              <a:defRPr sz="1600">
+                <a:solidFill>
+                  <a:srgbClr val="FFFFFF"/>
+                </a:solidFill>
+              </a:defRPr>
+            </a:lvl1pPr>
+            <a:lvl2pPr>
+              <a:buNone/>
+              <a:defRPr sz="1200"/>
+            </a:lvl2pPr>
+            <a:lvl3pPr>
+              <a:buNone/>
+              <a:defRPr sz="1000"/>
+            </a:lvl3pPr>
+            <a:lvl4pPr>
+              <a:buNone/>
+              <a:defRPr sz="900"/>
+            </a:lvl4pPr>
+            <a:lvl5pPr>
+              <a:buNone/>
+              <a:defRPr sz="900"/>
+            </a:lvl5pPr>
+          </a:lstStyle>
+          <a:p>
+            <a:pPr lvl="0" eaLnBrk="1" latinLnBrk="0" hangingPunct="1"/>
+            <a:r>
+              <a:rPr kumimoji="0" lang="en-US" smtClean="0"/>
+              <a:t>Click to edit Master text styles</a:t>
+            </a:r>
+          </a:p>
+        </p:txBody>
+      </p:sp>
+      <p:sp>
+        <p:nvSpPr>
+          <p:cNvPr id="8" name="Rectangle 7"/>
+          <p:cNvSpPr>
+            <a:spLocks noChangeArrowheads="1"/>
+          </p:cNvSpPr>
+          <p:nvPr/>
+        </p:nvSpPr>
+        <p:spPr bwMode="auto">
+          <a:xfrm>
+            <a:off x="152400" y="152400"/>
+            <a:ext cx="8833104" cy="6547104"/>
+          </a:xfrm>
+          <a:prstGeom prst="rect">
+            <a:avLst/>
+          </a:prstGeom>
+          <a:noFill/>
+          <a:ln w="9525" cap="flat" cmpd="sng" algn="ctr">
+            <a:solidFill>
+              <a:schemeClr val="accent3">
+                <a:shade val="75000"/>
+              </a:schemeClr>
+            </a:solidFill>
+            <a:prstDash val="solid"/>
+            <a:miter lim="800000"/>
+            <a:headEnd type="none" w="med" len="med"/>
+            <a:tailEnd type="none" w="med" len="med"/>
+          </a:ln>
+          <a:effectLst/>
+        </p:spPr>
+        <p:txBody>
+          <a:bodyPr vert="horz" wrap="none" lIns="91440" tIns="45720" rIns="91440" bIns="45720" anchor="ctr" compatLnSpc="1"/>
+          <a:lstStyle/>
+          <a:p>
+            <a:endParaRPr kumimoji="0" lang="en-US" dirty="0"/>
+          </a:p>
+        </p:txBody>
+      </p:sp>
+      <p:sp>
+        <p:nvSpPr>
+          <p:cNvPr id="9" name="Straight Connector 8"/>
+          <p:cNvSpPr>
+            <a:spLocks noChangeShapeType="1"/>
+          </p:cNvSpPr>
+          <p:nvPr/>
+        </p:nvSpPr>
+        <p:spPr bwMode="auto">
+          <a:xfrm>
+            <a:off x="152400" y="533400"/>
+            <a:ext cx="8833104" cy="0"/>
+          </a:xfrm>
+          <a:prstGeom prst="line">
+            <a:avLst/>
+          </a:prstGeom>
+          <a:noFill/>
+          <a:ln w="11430" cap="flat" cmpd="sng" algn="ctr">
+            <a:solidFill>
+              <a:schemeClr val="accent3">
+                <a:shade val="75000"/>
+              </a:schemeClr>
+            </a:solidFill>
+            <a:prstDash val="sysDash"/>
+            <a:round/>
+            <a:headEnd type="none" w="med" len="med"/>
+            <a:tailEnd type="none" w="med" len="med"/>
+          </a:ln>
+          <a:effectLst/>
+        </p:spPr>
+        <p:txBody>
+          <a:bodyPr vert="horz" wrap="none" lIns="91440" tIns="45720" rIns="91440" bIns="45720" anchor="ctr" compatLnSpc="1"/>
+          <a:lstStyle/>
+          <a:p>
+            <a:endParaRPr kumimoji="0" lang="en-US"/>
+          </a:p>
+        </p:txBody>
+      </p:sp>
+      <p:sp>
+        <p:nvSpPr>
+          <p:cNvPr id="20" name="Content Placeholder 19"/>
+          <p:cNvSpPr>
+            <a:spLocks noGrp="1"/>
+          </p:cNvSpPr>
+          <p:nvPr>
+            <p:ph sz="quarter" idx="1"/>
+          </p:nvPr>
+        </p:nvSpPr>
+        <p:spPr>
+          <a:xfrm>
+            <a:off x="3124200" y="685800"/>
+            <a:ext cx="5638800" cy="5410200"/>
+          </a:xfrm>
+        </p:spPr>
+        <p:txBody>
+          <a:bodyPr/>
+          <a:lstStyle/>
+          <a:p>
+            <a:pPr lvl="0" eaLnBrk="1" latinLnBrk="0" hangingPunct="1"/>
+            <a:r>
               <a:rPr lang="en-US" smtClean="0"/>
-              <a:t>Click to edit Master title style</a:t>
-            </a:r>
-            <a:endParaRPr lang="en-US"/>
-          </a:p>
-        </p:txBody>
-      </p:sp>
-      <p:sp>
-        <p:nvSpPr>
-          <p:cNvPr id="3" name="Content Placeholder 2"/>
-          <p:cNvSpPr>
-            <a:spLocks noGrp="1"/>
-          </p:cNvSpPr>
-          <p:nvPr>
-            <p:ph idx="1"/>
-          </p:nvPr>
+              <a:t>Click to edit Master text styles</a:t>
+            </a:r>
+          </a:p>
+          <a:p>
+            <a:pPr lvl="1" eaLnBrk="1" latinLnBrk="0" hangingPunct="1"/>
+            <a:r>
+              <a:rPr lang="en-US" smtClean="0"/>
+              <a:t>Second level</a:t>
+            </a:r>
+          </a:p>
+          <a:p>
+            <a:pPr lvl="2" eaLnBrk="1" latinLnBrk="0" hangingPunct="1"/>
+            <a:r>
+              <a:rPr lang="en-US" smtClean="0"/>
+              <a:t>Third level</a:t>
+            </a:r>
+          </a:p>
+          <a:p>
+            <a:pPr lvl="3" eaLnBrk="1" latinLnBrk="0" hangingPunct="1"/>
+            <a:r>
+              <a:rPr lang="en-US" smtClean="0"/>
+              <a:t>Fourth level</a:t>
+            </a:r>
+          </a:p>
+          <a:p>
+            <a:pPr lvl="4" eaLnBrk="1" latinLnBrk="0" hangingPunct="1"/>
+            <a:r>
+              <a:rPr lang="en-US" smtClean="0"/>
+              <a:t>Fifth level</a:t>
+            </a:r>
+            <a:endParaRPr kumimoji="0" lang="en-US"/>
+          </a:p>
+        </p:txBody>
+      </p:sp>
+      <p:sp>
+        <p:nvSpPr>
+          <p:cNvPr id="10" name="Oval 9"/>
+          <p:cNvSpPr/>
+          <p:nvPr/>
         </p:nvSpPr>
         <p:spPr>
           <a:xfrm>
-            <a:off x="3575050" y="273050"/>
-            <a:ext cx="5111750" cy="5853113"/>
+            <a:off x="1295400" y="228600"/>
+            <a:ext cx="609600" cy="609600"/>
+          </a:xfrm>
+          <a:prstGeom prst="ellipse">
+            <a:avLst/>
+          </a:prstGeom>
+          <a:solidFill>
+            <a:srgbClr val="FFFFFF"/>
+          </a:solidFill>
+          <a:ln w="15875" cap="rnd" cmpd="sng" algn="ctr">
+            <a:noFill/>
+            <a:prstDash val="solid"/>
+          </a:ln>
+          <a:effectLst/>
+        </p:spPr>
+        <p:style>
+          <a:lnRef idx="3">
+            <a:schemeClr val="lt1"/>
+          </a:lnRef>
+          <a:fillRef idx="1">
+            <a:schemeClr val="accent1"/>
+          </a:fillRef>
+          <a:effectRef idx="1">
+            <a:schemeClr val="accent1"/>
+          </a:effectRef>
+          <a:fontRef idx="minor">
+            <a:schemeClr val="lt1"/>
+          </a:fontRef>
+        </p:style>
+        <p:txBody>
+          <a:bodyPr anchor="ctr"/>
+          <a:lstStyle/>
+          <a:p>
+            <a:pPr algn="ctr" eaLnBrk="1" latinLnBrk="0" hangingPunct="1"/>
+            <a:endParaRPr kumimoji="0" lang="en-US"/>
+          </a:p>
+        </p:txBody>
+      </p:sp>
+      <p:sp>
+        <p:nvSpPr>
+          <p:cNvPr id="11" name="Oval 10"/>
+          <p:cNvSpPr/>
+          <p:nvPr/>
+        </p:nvSpPr>
+        <p:spPr>
+          <a:xfrm>
+            <a:off x="1389888" y="323088"/>
+            <a:ext cx="420624" cy="420624"/>
+          </a:xfrm>
+          <a:prstGeom prst="ellipse">
+            <a:avLst/>
+          </a:prstGeom>
+          <a:solidFill>
+            <a:srgbClr val="FFFFFF"/>
+          </a:solidFill>
+          <a:ln w="50800" cap="rnd" cmpd="dbl" algn="ctr">
+            <a:solidFill>
+              <a:schemeClr val="accent3">
+                <a:shade val="75000"/>
+              </a:schemeClr>
+            </a:solidFill>
+            <a:prstDash val="solid"/>
+          </a:ln>
+          <a:effectLst/>
+        </p:spPr>
+        <p:style>
+          <a:lnRef idx="3">
+            <a:schemeClr val="lt1"/>
+          </a:lnRef>
+          <a:fillRef idx="1">
+            <a:schemeClr val="accent1"/>
+          </a:fillRef>
+          <a:effectRef idx="1">
+            <a:schemeClr val="accent1"/>
+          </a:effectRef>
+          <a:fontRef idx="minor">
+            <a:schemeClr val="lt1"/>
+          </a:fontRef>
+        </p:style>
+        <p:txBody>
+          <a:bodyPr anchor="ctr"/>
+          <a:lstStyle/>
+          <a:p>
+            <a:pPr algn="ctr" eaLnBrk="1" latinLnBrk="0" hangingPunct="1"/>
+            <a:endParaRPr kumimoji="0" lang="en-US"/>
+          </a:p>
+        </p:txBody>
+      </p:sp>
+      <p:sp>
+        <p:nvSpPr>
+          <p:cNvPr id="7" name="Slide Number Placeholder 6"/>
+          <p:cNvSpPr>
+            <a:spLocks noGrp="1"/>
+          </p:cNvSpPr>
+          <p:nvPr>
+            <p:ph type="sldNum" sz="quarter" idx="12"/>
+          </p:nvPr>
+        </p:nvSpPr>
+        <p:spPr>
+          <a:xfrm>
+            <a:off x="1371600" y="312738"/>
+            <a:ext cx="457200" cy="441325"/>
           </a:xfrm>
         </p:spPr>
         <p:txBody>
           <a:bodyPr/>
           <a:lstStyle>
             <a:lvl1pPr>
-              <a:defRPr sz="3200"/>
+              <a:defRPr>
+                <a:solidFill>
+                  <a:schemeClr val="accent3">
+                    <a:shade val="75000"/>
+                  </a:schemeClr>
+                </a:solidFill>
+              </a:defRPr>
             </a:lvl1pPr>
-            <a:lvl2pPr>
-              <a:defRPr sz="2800"/>
-            </a:lvl2pPr>
-            <a:lvl3pPr>
-              <a:defRPr sz="2400"/>
-            </a:lvl3pPr>
-            <a:lvl4pPr>
-              <a:defRPr sz="2000"/>
-            </a:lvl4pPr>
-            <a:lvl5pPr>
-              <a:defRPr sz="2000"/>
-            </a:lvl5pPr>
-            <a:lvl6pPr>
-              <a:defRPr sz="2000"/>
-            </a:lvl6pPr>
-            <a:lvl7pPr>
-              <a:defRPr sz="2000"/>
-            </a:lvl7pPr>
-            <a:lvl8pPr>
-              <a:defRPr sz="2000"/>
-            </a:lvl8pPr>
-            <a:lvl9pPr>
-              <a:defRPr sz="2000"/>
-            </a:lvl9pPr>
           </a:lstStyle>
           <a:p>
-            <a:pPr lvl="0"/>
-            <a:r>
+            <a:fld id="{44E34880-AE79-4686-B272-9D28B357CDC7}" type="slidenum">
               <a:rPr lang="en-US" smtClean="0"/>
-              <a:t>Click to edit Master text styles</a:t>
-            </a:r>
-          </a:p>
-          <a:p>
-            <a:pPr lvl="1"/>
-            <a:r>
-              <a:rPr lang="en-US" smtClean="0"/>
-              <a:t>Second level</a:t>
-            </a:r>
-          </a:p>
-          <a:p>
-            <a:pPr lvl="2"/>
-            <a:r>
-              <a:rPr lang="en-US" smtClean="0"/>
-              <a:t>Third level</a:t>
-            </a:r>
-          </a:p>
-          <a:p>
-            <a:pPr lvl="3"/>
-            <a:r>
-              <a:rPr lang="en-US" smtClean="0"/>
-              <a:t>Fourth level</a:t>
-            </a:r>
-          </a:p>
-          <a:p>
-            <a:pPr lvl="4"/>
-            <a:r>
-              <a:rPr lang="en-US" smtClean="0"/>
-              <a:t>Fifth level</a:t>
-            </a:r>
+              <a:pPr/>
+              <a:t>‹#›</a:t>
+            </a:fld>
             <a:endParaRPr lang="en-US"/>
           </a:p>
         </p:txBody>
       </p:sp>
       <p:sp>
         <p:nvSpPr>
-          <p:cNvPr id="4" name="Text Placeholder 3"/>
-          <p:cNvSpPr>
-            <a:spLocks noGrp="1"/>
-          </p:cNvSpPr>
-          <p:nvPr>
-            <p:ph type="body" sz="half" idx="2"/>
-          </p:nvPr>
-        </p:nvSpPr>
-        <p:spPr>
-          <a:xfrm>
-            <a:off x="457200" y="1435100"/>
-            <a:ext cx="3008313" cy="4691063"/>
-          </a:xfrm>
-        </p:spPr>
-        <p:txBody>
-          <a:bodyPr/>
-          <a:lstStyle>
-            <a:lvl1pPr marL="0" indent="0">
-              <a:buNone/>
-              <a:defRPr sz="1400"/>
-            </a:lvl1pPr>
-            <a:lvl2pPr marL="457200" indent="0">
-              <a:buNone/>
-              <a:defRPr sz="1200"/>
-            </a:lvl2pPr>
-            <a:lvl3pPr marL="914400" indent="0">
-              <a:buNone/>
-              <a:defRPr sz="1000"/>
-            </a:lvl3pPr>
-            <a:lvl4pPr marL="1371600" indent="0">
-              <a:buNone/>
-              <a:defRPr sz="900"/>
-            </a:lvl4pPr>
-            <a:lvl5pPr marL="1828800" indent="0">
-              <a:buNone/>
-              <a:defRPr sz="900"/>
-            </a:lvl5pPr>
-            <a:lvl6pPr marL="2286000" indent="0">
-              <a:buNone/>
-              <a:defRPr sz="900"/>
-            </a:lvl6pPr>
-            <a:lvl7pPr marL="2743200" indent="0">
-              <a:buNone/>
-              <a:defRPr sz="900"/>
-            </a:lvl7pPr>
-            <a:lvl8pPr marL="3200400" indent="0">
-              <a:buNone/>
-              <a:defRPr sz="900"/>
-            </a:lvl8pPr>
-            <a:lvl9pPr marL="3657600" indent="0">
-              <a:buNone/>
-              <a:defRPr sz="900"/>
-            </a:lvl9pPr>
-          </a:lstStyle>
-          <a:p>
-            <a:pPr lvl="0"/>
-            <a:r>
-              <a:rPr lang="en-US" smtClean="0"/>
-              <a:t>Click to edit Master text styles</a:t>
-            </a:r>
+          <p:cNvPr id="21" name="Rectangle 20"/>
+          <p:cNvSpPr>
+            <a:spLocks noChangeArrowheads="1"/>
+          </p:cNvSpPr>
+          <p:nvPr/>
+        </p:nvSpPr>
+        <p:spPr bwMode="auto">
+          <a:xfrm>
+            <a:off x="149352" y="6388385"/>
+            <a:ext cx="8833104" cy="309563"/>
+          </a:xfrm>
+          <a:prstGeom prst="rect">
+            <a:avLst/>
+          </a:prstGeom>
+          <a:solidFill>
+            <a:schemeClr val="accent3"/>
+          </a:solidFill>
+          <a:ln w="9525" cap="flat" cmpd="sng" algn="ctr">
+            <a:noFill/>
+            <a:prstDash val="solid"/>
+            <a:miter lim="800000"/>
+            <a:headEnd type="none" w="med" len="med"/>
+            <a:tailEnd type="none" w="med" len="med"/>
+          </a:ln>
+          <a:effectLst/>
+        </p:spPr>
+        <p:txBody>
+          <a:bodyPr vert="horz" wrap="none" lIns="91440" tIns="45720" rIns="91440" bIns="45720" anchor="ctr" compatLnSpc="1"/>
+          <a:lstStyle/>
+          <a:p>
+            <a:endParaRPr kumimoji="0" lang="en-US"/>
           </a:p>
         </p:txBody>
       </p:sp>
@@ -2262,35 +4477,16 @@
             <p:ph type="ftr" sz="quarter" idx="11"/>
           </p:nvPr>
         </p:nvSpPr>
-        <p:spPr/>
+        <p:spPr>
+          <a:xfrm>
+            <a:off x="301752" y="6410848"/>
+            <a:ext cx="3383280" cy="365760"/>
+          </a:xfrm>
+        </p:spPr>
         <p:txBody>
           <a:bodyPr/>
           <a:lstStyle/>
           <a:p>
-            <a:endParaRPr lang="en-US"/>
-          </a:p>
-        </p:txBody>
-      </p:sp>
-      <p:sp>
-        <p:nvSpPr>
-          <p:cNvPr id="7" name="Slide Number Placeholder 6"/>
-          <p:cNvSpPr>
-            <a:spLocks noGrp="1"/>
-          </p:cNvSpPr>
-          <p:nvPr>
-            <p:ph type="sldNum" sz="quarter" idx="12"/>
-          </p:nvPr>
-        </p:nvSpPr>
-        <p:spPr/>
-        <p:txBody>
-          <a:bodyPr/>
-          <a:lstStyle/>
-          <a:p>
-            <a:fld id="{44E34880-AE79-4686-B272-9D28B357CDC7}" type="slidenum">
-              <a:rPr lang="en-US" smtClean="0"/>
-              <a:pPr/>
-              <a:t>‹#›</a:t>
-            </a:fld>
             <a:endParaRPr lang="en-US"/>
           </a:p>
         </p:txBody>
@@ -2298,13 +4494,13 @@
     </p:spTree>
   </p:cSld>
   <p:clrMapOvr>
-    <a:masterClrMapping/>
+    <a:overrideClrMapping bg1="lt1" tx1="dk1" bg2="lt2" tx2="dk2" accent1="accent1" accent2="accent2" accent3="accent3" accent4="accent4" accent5="accent5" accent6="accent6" hlink="hlink" folHlink="folHlink"/>
   </p:clrMapOvr>
 </p:sldLayout>
 </file>
 
 <file path=ppt/slideLayouts/slideLayout9.xml><?xml version="1.0" encoding="utf-8"?>
-<p:sldLayout xmlns:a="http://schemas.openxmlformats.org/drawingml/2006/main" xmlns:r="http://schemas.openxmlformats.org/officeDocument/2006/relationships" xmlns:p="http://schemas.openxmlformats.org/presentationml/2006/main" type="picTx" preserve="1">
+<p:sldLayout xmlns:a="http://schemas.openxmlformats.org/drawingml/2006/main" xmlns:r="http://schemas.openxmlformats.org/officeDocument/2006/relationships" xmlns:p="http://schemas.openxmlformats.org/presentationml/2006/main" showMasterSp="0" type="picTx" preserve="1">
   <p:cSld name="Picture with Caption">
     <p:spTree>
       <p:nvGrpSpPr>
@@ -2322,6 +4518,433 @@
       </p:grpSpPr>
       <p:sp>
         <p:nvSpPr>
+          <p:cNvPr id="21" name="Straight Connector 20"/>
+          <p:cNvSpPr>
+            <a:spLocks noChangeShapeType="1"/>
+          </p:cNvSpPr>
+          <p:nvPr/>
+        </p:nvSpPr>
+        <p:spPr bwMode="auto">
+          <a:xfrm>
+            <a:off x="152400" y="533400"/>
+            <a:ext cx="8833104" cy="0"/>
+          </a:xfrm>
+          <a:prstGeom prst="line">
+            <a:avLst/>
+          </a:prstGeom>
+          <a:noFill/>
+          <a:ln w="11430" cap="flat" cmpd="sng" algn="ctr">
+            <a:solidFill>
+              <a:schemeClr val="accent3">
+                <a:shade val="75000"/>
+              </a:schemeClr>
+            </a:solidFill>
+            <a:prstDash val="sysDash"/>
+            <a:round/>
+            <a:headEnd type="none" w="med" len="med"/>
+            <a:tailEnd type="none" w="med" len="med"/>
+          </a:ln>
+          <a:effectLst/>
+        </p:spPr>
+        <p:txBody>
+          <a:bodyPr vert="horz" wrap="none" lIns="91440" tIns="45720" rIns="91440" bIns="45720" anchor="ctr" compatLnSpc="1"/>
+          <a:lstStyle/>
+          <a:p>
+            <a:endParaRPr kumimoji="0" lang="en-US"/>
+          </a:p>
+        </p:txBody>
+      </p:sp>
+      <p:sp>
+        <p:nvSpPr>
+          <p:cNvPr id="19" name="Rectangle 18"/>
+          <p:cNvSpPr>
+            <a:spLocks noChangeArrowheads="1"/>
+          </p:cNvSpPr>
+          <p:nvPr/>
+        </p:nvSpPr>
+        <p:spPr bwMode="white">
+          <a:xfrm>
+            <a:off x="0" y="6705600"/>
+            <a:ext cx="9144000" cy="152400"/>
+          </a:xfrm>
+          <a:prstGeom prst="rect">
+            <a:avLst/>
+          </a:prstGeom>
+          <a:solidFill>
+            <a:srgbClr val="FFFFFF"/>
+          </a:solidFill>
+          <a:ln w="9525" cap="flat" cmpd="sng" algn="ctr">
+            <a:noFill/>
+            <a:prstDash val="solid"/>
+            <a:miter lim="800000"/>
+            <a:headEnd type="none" w="med" len="med"/>
+            <a:tailEnd type="none" w="med" len="med"/>
+          </a:ln>
+          <a:effectLst/>
+        </p:spPr>
+        <p:txBody>
+          <a:bodyPr vert="horz" wrap="none" lIns="91440" tIns="45720" rIns="91440" bIns="45720" anchor="ctr" compatLnSpc="1"/>
+          <a:lstStyle/>
+          <a:p>
+            <a:endParaRPr kumimoji="0" lang="en-US"/>
+          </a:p>
+        </p:txBody>
+      </p:sp>
+      <p:sp>
+        <p:nvSpPr>
+          <p:cNvPr id="16" name="Rectangle 15"/>
+          <p:cNvSpPr>
+            <a:spLocks noChangeArrowheads="1"/>
+          </p:cNvSpPr>
+          <p:nvPr/>
+        </p:nvSpPr>
+        <p:spPr bwMode="white">
+          <a:xfrm>
+            <a:off x="8991600" y="0"/>
+            <a:ext cx="152400" cy="6858000"/>
+          </a:xfrm>
+          <a:prstGeom prst="rect">
+            <a:avLst/>
+          </a:prstGeom>
+          <a:solidFill>
+            <a:srgbClr val="FFFFFF"/>
+          </a:solidFill>
+          <a:ln w="9525" cap="flat" cmpd="sng" algn="ctr">
+            <a:noFill/>
+            <a:prstDash val="solid"/>
+            <a:miter lim="800000"/>
+            <a:headEnd type="none" w="med" len="med"/>
+            <a:tailEnd type="none" w="med" len="med"/>
+          </a:ln>
+          <a:effectLst/>
+        </p:spPr>
+        <p:txBody>
+          <a:bodyPr vert="horz" wrap="none" lIns="91440" tIns="45720" rIns="91440" bIns="45720" anchor="ctr" compatLnSpc="1"/>
+          <a:lstStyle/>
+          <a:p>
+            <a:endParaRPr kumimoji="0" lang="en-US"/>
+          </a:p>
+        </p:txBody>
+      </p:sp>
+      <p:sp>
+        <p:nvSpPr>
+          <p:cNvPr id="17" name="Rectangle 16"/>
+          <p:cNvSpPr>
+            <a:spLocks noChangeArrowheads="1"/>
+          </p:cNvSpPr>
+          <p:nvPr/>
+        </p:nvSpPr>
+        <p:spPr bwMode="white">
+          <a:xfrm>
+            <a:off x="0" y="0"/>
+            <a:ext cx="9144000" cy="152400"/>
+          </a:xfrm>
+          <a:prstGeom prst="rect">
+            <a:avLst/>
+          </a:prstGeom>
+          <a:solidFill>
+            <a:srgbClr val="FFFFFF"/>
+          </a:solidFill>
+          <a:ln w="9525" cap="flat" cmpd="sng" algn="ctr">
+            <a:noFill/>
+            <a:prstDash val="solid"/>
+            <a:miter lim="800000"/>
+            <a:headEnd type="none" w="med" len="med"/>
+            <a:tailEnd type="none" w="med" len="med"/>
+          </a:ln>
+          <a:effectLst/>
+        </p:spPr>
+        <p:txBody>
+          <a:bodyPr vert="horz" wrap="none" lIns="91440" tIns="45720" rIns="91440" bIns="45720" anchor="ctr" compatLnSpc="1"/>
+          <a:lstStyle/>
+          <a:p>
+            <a:endParaRPr kumimoji="0" lang="en-US"/>
+          </a:p>
+        </p:txBody>
+      </p:sp>
+      <p:sp>
+        <p:nvSpPr>
+          <p:cNvPr id="18" name="Rectangle 17"/>
+          <p:cNvSpPr>
+            <a:spLocks noChangeArrowheads="1"/>
+          </p:cNvSpPr>
+          <p:nvPr/>
+        </p:nvSpPr>
+        <p:spPr bwMode="white">
+          <a:xfrm>
+            <a:off x="0" y="0"/>
+            <a:ext cx="152400" cy="6858000"/>
+          </a:xfrm>
+          <a:prstGeom prst="rect">
+            <a:avLst/>
+          </a:prstGeom>
+          <a:solidFill>
+            <a:srgbClr val="FFFFFF"/>
+          </a:solidFill>
+          <a:ln w="9525" cap="flat" cmpd="sng" algn="ctr">
+            <a:noFill/>
+            <a:prstDash val="solid"/>
+            <a:miter lim="800000"/>
+            <a:headEnd type="none" w="med" len="med"/>
+            <a:tailEnd type="none" w="med" len="med"/>
+          </a:ln>
+          <a:effectLst/>
+        </p:spPr>
+        <p:txBody>
+          <a:bodyPr vert="horz" wrap="none" lIns="91440" tIns="45720" rIns="91440" bIns="45720" anchor="ctr" compatLnSpc="1"/>
+          <a:lstStyle/>
+          <a:p>
+            <a:endParaRPr kumimoji="0" lang="en-US" dirty="0"/>
+          </a:p>
+        </p:txBody>
+      </p:sp>
+      <p:sp>
+        <p:nvSpPr>
+          <p:cNvPr id="20" name="Rectangle 19"/>
+          <p:cNvSpPr>
+            <a:spLocks noChangeArrowheads="1"/>
+          </p:cNvSpPr>
+          <p:nvPr/>
+        </p:nvSpPr>
+        <p:spPr bwMode="auto">
+          <a:xfrm>
+            <a:off x="152400" y="152400"/>
+            <a:ext cx="8833104" cy="301752"/>
+          </a:xfrm>
+          <a:prstGeom prst="rect">
+            <a:avLst/>
+          </a:prstGeom>
+          <a:solidFill>
+            <a:schemeClr val="accent3"/>
+          </a:solidFill>
+          <a:ln w="9525" cap="flat" cmpd="sng" algn="ctr">
+            <a:noFill/>
+            <a:prstDash val="solid"/>
+            <a:miter lim="800000"/>
+            <a:headEnd type="none" w="med" len="med"/>
+            <a:tailEnd type="none" w="med" len="med"/>
+          </a:ln>
+          <a:effectLst/>
+        </p:spPr>
+        <p:txBody>
+          <a:bodyPr vert="horz" wrap="none" lIns="91440" tIns="45720" rIns="91440" bIns="45720" anchor="ctr" compatLnSpc="1"/>
+          <a:lstStyle/>
+          <a:p>
+            <a:endParaRPr kumimoji="0" lang="en-US"/>
+          </a:p>
+        </p:txBody>
+      </p:sp>
+      <p:sp>
+        <p:nvSpPr>
+          <p:cNvPr id="8" name="Rectangle 7"/>
+          <p:cNvSpPr/>
+          <p:nvPr/>
+        </p:nvSpPr>
+        <p:spPr>
+          <a:xfrm>
+            <a:off x="152400" y="609600"/>
+            <a:ext cx="2743200" cy="5867400"/>
+          </a:xfrm>
+          <a:prstGeom prst="rect">
+            <a:avLst/>
+          </a:prstGeom>
+          <a:solidFill>
+            <a:schemeClr val="accent1"/>
+          </a:solidFill>
+          <a:ln w="15875" cap="rnd" cmpd="sng" algn="ctr">
+            <a:noFill/>
+            <a:prstDash val="solid"/>
+          </a:ln>
+          <a:effectLst/>
+        </p:spPr>
+        <p:style>
+          <a:lnRef idx="3">
+            <a:schemeClr val="lt1"/>
+          </a:lnRef>
+          <a:fillRef idx="1">
+            <a:schemeClr val="accent1"/>
+          </a:fillRef>
+          <a:effectRef idx="1">
+            <a:schemeClr val="accent1"/>
+          </a:effectRef>
+          <a:fontRef idx="minor">
+            <a:schemeClr val="lt1"/>
+          </a:fontRef>
+        </p:style>
+        <p:txBody>
+          <a:bodyPr anchor="ctr"/>
+          <a:lstStyle/>
+          <a:p>
+            <a:pPr algn="ctr" eaLnBrk="1" latinLnBrk="0" hangingPunct="1"/>
+            <a:endParaRPr kumimoji="0" lang="en-US"/>
+          </a:p>
+        </p:txBody>
+      </p:sp>
+      <p:sp>
+        <p:nvSpPr>
+          <p:cNvPr id="15" name="Rectangle 14"/>
+          <p:cNvSpPr>
+            <a:spLocks noChangeArrowheads="1"/>
+          </p:cNvSpPr>
+          <p:nvPr/>
+        </p:nvSpPr>
+        <p:spPr bwMode="auto">
+          <a:xfrm>
+            <a:off x="152400" y="155448"/>
+            <a:ext cx="8833104" cy="6547104"/>
+          </a:xfrm>
+          <a:prstGeom prst="rect">
+            <a:avLst/>
+          </a:prstGeom>
+          <a:noFill/>
+          <a:ln w="9525" cap="flat" cmpd="sng" algn="ctr">
+            <a:solidFill>
+              <a:schemeClr val="accent3">
+                <a:shade val="75000"/>
+              </a:schemeClr>
+            </a:solidFill>
+            <a:prstDash val="solid"/>
+            <a:miter lim="800000"/>
+            <a:headEnd type="none" w="med" len="med"/>
+            <a:tailEnd type="none" w="med" len="med"/>
+          </a:ln>
+          <a:effectLst/>
+        </p:spPr>
+        <p:txBody>
+          <a:bodyPr vert="horz" wrap="none" lIns="91440" tIns="45720" rIns="91440" bIns="45720" anchor="ctr" compatLnSpc="1"/>
+          <a:lstStyle/>
+          <a:p>
+            <a:endParaRPr kumimoji="0" lang="en-US" dirty="0"/>
+          </a:p>
+        </p:txBody>
+      </p:sp>
+      <p:sp>
+        <p:nvSpPr>
+          <p:cNvPr id="12" name="Oval 11"/>
+          <p:cNvSpPr/>
+          <p:nvPr/>
+        </p:nvSpPr>
+        <p:spPr>
+          <a:xfrm>
+            <a:off x="1295400" y="228600"/>
+            <a:ext cx="609600" cy="609600"/>
+          </a:xfrm>
+          <a:prstGeom prst="ellipse">
+            <a:avLst/>
+          </a:prstGeom>
+          <a:solidFill>
+            <a:srgbClr val="FFFFFF"/>
+          </a:solidFill>
+          <a:ln w="15875" cap="rnd" cmpd="sng" algn="ctr">
+            <a:noFill/>
+            <a:prstDash val="solid"/>
+          </a:ln>
+          <a:effectLst/>
+        </p:spPr>
+        <p:style>
+          <a:lnRef idx="3">
+            <a:schemeClr val="lt1"/>
+          </a:lnRef>
+          <a:fillRef idx="1">
+            <a:schemeClr val="accent1"/>
+          </a:fillRef>
+          <a:effectRef idx="1">
+            <a:schemeClr val="accent1"/>
+          </a:effectRef>
+          <a:fontRef idx="minor">
+            <a:schemeClr val="lt1"/>
+          </a:fontRef>
+        </p:style>
+        <p:txBody>
+          <a:bodyPr anchor="ctr"/>
+          <a:lstStyle/>
+          <a:p>
+            <a:pPr algn="ctr" eaLnBrk="1" latinLnBrk="0" hangingPunct="1"/>
+            <a:endParaRPr kumimoji="0" lang="en-US"/>
+          </a:p>
+        </p:txBody>
+      </p:sp>
+      <p:sp>
+        <p:nvSpPr>
+          <p:cNvPr id="13" name="Oval 12"/>
+          <p:cNvSpPr/>
+          <p:nvPr/>
+        </p:nvSpPr>
+        <p:spPr>
+          <a:xfrm>
+            <a:off x="1389888" y="323088"/>
+            <a:ext cx="420624" cy="420624"/>
+          </a:xfrm>
+          <a:prstGeom prst="ellipse">
+            <a:avLst/>
+          </a:prstGeom>
+          <a:solidFill>
+            <a:srgbClr val="FFFFFF"/>
+          </a:solidFill>
+          <a:ln w="50800" cap="rnd" cmpd="dbl" algn="ctr">
+            <a:solidFill>
+              <a:schemeClr val="accent3">
+                <a:shade val="75000"/>
+              </a:schemeClr>
+            </a:solidFill>
+            <a:prstDash val="solid"/>
+          </a:ln>
+          <a:effectLst/>
+        </p:spPr>
+        <p:style>
+          <a:lnRef idx="3">
+            <a:schemeClr val="lt1"/>
+          </a:lnRef>
+          <a:fillRef idx="1">
+            <a:schemeClr val="accent1"/>
+          </a:fillRef>
+          <a:effectRef idx="1">
+            <a:schemeClr val="accent1"/>
+          </a:effectRef>
+          <a:fontRef idx="minor">
+            <a:schemeClr val="lt1"/>
+          </a:fontRef>
+        </p:style>
+        <p:txBody>
+          <a:bodyPr anchor="ctr"/>
+          <a:lstStyle/>
+          <a:p>
+            <a:pPr algn="ctr" eaLnBrk="1" latinLnBrk="0" hangingPunct="1"/>
+            <a:endParaRPr kumimoji="0" lang="en-US"/>
+          </a:p>
+        </p:txBody>
+      </p:sp>
+      <p:sp>
+        <p:nvSpPr>
+          <p:cNvPr id="7" name="Slide Number Placeholder 6"/>
+          <p:cNvSpPr>
+            <a:spLocks noGrp="1"/>
+          </p:cNvSpPr>
+          <p:nvPr>
+            <p:ph type="sldNum" sz="quarter" idx="12"/>
+          </p:nvPr>
+        </p:nvSpPr>
+        <p:spPr>
+          <a:xfrm>
+            <a:off x="1371600" y="312738"/>
+            <a:ext cx="457200" cy="441325"/>
+          </a:xfrm>
+        </p:spPr>
+        <p:txBody>
+          <a:bodyPr/>
+          <a:lstStyle/>
+          <a:p>
+            <a:fld id="{44E34880-AE79-4686-B272-9D28B357CDC7}" type="slidenum">
+              <a:rPr lang="en-US" smtClean="0"/>
+              <a:pPr/>
+              <a:t>‹#›</a:t>
+            </a:fld>
+            <a:endParaRPr lang="en-US"/>
+          </a:p>
+        </p:txBody>
+      </p:sp>
+      <p:sp>
+        <p:nvSpPr>
           <p:cNvPr id="2" name="Title 1"/>
           <p:cNvSpPr>
             <a:spLocks noGrp="1"/>
@@ -2332,23 +4955,30 @@
         </p:nvSpPr>
         <p:spPr>
           <a:xfrm>
-            <a:off x="1792288" y="4800600"/>
-            <a:ext cx="5486400" cy="566738"/>
-          </a:xfrm>
-        </p:spPr>
-        <p:txBody>
-          <a:bodyPr anchor="b"/>
+            <a:off x="3000375" y="5029200"/>
+            <a:ext cx="5867400" cy="1219200"/>
+          </a:xfrm>
+        </p:spPr>
+        <p:txBody>
+          <a:bodyPr anchor="t">
+            <a:noAutofit/>
+          </a:bodyPr>
           <a:lstStyle>
             <a:lvl1pPr algn="l">
-              <a:defRPr sz="2000" b="1"/>
+              <a:buNone/>
+              <a:defRPr sz="2400" b="1">
+                <a:solidFill>
+                  <a:schemeClr val="tx2"/>
+                </a:solidFill>
+              </a:defRPr>
             </a:lvl1pPr>
           </a:lstStyle>
           <a:p>
             <a:r>
-              <a:rPr lang="en-US" smtClean="0"/>
+              <a:rPr kumimoji="0" lang="en-US" smtClean="0"/>
               <a:t>Click to edit Master title style</a:t>
             </a:r>
-            <a:endParaRPr lang="en-US"/>
+            <a:endParaRPr kumimoji="0" lang="en-US"/>
           </a:p>
         </p:txBody>
       </p:sp>
@@ -2364,8 +4994,8 @@
         </p:nvSpPr>
         <p:spPr>
           <a:xfrm>
-            <a:off x="1792288" y="612775"/>
-            <a:ext cx="5486400" cy="4114800"/>
+            <a:off x="3000375" y="609600"/>
+            <a:ext cx="5867400" cy="4267200"/>
           </a:xfrm>
         </p:spPr>
         <p:txBody>
@@ -2375,41 +5005,13 @@
               <a:buNone/>
               <a:defRPr sz="3200"/>
             </a:lvl1pPr>
-            <a:lvl2pPr marL="457200" indent="0">
-              <a:buNone/>
-              <a:defRPr sz="2800"/>
-            </a:lvl2pPr>
-            <a:lvl3pPr marL="914400" indent="0">
-              <a:buNone/>
-              <a:defRPr sz="2400"/>
-            </a:lvl3pPr>
-            <a:lvl4pPr marL="1371600" indent="0">
-              <a:buNone/>
-              <a:defRPr sz="2000"/>
-            </a:lvl4pPr>
-            <a:lvl5pPr marL="1828800" indent="0">
-              <a:buNone/>
-              <a:defRPr sz="2000"/>
-            </a:lvl5pPr>
-            <a:lvl6pPr marL="2286000" indent="0">
-              <a:buNone/>
-              <a:defRPr sz="2000"/>
-            </a:lvl6pPr>
-            <a:lvl7pPr marL="2743200" indent="0">
-              <a:buNone/>
-              <a:defRPr sz="2000"/>
-            </a:lvl7pPr>
-            <a:lvl8pPr marL="3200400" indent="0">
-              <a:buNone/>
-              <a:defRPr sz="2000"/>
-            </a:lvl8pPr>
-            <a:lvl9pPr marL="3657600" indent="0">
-              <a:buNone/>
-              <a:defRPr sz="2000"/>
-            </a:lvl9pPr>
           </a:lstStyle>
           <a:p>
-            <a:endParaRPr lang="en-US"/>
+            <a:r>
+              <a:rPr kumimoji="0" lang="en-US" smtClean="0"/>
+              <a:t>Click icon to add picture</a:t>
+            </a:r>
+            <a:endParaRPr kumimoji="0" lang="en-US" dirty="0"/>
           </a:p>
         </p:txBody>
       </p:sp>
@@ -2425,54 +5027,42 @@
         </p:nvSpPr>
         <p:spPr>
           <a:xfrm>
-            <a:off x="1792288" y="5367338"/>
-            <a:ext cx="5486400" cy="804862"/>
+            <a:off x="381000" y="990600"/>
+            <a:ext cx="2438400" cy="5257800"/>
           </a:xfrm>
         </p:spPr>
         <p:txBody>
           <a:bodyPr/>
           <a:lstStyle>
             <a:lvl1pPr marL="0" indent="0">
+              <a:spcAft>
+                <a:spcPts val="1000"/>
+              </a:spcAft>
+              <a:buFontTx/>
               <a:buNone/>
-              <a:defRPr sz="1400"/>
+              <a:defRPr sz="1600">
+                <a:solidFill>
+                  <a:srgbClr val="FFFFFF"/>
+                </a:solidFill>
+              </a:defRPr>
             </a:lvl1pPr>
-            <a:lvl2pPr marL="457200" indent="0">
-              <a:buNone/>
+            <a:lvl2pPr>
               <a:defRPr sz="1200"/>
             </a:lvl2pPr>
-            <a:lvl3pPr marL="914400" indent="0">
-              <a:buNone/>
+            <a:lvl3pPr>
               <a:defRPr sz="1000"/>
             </a:lvl3pPr>
-            <a:lvl4pPr marL="1371600" indent="0">
-              <a:buNone/>
+            <a:lvl4pPr>
               <a:defRPr sz="900"/>
             </a:lvl4pPr>
-            <a:lvl5pPr marL="1828800" indent="0">
-              <a:buNone/>
+            <a:lvl5pPr>
               <a:defRPr sz="900"/>
             </a:lvl5pPr>
-            <a:lvl6pPr marL="2286000" indent="0">
-              <a:buNone/>
-              <a:defRPr sz="900"/>
-            </a:lvl6pPr>
-            <a:lvl7pPr marL="2743200" indent="0">
-              <a:buNone/>
-              <a:defRPr sz="900"/>
-            </a:lvl7pPr>
-            <a:lvl8pPr marL="3200400" indent="0">
-              <a:buNone/>
-              <a:defRPr sz="900"/>
-            </a:lvl8pPr>
-            <a:lvl9pPr marL="3657600" indent="0">
-              <a:buNone/>
-              <a:defRPr sz="900"/>
-            </a:lvl9pPr>
           </a:lstStyle>
           <a:p>
-            <a:pPr lvl="0"/>
-            <a:r>
-              <a:rPr lang="en-US" smtClean="0"/>
+            <a:pPr lvl="0" eaLnBrk="1" latinLnBrk="0" hangingPunct="1"/>
+            <a:r>
+              <a:rPr kumimoji="0" lang="en-US" smtClean="0"/>
               <a:t>Click to edit Master text styles</a:t>
             </a:r>
           </a:p>
@@ -2480,6 +5070,42 @@
       </p:sp>
       <p:sp>
         <p:nvSpPr>
+          <p:cNvPr id="22" name="Rectangle 21"/>
+          <p:cNvSpPr>
+            <a:spLocks noChangeArrowheads="1"/>
+          </p:cNvSpPr>
+          <p:nvPr/>
+        </p:nvSpPr>
+        <p:spPr bwMode="auto">
+          <a:xfrm>
+            <a:off x="149352" y="6388385"/>
+            <a:ext cx="8833104" cy="309563"/>
+          </a:xfrm>
+          <a:prstGeom prst="rect">
+            <a:avLst/>
+          </a:prstGeom>
+          <a:solidFill>
+            <a:schemeClr val="accent3"/>
+          </a:solidFill>
+          <a:ln w="9525" cap="flat" cmpd="sng" algn="ctr">
+            <a:noFill/>
+            <a:prstDash val="solid"/>
+            <a:miter lim="800000"/>
+            <a:headEnd type="none" w="med" len="med"/>
+            <a:tailEnd type="none" w="med" len="med"/>
+          </a:ln>
+          <a:effectLst/>
+        </p:spPr>
+        <p:txBody>
+          <a:bodyPr vert="horz" wrap="none" lIns="91440" tIns="45720" rIns="91440" bIns="45720" anchor="ctr" compatLnSpc="1"/>
+          <a:lstStyle/>
+          <a:p>
+            <a:endParaRPr kumimoji="0" lang="en-US"/>
+          </a:p>
+        </p:txBody>
+      </p:sp>
+      <p:sp>
+        <p:nvSpPr>
           <p:cNvPr id="5" name="Date Placeholder 4"/>
           <p:cNvSpPr>
             <a:spLocks noGrp="1"/>
@@ -2488,7 +5114,12 @@
             <p:ph type="dt" sz="half" idx="10"/>
           </p:nvPr>
         </p:nvSpPr>
-        <p:spPr/>
+        <p:spPr>
+          <a:xfrm>
+            <a:off x="5788152" y="6404984"/>
+            <a:ext cx="3044952" cy="365760"/>
+          </a:xfrm>
+        </p:spPr>
         <p:txBody>
           <a:bodyPr/>
           <a:lstStyle/>
@@ -2512,35 +5143,16 @@
             <p:ph type="ftr" sz="quarter" idx="11"/>
           </p:nvPr>
         </p:nvSpPr>
-        <p:spPr/>
+        <p:spPr>
+          <a:xfrm>
+            <a:off x="301752" y="6410848"/>
+            <a:ext cx="3584448" cy="365760"/>
+          </a:xfrm>
+        </p:spPr>
         <p:txBody>
           <a:bodyPr/>
           <a:lstStyle/>
           <a:p>
-            <a:endParaRPr lang="en-US"/>
-          </a:p>
-        </p:txBody>
-      </p:sp>
-      <p:sp>
-        <p:nvSpPr>
-          <p:cNvPr id="7" name="Slide Number Placeholder 6"/>
-          <p:cNvSpPr>
-            <a:spLocks noGrp="1"/>
-          </p:cNvSpPr>
-          <p:nvPr>
-            <p:ph type="sldNum" sz="quarter" idx="12"/>
-          </p:nvPr>
-        </p:nvSpPr>
-        <p:spPr/>
-        <p:txBody>
-          <a:bodyPr/>
-          <a:lstStyle/>
-          <a:p>
-            <a:fld id="{44E34880-AE79-4686-B272-9D28B357CDC7}" type="slidenum">
-              <a:rPr lang="en-US" smtClean="0"/>
-              <a:pPr/>
-              <a:t>‹#›</a:t>
-            </a:fld>
             <a:endParaRPr lang="en-US"/>
           </a:p>
         </p:txBody>
@@ -2577,127 +5189,210 @@
       </p:grpSpPr>
       <p:sp>
         <p:nvSpPr>
-          <p:cNvPr id="2" name="Title Placeholder 1"/>
-          <p:cNvSpPr>
-            <a:spLocks noGrp="1"/>
-          </p:cNvSpPr>
-          <p:nvPr>
-            <p:ph type="title"/>
+          <p:cNvPr id="17" name="Rectangle 16"/>
+          <p:cNvSpPr>
+            <a:spLocks noChangeArrowheads="1"/>
+          </p:cNvSpPr>
+          <p:nvPr/>
+        </p:nvSpPr>
+        <p:spPr bwMode="white">
+          <a:xfrm>
+            <a:off x="0" y="6705600"/>
+            <a:ext cx="9144000" cy="152400"/>
+          </a:xfrm>
+          <a:prstGeom prst="rect">
+            <a:avLst/>
+          </a:prstGeom>
+          <a:solidFill>
+            <a:srgbClr val="FFFFFF"/>
+          </a:solidFill>
+          <a:ln w="9525" cap="flat" cmpd="sng" algn="ctr">
+            <a:noFill/>
+            <a:prstDash val="solid"/>
+            <a:miter lim="800000"/>
+            <a:headEnd type="none" w="med" len="med"/>
+            <a:tailEnd type="none" w="med" len="med"/>
+          </a:ln>
+          <a:effectLst/>
+        </p:spPr>
+        <p:txBody>
+          <a:bodyPr vert="horz" wrap="none" lIns="91440" tIns="45720" rIns="91440" bIns="45720" anchor="ctr" compatLnSpc="1"/>
+          <a:lstStyle/>
+          <a:p>
+            <a:endParaRPr kumimoji="0" lang="en-US"/>
+          </a:p>
+        </p:txBody>
+      </p:sp>
+      <p:sp>
+        <p:nvSpPr>
+          <p:cNvPr id="16" name="Rectangle 15"/>
+          <p:cNvSpPr>
+            <a:spLocks noChangeArrowheads="1"/>
+          </p:cNvSpPr>
+          <p:nvPr/>
+        </p:nvSpPr>
+        <p:spPr bwMode="white">
+          <a:xfrm>
+            <a:off x="0" y="0"/>
+            <a:ext cx="9144000" cy="1393371"/>
+          </a:xfrm>
+          <a:prstGeom prst="rect">
+            <a:avLst/>
+          </a:prstGeom>
+          <a:solidFill>
+            <a:srgbClr val="FFFFFF"/>
+          </a:solidFill>
+          <a:ln w="9525" cap="flat" cmpd="sng" algn="ctr">
+            <a:noFill/>
+            <a:prstDash val="solid"/>
+            <a:miter lim="800000"/>
+            <a:headEnd type="none" w="med" len="med"/>
+            <a:tailEnd type="none" w="med" len="med"/>
+          </a:ln>
+          <a:effectLst/>
+        </p:spPr>
+        <p:txBody>
+          <a:bodyPr vert="horz" wrap="none" lIns="91440" tIns="45720" rIns="91440" bIns="45720" anchor="ctr" compatLnSpc="1"/>
+          <a:lstStyle/>
+          <a:p>
+            <a:endParaRPr kumimoji="0" lang="en-US"/>
+          </a:p>
+        </p:txBody>
+      </p:sp>
+      <p:sp>
+        <p:nvSpPr>
+          <p:cNvPr id="18" name="Rectangle 17"/>
+          <p:cNvSpPr>
+            <a:spLocks noChangeArrowheads="1"/>
+          </p:cNvSpPr>
+          <p:nvPr/>
+        </p:nvSpPr>
+        <p:spPr bwMode="white">
+          <a:xfrm>
+            <a:off x="0" y="0"/>
+            <a:ext cx="152400" cy="6858000"/>
+          </a:xfrm>
+          <a:prstGeom prst="rect">
+            <a:avLst/>
+          </a:prstGeom>
+          <a:solidFill>
+            <a:srgbClr val="FFFFFF"/>
+          </a:solidFill>
+          <a:ln w="9525" cap="flat" cmpd="sng" algn="ctr">
+            <a:noFill/>
+            <a:prstDash val="solid"/>
+            <a:miter lim="800000"/>
+            <a:headEnd type="none" w="med" len="med"/>
+            <a:tailEnd type="none" w="med" len="med"/>
+          </a:ln>
+          <a:effectLst/>
+        </p:spPr>
+        <p:txBody>
+          <a:bodyPr vert="horz" wrap="none" lIns="91440" tIns="45720" rIns="91440" bIns="45720" anchor="ctr" compatLnSpc="1"/>
+          <a:lstStyle/>
+          <a:p>
+            <a:endParaRPr kumimoji="0" lang="en-US"/>
+          </a:p>
+        </p:txBody>
+      </p:sp>
+      <p:sp>
+        <p:nvSpPr>
+          <p:cNvPr id="19" name="Rectangle 18"/>
+          <p:cNvSpPr>
+            <a:spLocks noChangeArrowheads="1"/>
+          </p:cNvSpPr>
+          <p:nvPr/>
+        </p:nvSpPr>
+        <p:spPr bwMode="white">
+          <a:xfrm>
+            <a:off x="8991600" y="0"/>
+            <a:ext cx="152400" cy="6858000"/>
+          </a:xfrm>
+          <a:prstGeom prst="rect">
+            <a:avLst/>
+          </a:prstGeom>
+          <a:solidFill>
+            <a:srgbClr val="FFFFFF"/>
+          </a:solidFill>
+          <a:ln w="9525" cap="flat" cmpd="sng" algn="ctr">
+            <a:noFill/>
+            <a:prstDash val="solid"/>
+            <a:miter lim="800000"/>
+            <a:headEnd type="none" w="med" len="med"/>
+            <a:tailEnd type="none" w="med" len="med"/>
+          </a:ln>
+          <a:effectLst/>
+        </p:spPr>
+        <p:txBody>
+          <a:bodyPr vert="horz" wrap="none" lIns="91440" tIns="45720" rIns="91440" bIns="45720" anchor="ctr" compatLnSpc="1"/>
+          <a:lstStyle/>
+          <a:p>
+            <a:endParaRPr kumimoji="0" lang="en-US"/>
+          </a:p>
+        </p:txBody>
+      </p:sp>
+      <p:sp>
+        <p:nvSpPr>
+          <p:cNvPr id="9" name="Rectangle 8"/>
+          <p:cNvSpPr>
+            <a:spLocks noChangeArrowheads="1"/>
+          </p:cNvSpPr>
+          <p:nvPr/>
+        </p:nvSpPr>
+        <p:spPr bwMode="auto">
+          <a:xfrm>
+            <a:off x="149352" y="6388385"/>
+            <a:ext cx="8833104" cy="309563"/>
+          </a:xfrm>
+          <a:prstGeom prst="rect">
+            <a:avLst/>
+          </a:prstGeom>
+          <a:solidFill>
+            <a:schemeClr val="accent3"/>
+          </a:solidFill>
+          <a:ln w="9525" cap="flat" cmpd="sng" algn="ctr">
+            <a:noFill/>
+            <a:prstDash val="solid"/>
+            <a:miter lim="800000"/>
+            <a:headEnd type="none" w="med" len="med"/>
+            <a:tailEnd type="none" w="med" len="med"/>
+          </a:ln>
+          <a:effectLst/>
+        </p:spPr>
+        <p:txBody>
+          <a:bodyPr vert="horz" wrap="none" lIns="91440" tIns="45720" rIns="91440" bIns="45720" anchor="ctr" compatLnSpc="1"/>
+          <a:lstStyle/>
+          <a:p>
+            <a:endParaRPr kumimoji="0" lang="en-US"/>
+          </a:p>
+        </p:txBody>
+      </p:sp>
+      <p:sp>
+        <p:nvSpPr>
+          <p:cNvPr id="14" name="Date Placeholder 13"/>
+          <p:cNvSpPr>
+            <a:spLocks noGrp="1"/>
+          </p:cNvSpPr>
+          <p:nvPr>
+            <p:ph type="dt" sz="half" idx="2"/>
           </p:nvPr>
         </p:nvSpPr>
         <p:spPr>
           <a:xfrm>
-            <a:off x="457200" y="274638"/>
-            <a:ext cx="8229600" cy="1143000"/>
+            <a:off x="5791200" y="6404984"/>
+            <a:ext cx="3044952" cy="365760"/>
           </a:xfrm>
           <a:prstGeom prst="rect">
             <a:avLst/>
           </a:prstGeom>
         </p:spPr>
         <p:txBody>
-          <a:bodyPr vert="horz" lIns="91440" tIns="45720" rIns="91440" bIns="45720" rtlCol="0" anchor="ctr">
-            <a:normAutofit/>
-          </a:bodyPr>
-          <a:lstStyle/>
-          <a:p>
-            <a:r>
-              <a:rPr lang="en-US" smtClean="0"/>
-              <a:t>Click to edit Master title style</a:t>
-            </a:r>
-            <a:endParaRPr lang="en-US"/>
-          </a:p>
-        </p:txBody>
-      </p:sp>
-      <p:sp>
-        <p:nvSpPr>
-          <p:cNvPr id="3" name="Text Placeholder 2"/>
-          <p:cNvSpPr>
-            <a:spLocks noGrp="1"/>
-          </p:cNvSpPr>
-          <p:nvPr>
-            <p:ph type="body" idx="1"/>
-          </p:nvPr>
-        </p:nvSpPr>
-        <p:spPr>
-          <a:xfrm>
-            <a:off x="457200" y="1600200"/>
-            <a:ext cx="8229600" cy="4525963"/>
-          </a:xfrm>
-          <a:prstGeom prst="rect">
-            <a:avLst/>
-          </a:prstGeom>
-        </p:spPr>
-        <p:txBody>
-          <a:bodyPr vert="horz" lIns="91440" tIns="45720" rIns="91440" bIns="45720" rtlCol="0">
-            <a:normAutofit/>
-          </a:bodyPr>
-          <a:lstStyle/>
-          <a:p>
-            <a:pPr lvl="0"/>
-            <a:r>
-              <a:rPr lang="en-US" smtClean="0"/>
-              <a:t>Click to edit Master text styles</a:t>
-            </a:r>
-          </a:p>
-          <a:p>
-            <a:pPr lvl="1"/>
-            <a:r>
-              <a:rPr lang="en-US" smtClean="0"/>
-              <a:t>Second level</a:t>
-            </a:r>
-          </a:p>
-          <a:p>
-            <a:pPr lvl="2"/>
-            <a:r>
-              <a:rPr lang="en-US" smtClean="0"/>
-              <a:t>Third level</a:t>
-            </a:r>
-          </a:p>
-          <a:p>
-            <a:pPr lvl="3"/>
-            <a:r>
-              <a:rPr lang="en-US" smtClean="0"/>
-              <a:t>Fourth level</a:t>
-            </a:r>
-          </a:p>
-          <a:p>
-            <a:pPr lvl="4"/>
-            <a:r>
-              <a:rPr lang="en-US" smtClean="0"/>
-              <a:t>Fifth level</a:t>
-            </a:r>
-            <a:endParaRPr lang="en-US"/>
-          </a:p>
-        </p:txBody>
-      </p:sp>
-      <p:sp>
-        <p:nvSpPr>
-          <p:cNvPr id="4" name="Date Placeholder 3"/>
-          <p:cNvSpPr>
-            <a:spLocks noGrp="1"/>
-          </p:cNvSpPr>
-          <p:nvPr>
-            <p:ph type="dt" sz="half" idx="2"/>
-          </p:nvPr>
-        </p:nvSpPr>
-        <p:spPr>
-          <a:xfrm>
-            <a:off x="457200" y="6356350"/>
-            <a:ext cx="2133600" cy="365125"/>
-          </a:xfrm>
-          <a:prstGeom prst="rect">
-            <a:avLst/>
-          </a:prstGeom>
-        </p:spPr>
-        <p:txBody>
-          <a:bodyPr vert="horz" lIns="91440" tIns="45720" rIns="91440" bIns="45720" rtlCol="0" anchor="ctr"/>
+          <a:bodyPr vert="horz"/>
           <a:lstStyle>
-            <a:lvl1pPr algn="l">
-              <a:defRPr sz="1200">
+            <a:lvl1pPr algn="r" eaLnBrk="1" latinLnBrk="0" hangingPunct="1">
+              <a:defRPr kumimoji="0" sz="1400">
                 <a:solidFill>
-                  <a:schemeClr val="tx1">
-                    <a:tint val="75000"/>
-                  </a:schemeClr>
+                  <a:srgbClr val="FFFFFF"/>
                 </a:solidFill>
               </a:defRPr>
             </a:lvl1pPr>
@@ -2714,7 +5409,7 @@
       </p:sp>
       <p:sp>
         <p:nvSpPr>
-          <p:cNvPr id="5" name="Footer Placeholder 4"/>
+          <p:cNvPr id="3" name="Footer Placeholder 2"/>
           <p:cNvSpPr>
             <a:spLocks noGrp="1"/>
           </p:cNvSpPr>
@@ -2724,22 +5419,20 @@
         </p:nvSpPr>
         <p:spPr>
           <a:xfrm>
-            <a:off x="3124200" y="6356350"/>
-            <a:ext cx="2895600" cy="365125"/>
+            <a:off x="304800" y="6410848"/>
+            <a:ext cx="3581400" cy="365760"/>
           </a:xfrm>
           <a:prstGeom prst="rect">
             <a:avLst/>
           </a:prstGeom>
         </p:spPr>
         <p:txBody>
-          <a:bodyPr vert="horz" lIns="91440" tIns="45720" rIns="91440" bIns="45720" rtlCol="0" anchor="ctr"/>
+          <a:bodyPr vert="horz"/>
           <a:lstStyle>
-            <a:lvl1pPr algn="ctr">
-              <a:defRPr sz="1200">
+            <a:lvl1pPr algn="l" eaLnBrk="1" latinLnBrk="0" hangingPunct="1">
+              <a:defRPr kumimoji="0" sz="1200">
                 <a:solidFill>
-                  <a:schemeClr val="tx1">
-                    <a:tint val="75000"/>
-                  </a:schemeClr>
+                  <a:srgbClr val="FFFFFF"/>
                 </a:solidFill>
               </a:defRPr>
             </a:lvl1pPr>
@@ -2751,7 +5444,179 @@
       </p:sp>
       <p:sp>
         <p:nvSpPr>
-          <p:cNvPr id="6" name="Slide Number Placeholder 5"/>
+          <p:cNvPr id="8" name="Rectangle 7"/>
+          <p:cNvSpPr>
+            <a:spLocks noChangeArrowheads="1"/>
+          </p:cNvSpPr>
+          <p:nvPr/>
+        </p:nvSpPr>
+        <p:spPr bwMode="auto">
+          <a:xfrm>
+            <a:off x="152400" y="155448"/>
+            <a:ext cx="8833104" cy="6547104"/>
+          </a:xfrm>
+          <a:prstGeom prst="rect">
+            <a:avLst/>
+          </a:prstGeom>
+          <a:noFill/>
+          <a:ln w="9525" cap="flat" cmpd="sng" algn="ctr">
+            <a:solidFill>
+              <a:schemeClr val="accent3">
+                <a:shade val="75000"/>
+              </a:schemeClr>
+            </a:solidFill>
+            <a:prstDash val="solid"/>
+            <a:miter lim="800000"/>
+            <a:headEnd type="none" w="med" len="med"/>
+            <a:tailEnd type="none" w="med" len="med"/>
+          </a:ln>
+          <a:effectLst/>
+        </p:spPr>
+        <p:txBody>
+          <a:bodyPr vert="horz" wrap="none" lIns="91440" tIns="45720" rIns="91440" bIns="45720" anchor="ctr" compatLnSpc="1"/>
+          <a:lstStyle/>
+          <a:p>
+            <a:endParaRPr kumimoji="0" lang="en-US" dirty="0"/>
+          </a:p>
+        </p:txBody>
+      </p:sp>
+      <p:sp>
+        <p:nvSpPr>
+          <p:cNvPr id="10" name="Straight Connector 9"/>
+          <p:cNvSpPr>
+            <a:spLocks noChangeShapeType="1"/>
+          </p:cNvSpPr>
+          <p:nvPr/>
+        </p:nvSpPr>
+        <p:spPr bwMode="auto">
+          <a:xfrm>
+            <a:off x="152400" y="1276743"/>
+            <a:ext cx="8833104" cy="0"/>
+          </a:xfrm>
+          <a:prstGeom prst="line">
+            <a:avLst/>
+          </a:prstGeom>
+          <a:noFill/>
+          <a:ln w="9525" cap="flat" cmpd="sng" algn="ctr">
+            <a:solidFill>
+              <a:schemeClr val="accent3">
+                <a:shade val="75000"/>
+              </a:schemeClr>
+            </a:solidFill>
+            <a:prstDash val="sysDash"/>
+            <a:round/>
+            <a:headEnd type="none" w="med" len="med"/>
+            <a:tailEnd type="none" w="med" len="med"/>
+          </a:ln>
+          <a:effectLst/>
+        </p:spPr>
+        <p:txBody>
+          <a:bodyPr vert="horz" wrap="none" lIns="91440" tIns="45720" rIns="91440" bIns="45720" anchor="ctr" compatLnSpc="1"/>
+          <a:lstStyle/>
+          <a:p>
+            <a:endParaRPr kumimoji="0" lang="en-US"/>
+          </a:p>
+        </p:txBody>
+      </p:sp>
+      <p:sp>
+        <p:nvSpPr>
+          <p:cNvPr id="12" name="Oval 11"/>
+          <p:cNvSpPr/>
+          <p:nvPr/>
+        </p:nvSpPr>
+        <p:spPr>
+          <a:xfrm>
+            <a:off x="4267200" y="956036"/>
+            <a:ext cx="609600" cy="609600"/>
+          </a:xfrm>
+          <a:prstGeom prst="ellipse">
+            <a:avLst/>
+          </a:prstGeom>
+          <a:solidFill>
+            <a:srgbClr val="FFFFFF"/>
+          </a:solidFill>
+          <a:ln w="15875" cap="rnd" cmpd="sng" algn="ctr">
+            <a:noFill/>
+            <a:prstDash val="solid"/>
+          </a:ln>
+          <a:effectLst/>
+        </p:spPr>
+        <p:style>
+          <a:lnRef idx="3">
+            <a:schemeClr val="lt1"/>
+          </a:lnRef>
+          <a:fillRef idx="1">
+            <a:schemeClr val="accent1"/>
+          </a:fillRef>
+          <a:effectRef idx="1">
+            <a:schemeClr val="accent1"/>
+          </a:effectRef>
+          <a:fontRef idx="minor">
+            <a:schemeClr val="lt1"/>
+          </a:fontRef>
+        </p:style>
+        <p:txBody>
+          <a:bodyPr anchor="ctr"/>
+          <a:lstStyle/>
+          <a:p>
+            <a:pPr algn="ctr" eaLnBrk="1" latinLnBrk="0" hangingPunct="1"/>
+            <a:endParaRPr kumimoji="0" lang="en-US"/>
+          </a:p>
+        </p:txBody>
+      </p:sp>
+      <p:sp>
+        <p:nvSpPr>
+          <p:cNvPr id="15" name="Oval 14"/>
+          <p:cNvSpPr/>
+          <p:nvPr/>
+        </p:nvSpPr>
+        <p:spPr>
+          <a:xfrm>
+            <a:off x="4361688" y="1050524"/>
+            <a:ext cx="420624" cy="420624"/>
+          </a:xfrm>
+          <a:prstGeom prst="ellipse">
+            <a:avLst/>
+          </a:prstGeom>
+          <a:solidFill>
+            <a:srgbClr val="FFFFFF"/>
+          </a:solidFill>
+          <a:ln w="50800" cap="rnd" cmpd="dbl" algn="ctr">
+            <a:solidFill>
+              <a:schemeClr val="accent3">
+                <a:shade val="75000"/>
+              </a:schemeClr>
+            </a:solidFill>
+            <a:prstDash val="solid"/>
+          </a:ln>
+          <a:effectLst/>
+        </p:spPr>
+        <p:style>
+          <a:lnRef idx="3">
+            <a:schemeClr val="lt1"/>
+          </a:lnRef>
+          <a:fillRef idx="1">
+            <a:schemeClr val="accent1"/>
+          </a:fillRef>
+          <a:effectRef idx="1">
+            <a:schemeClr val="accent1"/>
+          </a:effectRef>
+          <a:fontRef idx="minor">
+            <a:schemeClr val="lt1"/>
+          </a:fontRef>
+        </p:style>
+        <p:txBody>
+          <a:bodyPr anchor="ctr"/>
+          <a:lstStyle/>
+          <a:p>
+            <a:pPr algn="ctr" eaLnBrk="1" latinLnBrk="0" hangingPunct="1"/>
+            <a:endParaRPr kumimoji="0" lang="en-US"/>
+          </a:p>
+        </p:txBody>
+      </p:sp>
+      <p:sp>
+        <p:nvSpPr>
+          <p:cNvPr id="23" name="Slide Number Placeholder 22"/>
           <p:cNvSpPr>
             <a:spLocks noGrp="1"/>
           </p:cNvSpPr>
@@ -2761,21 +5626,23 @@
         </p:nvSpPr>
         <p:spPr>
           <a:xfrm>
-            <a:off x="6553200" y="6356350"/>
-            <a:ext cx="2133600" cy="365125"/>
+            <a:off x="4343400" y="1040174"/>
+            <a:ext cx="457200" cy="441325"/>
           </a:xfrm>
           <a:prstGeom prst="rect">
             <a:avLst/>
           </a:prstGeom>
         </p:spPr>
         <p:txBody>
-          <a:bodyPr vert="horz" lIns="91440" tIns="45720" rIns="91440" bIns="45720" rtlCol="0" anchor="ctr"/>
+          <a:bodyPr vert="horz" lIns="45720" rIns="45720" anchor="ctr">
+            <a:normAutofit/>
+          </a:bodyPr>
           <a:lstStyle>
-            <a:lvl1pPr algn="r">
-              <a:defRPr sz="1200">
+            <a:lvl1pPr algn="ctr" eaLnBrk="1" latinLnBrk="0" hangingPunct="1">
+              <a:defRPr kumimoji="0" sz="1600">
                 <a:solidFill>
-                  <a:schemeClr val="tx1">
-                    <a:tint val="75000"/>
+                  <a:schemeClr val="accent3">
+                    <a:shade val="75000"/>
                   </a:schemeClr>
                 </a:solidFill>
               </a:defRPr>
@@ -2791,32 +5658,129 @@
           </a:p>
         </p:txBody>
       </p:sp>
+      <p:sp>
+        <p:nvSpPr>
+          <p:cNvPr id="22" name="Title Placeholder 21"/>
+          <p:cNvSpPr>
+            <a:spLocks noGrp="1"/>
+          </p:cNvSpPr>
+          <p:nvPr>
+            <p:ph type="title"/>
+          </p:nvPr>
+        </p:nvSpPr>
+        <p:spPr>
+          <a:xfrm>
+            <a:off x="301752" y="228600"/>
+            <a:ext cx="8534400" cy="758952"/>
+          </a:xfrm>
+          <a:prstGeom prst="rect">
+            <a:avLst/>
+          </a:prstGeom>
+        </p:spPr>
+        <p:txBody>
+          <a:bodyPr vert="horz" anchor="b">
+            <a:normAutofit/>
+          </a:bodyPr>
+          <a:lstStyle/>
+          <a:p>
+            <a:r>
+              <a:rPr kumimoji="0" lang="en-US" smtClean="0"/>
+              <a:t>Click to edit Master title style</a:t>
+            </a:r>
+            <a:endParaRPr kumimoji="0" lang="en-US"/>
+          </a:p>
+        </p:txBody>
+      </p:sp>
+      <p:sp>
+        <p:nvSpPr>
+          <p:cNvPr id="13" name="Text Placeholder 12"/>
+          <p:cNvSpPr>
+            <a:spLocks noGrp="1"/>
+          </p:cNvSpPr>
+          <p:nvPr>
+            <p:ph type="body" idx="1"/>
+          </p:nvPr>
+        </p:nvSpPr>
+        <p:spPr>
+          <a:xfrm>
+            <a:off x="301752" y="1524000"/>
+            <a:ext cx="8534400" cy="4599432"/>
+          </a:xfrm>
+          <a:prstGeom prst="rect">
+            <a:avLst/>
+          </a:prstGeom>
+        </p:spPr>
+        <p:txBody>
+          <a:bodyPr vert="horz">
+            <a:normAutofit/>
+          </a:bodyPr>
+          <a:lstStyle/>
+          <a:p>
+            <a:pPr lvl="0" eaLnBrk="1" latinLnBrk="0" hangingPunct="1"/>
+            <a:r>
+              <a:rPr kumimoji="0" lang="en-US" smtClean="0"/>
+              <a:t>Click to edit Master text styles</a:t>
+            </a:r>
+          </a:p>
+          <a:p>
+            <a:pPr lvl="1" eaLnBrk="1" latinLnBrk="0" hangingPunct="1"/>
+            <a:r>
+              <a:rPr kumimoji="0" lang="en-US" smtClean="0"/>
+              <a:t>Second level</a:t>
+            </a:r>
+          </a:p>
+          <a:p>
+            <a:pPr lvl="2" eaLnBrk="1" latinLnBrk="0" hangingPunct="1"/>
+            <a:r>
+              <a:rPr kumimoji="0" lang="en-US" smtClean="0"/>
+              <a:t>Third level</a:t>
+            </a:r>
+          </a:p>
+          <a:p>
+            <a:pPr lvl="3" eaLnBrk="1" latinLnBrk="0" hangingPunct="1"/>
+            <a:r>
+              <a:rPr kumimoji="0" lang="en-US" smtClean="0"/>
+              <a:t>Fourth level</a:t>
+            </a:r>
+          </a:p>
+          <a:p>
+            <a:pPr lvl="4" eaLnBrk="1" latinLnBrk="0" hangingPunct="1"/>
+            <a:r>
+              <a:rPr kumimoji="0" lang="en-US" smtClean="0"/>
+              <a:t>Fifth level</a:t>
+            </a:r>
+            <a:endParaRPr kumimoji="0" lang="en-US"/>
+          </a:p>
+        </p:txBody>
+      </p:sp>
     </p:spTree>
   </p:cSld>
   <p:clrMap bg1="lt1" tx1="dk1" bg2="lt2" tx2="dk2" accent1="accent1" accent2="accent2" accent3="accent3" accent4="accent4" accent5="accent5" accent6="accent6" hlink="hlink" folHlink="folHlink"/>
   <p:sldLayoutIdLst>
-    <p:sldLayoutId id="2147483649" r:id="rId1"/>
-    <p:sldLayoutId id="2147483650" r:id="rId2"/>
-    <p:sldLayoutId id="2147483651" r:id="rId3"/>
-    <p:sldLayoutId id="2147483652" r:id="rId4"/>
-    <p:sldLayoutId id="2147483653" r:id="rId5"/>
-    <p:sldLayoutId id="2147483654" r:id="rId6"/>
-    <p:sldLayoutId id="2147483655" r:id="rId7"/>
-    <p:sldLayoutId id="2147483656" r:id="rId8"/>
-    <p:sldLayoutId id="2147483657" r:id="rId9"/>
-    <p:sldLayoutId id="2147483658" r:id="rId10"/>
-    <p:sldLayoutId id="2147483659" r:id="rId11"/>
+    <p:sldLayoutId id="2147483673" r:id="rId1"/>
+    <p:sldLayoutId id="2147483674" r:id="rId2"/>
+    <p:sldLayoutId id="2147483675" r:id="rId3"/>
+    <p:sldLayoutId id="2147483676" r:id="rId4"/>
+    <p:sldLayoutId id="2147483677" r:id="rId5"/>
+    <p:sldLayoutId id="2147483678" r:id="rId6"/>
+    <p:sldLayoutId id="2147483679" r:id="rId7"/>
+    <p:sldLayoutId id="2147483680" r:id="rId8"/>
+    <p:sldLayoutId id="2147483681" r:id="rId9"/>
+    <p:sldLayoutId id="2147483682" r:id="rId10"/>
+    <p:sldLayoutId id="2147483683" r:id="rId11"/>
   </p:sldLayoutIdLst>
   <p:txStyles>
     <p:titleStyle>
-      <a:lvl1pPr algn="ctr" defTabSz="914400" rtl="0" eaLnBrk="1" latinLnBrk="0" hangingPunct="1">
+      <a:lvl1pPr algn="ctr" rtl="0" eaLnBrk="1" latinLnBrk="0" hangingPunct="1">
         <a:spcBef>
           <a:spcPct val="0"/>
         </a:spcBef>
         <a:buNone/>
-        <a:defRPr sz="4400" kern="1200">
-          <a:solidFill>
-            <a:schemeClr val="tx1"/>
+        <a:defRPr kumimoji="0" sz="3300" kern="1200">
+          <a:solidFill>
+            <a:schemeClr val="accent3">
+              <a:shade val="75000"/>
+            </a:schemeClr>
           </a:solidFill>
           <a:latin typeface="+mj-lt"/>
           <a:ea typeface="+mj-ea"/>
@@ -2825,13 +5789,17 @@
       </a:lvl1pPr>
     </p:titleStyle>
     <p:bodyStyle>
-      <a:lvl1pPr marL="342900" indent="-342900" algn="l" defTabSz="914400" rtl="0" eaLnBrk="1" latinLnBrk="0" hangingPunct="1">
+      <a:lvl1pPr marL="274320" indent="-274320" algn="l" rtl="0" eaLnBrk="1" latinLnBrk="0" hangingPunct="1">
         <a:spcBef>
           <a:spcPct val="20000"/>
         </a:spcBef>
-        <a:buFont typeface="Arial" pitchFamily="34" charset="0"/>
-        <a:buChar char="•"/>
-        <a:defRPr sz="3200" kern="1200">
+        <a:buClr>
+          <a:schemeClr val="accent1"/>
+        </a:buClr>
+        <a:buSzPct val="85000"/>
+        <a:buFont typeface="Wingdings 2"/>
+        <a:buChar char=""/>
+        <a:defRPr kumimoji="0" sz="2700" kern="1200">
           <a:solidFill>
             <a:schemeClr val="tx1"/>
           </a:solidFill>
@@ -2840,28 +5808,36 @@
           <a:cs typeface="+mn-cs"/>
         </a:defRPr>
       </a:lvl1pPr>
-      <a:lvl2pPr marL="742950" indent="-285750" algn="l" defTabSz="914400" rtl="0" eaLnBrk="1" latinLnBrk="0" hangingPunct="1">
+      <a:lvl2pPr marL="548640" indent="-274320" algn="l" rtl="0" eaLnBrk="1" latinLnBrk="0" hangingPunct="1">
         <a:spcBef>
           <a:spcPct val="20000"/>
         </a:spcBef>
-        <a:buFont typeface="Arial" pitchFamily="34" charset="0"/>
-        <a:buChar char="–"/>
-        <a:defRPr sz="2800" kern="1200">
-          <a:solidFill>
-            <a:schemeClr val="tx1"/>
+        <a:buClr>
+          <a:schemeClr val="accent2"/>
+        </a:buClr>
+        <a:buSzPct val="70000"/>
+        <a:buFont typeface="Wingdings"/>
+        <a:buChar char=""/>
+        <a:defRPr kumimoji="0" sz="2200" kern="1200">
+          <a:solidFill>
+            <a:schemeClr val="tx2"/>
           </a:solidFill>
           <a:latin typeface="+mn-lt"/>
           <a:ea typeface="+mn-ea"/>
           <a:cs typeface="+mn-cs"/>
         </a:defRPr>
       </a:lvl2pPr>
-      <a:lvl3pPr marL="1143000" indent="-228600" algn="l" defTabSz="914400" rtl="0" eaLnBrk="1" latinLnBrk="0" hangingPunct="1">
+      <a:lvl3pPr marL="822960" indent="-228600" algn="l" rtl="0" eaLnBrk="1" latinLnBrk="0" hangingPunct="1">
         <a:spcBef>
           <a:spcPct val="20000"/>
         </a:spcBef>
-        <a:buFont typeface="Arial" pitchFamily="34" charset="0"/>
-        <a:buChar char="•"/>
-        <a:defRPr sz="2400" kern="1200">
+        <a:buClr>
+          <a:schemeClr val="accent3"/>
+        </a:buClr>
+        <a:buSzPct val="75000"/>
+        <a:buFont typeface="Wingdings 2"/>
+        <a:buChar char=""/>
+        <a:defRPr kumimoji="0" sz="2000" kern="1200">
           <a:solidFill>
             <a:schemeClr val="tx1"/>
           </a:solidFill>
@@ -2870,28 +5846,35 @@
           <a:cs typeface="+mn-cs"/>
         </a:defRPr>
       </a:lvl3pPr>
-      <a:lvl4pPr marL="1600200" indent="-228600" algn="l" defTabSz="914400" rtl="0" eaLnBrk="1" latinLnBrk="0" hangingPunct="1">
+      <a:lvl4pPr marL="1097280" indent="-228600" algn="l" rtl="0" eaLnBrk="1" latinLnBrk="0" hangingPunct="1">
         <a:spcBef>
           <a:spcPct val="20000"/>
         </a:spcBef>
-        <a:buFont typeface="Arial" pitchFamily="34" charset="0"/>
-        <a:buChar char="–"/>
-        <a:defRPr sz="2000" kern="1200">
-          <a:solidFill>
-            <a:schemeClr val="tx1"/>
+        <a:buClr>
+          <a:schemeClr val="accent4"/>
+        </a:buClr>
+        <a:buSzPct val="70000"/>
+        <a:buFont typeface="Wingdings"/>
+        <a:buChar char=""/>
+        <a:defRPr kumimoji="0" sz="2000" kern="1200">
+          <a:solidFill>
+            <a:schemeClr val="tx2"/>
           </a:solidFill>
           <a:latin typeface="+mn-lt"/>
           <a:ea typeface="+mn-ea"/>
           <a:cs typeface="+mn-cs"/>
         </a:defRPr>
       </a:lvl4pPr>
-      <a:lvl5pPr marL="2057400" indent="-228600" algn="l" defTabSz="914400" rtl="0" eaLnBrk="1" latinLnBrk="0" hangingPunct="1">
+      <a:lvl5pPr marL="1371600" indent="-228600" algn="l" rtl="0" eaLnBrk="1" latinLnBrk="0" hangingPunct="1">
         <a:spcBef>
           <a:spcPct val="20000"/>
         </a:spcBef>
-        <a:buFont typeface="Arial" pitchFamily="34" charset="0"/>
-        <a:buChar char="»"/>
-        <a:defRPr sz="2000" kern="1200">
+        <a:buClr>
+          <a:schemeClr val="accent5"/>
+        </a:buClr>
+        <a:buFontTx/>
+        <a:buChar char="•"/>
+        <a:defRPr kumimoji="0" sz="1800" kern="1200">
           <a:solidFill>
             <a:schemeClr val="tx1"/>
           </a:solidFill>
@@ -2900,13 +5883,17 @@
           <a:cs typeface="+mn-cs"/>
         </a:defRPr>
       </a:lvl5pPr>
-      <a:lvl6pPr marL="2514600" indent="-228600" algn="l" defTabSz="914400" rtl="0" eaLnBrk="1" latinLnBrk="0" hangingPunct="1">
+      <a:lvl6pPr marL="1645920" indent="-182880" algn="l" rtl="0" eaLnBrk="1" latinLnBrk="0" hangingPunct="1">
         <a:spcBef>
           <a:spcPct val="20000"/>
         </a:spcBef>
-        <a:buFont typeface="Arial" pitchFamily="34" charset="0"/>
-        <a:buChar char="•"/>
-        <a:defRPr sz="2000" kern="1200">
+        <a:buClr>
+          <a:schemeClr val="accent6"/>
+        </a:buClr>
+        <a:buSzPct val="80000"/>
+        <a:buFont typeface="Wingdings 2"/>
+        <a:buChar char=""/>
+        <a:defRPr kumimoji="0" sz="1800" kern="1200">
           <a:solidFill>
             <a:schemeClr val="tx1"/>
           </a:solidFill>
@@ -2915,13 +5902,18 @@
           <a:cs typeface="+mn-cs"/>
         </a:defRPr>
       </a:lvl6pPr>
-      <a:lvl7pPr marL="2971800" indent="-228600" algn="l" defTabSz="914400" rtl="0" eaLnBrk="1" latinLnBrk="0" hangingPunct="1">
+      <a:lvl7pPr marL="1920240" indent="-182880" algn="l" rtl="0" eaLnBrk="1" latinLnBrk="0" hangingPunct="1">
         <a:spcBef>
           <a:spcPct val="20000"/>
         </a:spcBef>
-        <a:buFont typeface="Arial" pitchFamily="34" charset="0"/>
+        <a:buClr>
+          <a:schemeClr val="accent1">
+            <a:shade val="75000"/>
+          </a:schemeClr>
+        </a:buClr>
+        <a:buSzPct val="90000"/>
         <a:buChar char="•"/>
-        <a:defRPr sz="2000" kern="1200">
+        <a:defRPr kumimoji="0" sz="1600" kern="1200" baseline="0">
           <a:solidFill>
             <a:schemeClr val="tx1"/>
           </a:solidFill>
@@ -2930,13 +5922,17 @@
           <a:cs typeface="+mn-cs"/>
         </a:defRPr>
       </a:lvl7pPr>
-      <a:lvl8pPr marL="3429000" indent="-228600" algn="l" defTabSz="914400" rtl="0" eaLnBrk="1" latinLnBrk="0" hangingPunct="1">
+      <a:lvl8pPr marL="2103120" indent="-182880" algn="l" rtl="0" eaLnBrk="1" latinLnBrk="0" hangingPunct="1">
         <a:spcBef>
           <a:spcPct val="20000"/>
         </a:spcBef>
-        <a:buFont typeface="Arial" pitchFamily="34" charset="0"/>
+        <a:buClr>
+          <a:schemeClr val="accent4">
+            <a:shade val="75000"/>
+          </a:schemeClr>
+        </a:buClr>
         <a:buChar char="•"/>
-        <a:defRPr sz="2000" kern="1200">
+        <a:defRPr kumimoji="0" sz="1600" kern="1200">
           <a:solidFill>
             <a:schemeClr val="tx1"/>
           </a:solidFill>
@@ -2945,13 +5941,18 @@
           <a:cs typeface="+mn-cs"/>
         </a:defRPr>
       </a:lvl8pPr>
-      <a:lvl9pPr marL="3886200" indent="-228600" algn="l" defTabSz="914400" rtl="0" eaLnBrk="1" latinLnBrk="0" hangingPunct="1">
+      <a:lvl9pPr marL="2377440" indent="-182880" algn="l" rtl="0" eaLnBrk="1" latinLnBrk="0" hangingPunct="1">
         <a:spcBef>
           <a:spcPct val="20000"/>
         </a:spcBef>
-        <a:buFont typeface="Arial" pitchFamily="34" charset="0"/>
+        <a:buClr>
+          <a:schemeClr val="accent2">
+            <a:shade val="75000"/>
+          </a:schemeClr>
+        </a:buClr>
+        <a:buSzPct val="90000"/>
         <a:buChar char="•"/>
-        <a:defRPr sz="2000" kern="1200">
+        <a:defRPr kumimoji="0" sz="1400" kern="1200" cap="all" baseline="0">
           <a:solidFill>
             <a:schemeClr val="tx1"/>
           </a:solidFill>
@@ -2962,11 +5963,8 @@
       </a:lvl9pPr>
     </p:bodyStyle>
     <p:otherStyle>
-      <a:defPPr>
-        <a:defRPr lang="en-US"/>
-      </a:defPPr>
-      <a:lvl1pPr marL="0" algn="l" defTabSz="914400" rtl="0" eaLnBrk="1" latinLnBrk="0" hangingPunct="1">
-        <a:defRPr sz="1800" kern="1200">
+      <a:lvl1pPr marL="0" algn="l" rtl="0" eaLnBrk="1" latinLnBrk="0" hangingPunct="1">
+        <a:defRPr kumimoji="0" kern="1200">
           <a:solidFill>
             <a:schemeClr val="tx1"/>
           </a:solidFill>
@@ -2975,8 +5973,8 @@
           <a:cs typeface="+mn-cs"/>
         </a:defRPr>
       </a:lvl1pPr>
-      <a:lvl2pPr marL="457200" algn="l" defTabSz="914400" rtl="0" eaLnBrk="1" latinLnBrk="0" hangingPunct="1">
-        <a:defRPr sz="1800" kern="1200">
+      <a:lvl2pPr marL="457200" algn="l" rtl="0" eaLnBrk="1" latinLnBrk="0" hangingPunct="1">
+        <a:defRPr kumimoji="0" kern="1200">
           <a:solidFill>
             <a:schemeClr val="tx1"/>
           </a:solidFill>
@@ -2985,8 +5983,8 @@
           <a:cs typeface="+mn-cs"/>
         </a:defRPr>
       </a:lvl2pPr>
-      <a:lvl3pPr marL="914400" algn="l" defTabSz="914400" rtl="0" eaLnBrk="1" latinLnBrk="0" hangingPunct="1">
-        <a:defRPr sz="1800" kern="1200">
+      <a:lvl3pPr marL="914400" algn="l" rtl="0" eaLnBrk="1" latinLnBrk="0" hangingPunct="1">
+        <a:defRPr kumimoji="0" kern="1200">
           <a:solidFill>
             <a:schemeClr val="tx1"/>
           </a:solidFill>
@@ -2995,8 +5993,8 @@
           <a:cs typeface="+mn-cs"/>
         </a:defRPr>
       </a:lvl3pPr>
-      <a:lvl4pPr marL="1371600" algn="l" defTabSz="914400" rtl="0" eaLnBrk="1" latinLnBrk="0" hangingPunct="1">
-        <a:defRPr sz="1800" kern="1200">
+      <a:lvl4pPr marL="1371600" algn="l" rtl="0" eaLnBrk="1" latinLnBrk="0" hangingPunct="1">
+        <a:defRPr kumimoji="0" kern="1200">
           <a:solidFill>
             <a:schemeClr val="tx1"/>
           </a:solidFill>
@@ -3005,8 +6003,8 @@
           <a:cs typeface="+mn-cs"/>
         </a:defRPr>
       </a:lvl4pPr>
-      <a:lvl5pPr marL="1828800" algn="l" defTabSz="914400" rtl="0" eaLnBrk="1" latinLnBrk="0" hangingPunct="1">
-        <a:defRPr sz="1800" kern="1200">
+      <a:lvl5pPr marL="1828800" algn="l" rtl="0" eaLnBrk="1" latinLnBrk="0" hangingPunct="1">
+        <a:defRPr kumimoji="0" kern="1200">
           <a:solidFill>
             <a:schemeClr val="tx1"/>
           </a:solidFill>
@@ -3015,8 +6013,8 @@
           <a:cs typeface="+mn-cs"/>
         </a:defRPr>
       </a:lvl5pPr>
-      <a:lvl6pPr marL="2286000" algn="l" defTabSz="914400" rtl="0" eaLnBrk="1" latinLnBrk="0" hangingPunct="1">
-        <a:defRPr sz="1800" kern="1200">
+      <a:lvl6pPr marL="2286000" algn="l" rtl="0" eaLnBrk="1" latinLnBrk="0" hangingPunct="1">
+        <a:defRPr kumimoji="0" kern="1200">
           <a:solidFill>
             <a:schemeClr val="tx1"/>
           </a:solidFill>
@@ -3025,8 +6023,8 @@
           <a:cs typeface="+mn-cs"/>
         </a:defRPr>
       </a:lvl6pPr>
-      <a:lvl7pPr marL="2743200" algn="l" defTabSz="914400" rtl="0" eaLnBrk="1" latinLnBrk="0" hangingPunct="1">
-        <a:defRPr sz="1800" kern="1200">
+      <a:lvl7pPr marL="2743200" algn="l" rtl="0" eaLnBrk="1" latinLnBrk="0" hangingPunct="1">
+        <a:defRPr kumimoji="0" kern="1200">
           <a:solidFill>
             <a:schemeClr val="tx1"/>
           </a:solidFill>
@@ -3035,8 +6033,8 @@
           <a:cs typeface="+mn-cs"/>
         </a:defRPr>
       </a:lvl7pPr>
-      <a:lvl8pPr marL="3200400" algn="l" defTabSz="914400" rtl="0" eaLnBrk="1" latinLnBrk="0" hangingPunct="1">
-        <a:defRPr sz="1800" kern="1200">
+      <a:lvl8pPr marL="3200400" algn="l" rtl="0" eaLnBrk="1" latinLnBrk="0" hangingPunct="1">
+        <a:defRPr kumimoji="0" kern="1200">
           <a:solidFill>
             <a:schemeClr val="tx1"/>
           </a:solidFill>
@@ -3045,8 +6043,8 @@
           <a:cs typeface="+mn-cs"/>
         </a:defRPr>
       </a:lvl8pPr>
-      <a:lvl9pPr marL="3657600" algn="l" defTabSz="914400" rtl="0" eaLnBrk="1" latinLnBrk="0" hangingPunct="1">
-        <a:defRPr sz="1800" kern="1200">
+      <a:lvl9pPr marL="3657600" algn="l" rtl="0" eaLnBrk="1" latinLnBrk="0" hangingPunct="1">
+        <a:defRPr kumimoji="0" kern="1200">
           <a:solidFill>
             <a:schemeClr val="tx1"/>
           </a:solidFill>
@@ -3079,6 +6077,79 @@
       </p:grpSpPr>
       <p:sp>
         <p:nvSpPr>
+          <p:cNvPr id="3" name="Subtitle 2"/>
+          <p:cNvSpPr>
+            <a:spLocks noGrp="1"/>
+          </p:cNvSpPr>
+          <p:nvPr>
+            <p:ph type="subTitle" idx="1"/>
+          </p:nvPr>
+        </p:nvSpPr>
+        <p:spPr/>
+        <p:txBody>
+          <a:bodyPr>
+            <a:normAutofit/>
+          </a:bodyPr>
+          <a:lstStyle/>
+          <a:p>
+            <a:r>
+              <a:rPr lang="en-US" dirty="0" smtClean="0"/>
+              <a:t>By </a:t>
+            </a:r>
+            <a:r>
+              <a:rPr lang="en-US" dirty="0" err="1" smtClean="0"/>
+              <a:t>Taimoor</a:t>
+            </a:r>
+            <a:r>
+              <a:rPr lang="en-US" dirty="0" smtClean="0"/>
+              <a:t> </a:t>
+            </a:r>
+            <a:r>
+              <a:rPr lang="en-US" dirty="0" err="1" smtClean="0"/>
+              <a:t>Arshad</a:t>
+            </a:r>
+            <a:endParaRPr lang="en-US" dirty="0" smtClean="0"/>
+          </a:p>
+          <a:p>
+            <a:r>
+              <a:rPr lang="en-US" dirty="0" smtClean="0"/>
+              <a:t>Charlene Gray</a:t>
+            </a:r>
+          </a:p>
+          <a:p>
+            <a:r>
+              <a:rPr lang="en-US" dirty="0" err="1" smtClean="0"/>
+              <a:t>Sathya</a:t>
+            </a:r>
+            <a:r>
+              <a:rPr lang="en-US" dirty="0" smtClean="0"/>
+              <a:t> </a:t>
+            </a:r>
+            <a:r>
+              <a:rPr lang="en-US" dirty="0" err="1" smtClean="0"/>
+              <a:t>Kulatunga</a:t>
+            </a:r>
+            <a:endParaRPr lang="en-US" dirty="0" smtClean="0"/>
+          </a:p>
+          <a:p>
+            <a:r>
+              <a:rPr lang="en-US" dirty="0" err="1" smtClean="0"/>
+              <a:t>Nida</a:t>
+            </a:r>
+            <a:r>
+              <a:rPr lang="en-US" dirty="0" smtClean="0"/>
+              <a:t> </a:t>
+            </a:r>
+            <a:r>
+              <a:rPr lang="en-US" dirty="0" err="1" smtClean="0"/>
+              <a:t>Hussain</a:t>
+            </a:r>
+            <a:endParaRPr lang="en-US" dirty="0"/>
+          </a:p>
+        </p:txBody>
+      </p:sp>
+      <p:sp>
+        <p:nvSpPr>
           <p:cNvPr id="2" name="Title 1"/>
           <p:cNvSpPr>
             <a:spLocks noGrp="1"/>
@@ -3095,84 +6166,6 @@
             <a:r>
               <a:rPr lang="en-US" dirty="0" smtClean="0"/>
               <a:t>Does Forest Growth Correlate to Happiness?</a:t>
-            </a:r>
-            <a:endParaRPr lang="en-US" dirty="0"/>
-          </a:p>
-        </p:txBody>
-      </p:sp>
-      <p:sp>
-        <p:nvSpPr>
-          <p:cNvPr id="3" name="Subtitle 2"/>
-          <p:cNvSpPr>
-            <a:spLocks noGrp="1"/>
-          </p:cNvSpPr>
-          <p:nvPr>
-            <p:ph type="subTitle" idx="1"/>
-          </p:nvPr>
-        </p:nvSpPr>
-        <p:spPr/>
-        <p:txBody>
-          <a:bodyPr>
-            <a:normAutofit fontScale="85000" lnSpcReduction="20000"/>
-          </a:bodyPr>
-          <a:lstStyle/>
-          <a:p>
-            <a:r>
-              <a:rPr lang="en-US" dirty="0" smtClean="0"/>
-              <a:t>By </a:t>
-            </a:r>
-            <a:r>
-              <a:rPr lang="en-US" dirty="0" err="1" smtClean="0"/>
-              <a:t>Taimoor</a:t>
-            </a:r>
-            <a:r>
-              <a:rPr lang="en-US" dirty="0" smtClean="0"/>
-              <a:t> </a:t>
-            </a:r>
-            <a:r>
-              <a:rPr lang="en-US" dirty="0" err="1" smtClean="0"/>
-              <a:t>Arshad</a:t>
-            </a:r>
-            <a:endParaRPr lang="en-US" dirty="0" smtClean="0"/>
-          </a:p>
-          <a:p>
-            <a:r>
-              <a:rPr lang="en-US" dirty="0" smtClean="0"/>
-              <a:t>Charlene </a:t>
-            </a:r>
-            <a:r>
-              <a:rPr lang="en-US" dirty="0" smtClean="0"/>
-              <a:t>Gray</a:t>
-            </a:r>
-            <a:endParaRPr lang="en-US" dirty="0" smtClean="0"/>
-          </a:p>
-          <a:p>
-            <a:r>
-              <a:rPr lang="en-US" dirty="0" err="1" smtClean="0"/>
-              <a:t>Sathya</a:t>
-            </a:r>
-            <a:r>
-              <a:rPr lang="en-US" dirty="0" smtClean="0"/>
-              <a:t> </a:t>
-            </a:r>
-            <a:r>
-              <a:rPr lang="en-US" dirty="0" err="1" smtClean="0"/>
-              <a:t>Kulatunga</a:t>
-            </a:r>
-            <a:endParaRPr lang="en-US" dirty="0" smtClean="0"/>
-          </a:p>
-          <a:p>
-            <a:r>
-              <a:rPr lang="en-US" dirty="0" err="1" smtClean="0"/>
-              <a:t>Nida</a:t>
-            </a:r>
-            <a:r>
-              <a:rPr lang="en-US" dirty="0" smtClean="0"/>
-              <a:t> </a:t>
-            </a:r>
-            <a:r>
-              <a:rPr lang="en-US" dirty="0" err="1" smtClean="0"/>
-              <a:t>Hussain</a:t>
             </a:r>
             <a:endParaRPr lang="en-US" dirty="0"/>
           </a:p>
@@ -3233,7 +6226,7 @@
             <a:picLocks noGrp="1" noChangeAspect="1"/>
           </p:cNvPicPr>
           <p:nvPr>
-            <p:ph idx="1"/>
+            <p:ph sz="quarter" idx="1"/>
           </p:nvPr>
         </p:nvPicPr>
         <p:blipFill>
@@ -3334,7 +6327,7 @@
             <a:picLocks noGrp="1" noChangeAspect="1"/>
           </p:cNvPicPr>
           <p:nvPr>
-            <p:ph idx="1"/>
+            <p:ph sz="quarter" idx="1"/>
           </p:nvPr>
         </p:nvPicPr>
         <p:blipFill>
@@ -3435,7 +6428,7 @@
             <a:picLocks noGrp="1" noChangeAspect="1"/>
           </p:cNvPicPr>
           <p:nvPr>
-            <p:ph idx="1"/>
+            <p:ph sz="quarter" idx="1"/>
           </p:nvPr>
         </p:nvPicPr>
         <p:blipFill>
@@ -3489,7 +6482,7 @@
         <p:spPr/>
         <p:txBody>
           <a:bodyPr>
-            <a:normAutofit fontScale="90000"/>
+            <a:normAutofit/>
           </a:bodyPr>
           <a:lstStyle/>
           <a:p>
@@ -3508,7 +6501,7 @@
             <a:picLocks noGrp="1" noChangeAspect="1"/>
           </p:cNvPicPr>
           <p:nvPr>
-            <p:ph idx="1"/>
+            <p:ph sz="quarter" idx="1"/>
           </p:nvPr>
         </p:nvPicPr>
         <p:blipFill>
@@ -3562,7 +6555,7 @@
         <p:spPr/>
         <p:txBody>
           <a:bodyPr>
-            <a:normAutofit fontScale="90000"/>
+            <a:normAutofit/>
           </a:bodyPr>
           <a:lstStyle/>
           <a:p>
@@ -3581,7 +6574,7 @@
             <a:picLocks noGrp="1" noChangeAspect="1"/>
           </p:cNvPicPr>
           <p:nvPr>
-            <p:ph idx="1"/>
+            <p:ph sz="quarter" idx="1"/>
           </p:nvPr>
         </p:nvPicPr>
         <p:blipFill>
@@ -3652,7 +6645,7 @@
             <a:picLocks noGrp="1" noChangeAspect="1"/>
           </p:cNvPicPr>
           <p:nvPr>
-            <p:ph idx="1"/>
+            <p:ph sz="quarter" idx="1"/>
           </p:nvPr>
         </p:nvPicPr>
         <p:blipFill>
@@ -3723,7 +6716,7 @@
             <a:picLocks noGrp="1" noChangeAspect="1"/>
           </p:cNvPicPr>
           <p:nvPr>
-            <p:ph idx="1"/>
+            <p:ph sz="quarter" idx="1"/>
           </p:nvPr>
         </p:nvPicPr>
         <p:blipFill>
@@ -3794,7 +6787,7 @@
             <a:picLocks noGrp="1" noChangeAspect="1"/>
           </p:cNvPicPr>
           <p:nvPr>
-            <p:ph idx="1"/>
+            <p:ph sz="quarter" idx="1"/>
           </p:nvPr>
         </p:nvPicPr>
         <p:blipFill>
@@ -3865,7 +6858,7 @@
             <a:picLocks noGrp="1" noChangeAspect="1"/>
           </p:cNvPicPr>
           <p:nvPr>
-            <p:ph idx="1"/>
+            <p:ph sz="quarter" idx="1"/>
           </p:nvPr>
         </p:nvPicPr>
         <p:blipFill>
@@ -3938,7 +6931,7 @@
             <a:picLocks noGrp="1" noChangeAspect="1"/>
           </p:cNvPicPr>
           <p:nvPr>
-            <p:ph idx="1"/>
+            <p:ph sz="quarter" idx="1"/>
           </p:nvPr>
         </p:nvPicPr>
         <p:blipFill>
@@ -4009,7 +7002,7 @@
             <a:spLocks noGrp="1"/>
           </p:cNvSpPr>
           <p:nvPr>
-            <p:ph idx="1"/>
+            <p:ph sz="quarter" idx="1"/>
           </p:nvPr>
         </p:nvSpPr>
         <p:spPr/>
@@ -4104,13 +7097,13 @@
             <a:spLocks noGrp="1"/>
           </p:cNvSpPr>
           <p:nvPr>
-            <p:ph idx="1"/>
+            <p:ph sz="quarter" idx="1"/>
           </p:nvPr>
         </p:nvSpPr>
         <p:spPr/>
         <p:txBody>
           <a:bodyPr>
-            <a:normAutofit fontScale="77500" lnSpcReduction="20000"/>
+            <a:normAutofit fontScale="92500" lnSpcReduction="20000"/>
           </a:bodyPr>
           <a:lstStyle/>
           <a:p>
@@ -4197,7 +7190,7 @@
             <a:spLocks noGrp="1"/>
           </p:cNvSpPr>
           <p:nvPr>
-            <p:ph idx="1"/>
+            <p:ph sz="quarter" idx="1"/>
           </p:nvPr>
         </p:nvSpPr>
         <p:spPr/>
@@ -4282,13 +7275,13 @@
             <a:spLocks noGrp="1"/>
           </p:cNvSpPr>
           <p:nvPr>
-            <p:ph idx="1"/>
+            <p:ph sz="quarter" idx="1"/>
           </p:nvPr>
         </p:nvSpPr>
         <p:spPr/>
         <p:txBody>
           <a:bodyPr>
-            <a:normAutofit fontScale="85000" lnSpcReduction="20000"/>
+            <a:normAutofit fontScale="92500" lnSpcReduction="10000"/>
           </a:bodyPr>
           <a:lstStyle/>
           <a:p>
@@ -4386,7 +7379,7 @@
             <a:picLocks noGrp="1" noChangeAspect="1"/>
           </p:cNvPicPr>
           <p:nvPr>
-            <p:ph idx="1"/>
+            <p:ph sz="quarter" idx="1"/>
           </p:nvPr>
         </p:nvPicPr>
         <p:blipFill>
@@ -4397,8 +7390,8 @@
         </p:blipFill>
         <p:spPr>
           <a:xfrm>
-            <a:off x="457200" y="1805781"/>
-            <a:ext cx="8229600" cy="4114800"/>
+            <a:off x="301625" y="1687115"/>
+            <a:ext cx="8504238" cy="4252119"/>
           </a:xfrm>
         </p:spPr>
       </p:pic>
@@ -4457,7 +7450,7 @@
             <a:picLocks noGrp="1" noChangeAspect="1"/>
           </p:cNvPicPr>
           <p:nvPr>
-            <p:ph idx="1"/>
+            <p:ph sz="quarter" idx="1"/>
           </p:nvPr>
         </p:nvPicPr>
         <p:blipFill>
@@ -4468,8 +7461,8 @@
         </p:blipFill>
         <p:spPr>
           <a:xfrm>
-            <a:off x="457200" y="1805781"/>
-            <a:ext cx="8229600" cy="4114800"/>
+            <a:off x="301625" y="1687115"/>
+            <a:ext cx="8504238" cy="4252119"/>
           </a:xfrm>
         </p:spPr>
       </p:pic>
@@ -4528,7 +7521,7 @@
             <a:picLocks noGrp="1" noChangeAspect="1"/>
           </p:cNvPicPr>
           <p:nvPr>
-            <p:ph idx="1"/>
+            <p:ph sz="quarter" idx="1"/>
           </p:nvPr>
         </p:nvPicPr>
         <p:blipFill>
@@ -4629,7 +7622,7 @@
             <a:picLocks noGrp="1" noChangeAspect="1"/>
           </p:cNvPicPr>
           <p:nvPr>
-            <p:ph idx="1"/>
+            <p:ph sz="quarter" idx="1"/>
           </p:nvPr>
         </p:nvPicPr>
         <p:blipFill>
@@ -4684,9 +7677,9 @@
 </file>
 
 <file path=ppt/theme/theme1.xml><?xml version="1.0" encoding="utf-8"?>
-<a:theme xmlns:a="http://schemas.openxmlformats.org/drawingml/2006/main" name="Office Theme">
+<a:theme xmlns:a="http://schemas.openxmlformats.org/drawingml/2006/main" name="Civic">
   <a:themeElements>
-    <a:clrScheme name="Office">
+    <a:clrScheme name="Civic">
       <a:dk1>
         <a:sysClr val="windowText" lastClr="000000"/>
       </a:dk1>
@@ -4694,44 +7687,78 @@
         <a:sysClr val="window" lastClr="FFFFFF"/>
       </a:lt1>
       <a:dk2>
-        <a:srgbClr val="1F497D"/>
+        <a:srgbClr val="646B86"/>
       </a:dk2>
       <a:lt2>
-        <a:srgbClr val="EEECE1"/>
+        <a:srgbClr val="C5D1D7"/>
       </a:lt2>
       <a:accent1>
-        <a:srgbClr val="4F81BD"/>
+        <a:srgbClr val="D16349"/>
       </a:accent1>
       <a:accent2>
-        <a:srgbClr val="C0504D"/>
+        <a:srgbClr val="CCB400"/>
       </a:accent2>
       <a:accent3>
-        <a:srgbClr val="9BBB59"/>
+        <a:srgbClr val="8CADAE"/>
       </a:accent3>
       <a:accent4>
-        <a:srgbClr val="8064A2"/>
+        <a:srgbClr val="8C7B70"/>
       </a:accent4>
       <a:accent5>
-        <a:srgbClr val="4BACC6"/>
+        <a:srgbClr val="8FB08C"/>
       </a:accent5>
       <a:accent6>
-        <a:srgbClr val="F79646"/>
+        <a:srgbClr val="D19049"/>
       </a:accent6>
       <a:hlink>
-        <a:srgbClr val="0000FF"/>
+        <a:srgbClr val="00A3D6"/>
       </a:hlink>
       <a:folHlink>
-        <a:srgbClr val="800080"/>
+        <a:srgbClr val="694F07"/>
       </a:folHlink>
     </a:clrScheme>
-    <a:fontScheme name="Office">
+    <a:fontScheme name="Civic">
       <a:majorFont>
-        <a:latin typeface="Calibri"/>
+        <a:latin typeface="Georgia"/>
         <a:ea typeface=""/>
         <a:cs typeface=""/>
         <a:font script="Jpan" typeface="ＭＳ Ｐゴシック"/>
-        <a:font script="Hang" typeface="맑은 고딕"/>
-        <a:font script="Hans" typeface="宋体"/>
+        <a:font script="Hang" typeface="돋움"/>
+        <a:font script="Hans" typeface="方正舒体"/>
+        <a:font script="Hant" typeface="微軟正黑體"/>
+        <a:font script="Arab" typeface="Arial"/>
+        <a:font script="Hebr" typeface="Arial"/>
+        <a:font script="Thai" typeface="Cordia New"/>
+        <a:font script="Ethi" typeface="Nyala"/>
+        <a:font script="Beng" typeface="Vrinda"/>
+        <a:font script="Gujr" typeface="Shruti"/>
+        <a:font script="Khmr" typeface="DaunPenh"/>
+        <a:font script="Knda" typeface="Tunga"/>
+        <a:font script="Guru" typeface="Raavi"/>
+        <a:font script="Cans" typeface="Euphemia"/>
+        <a:font script="Cher" typeface="Plantagenet Cherokee"/>
+        <a:font script="Yiii" typeface="Microsoft Yi Baiti"/>
+        <a:font script="Tibt" typeface="Microsoft Himalaya"/>
+        <a:font script="Thaa" typeface="MV Boli"/>
+        <a:font script="Deva" typeface="Mangal"/>
+        <a:font script="Telu" typeface="Gautami"/>
+        <a:font script="Taml" typeface="Latha"/>
+        <a:font script="Syrc" typeface="Estrangelo Edessa"/>
+        <a:font script="Orya" typeface="Kalinga"/>
+        <a:font script="Mlym" typeface="Kartika"/>
+        <a:font script="Laoo" typeface="DokChampa"/>
+        <a:font script="Sinh" typeface="Iskoola Pota"/>
+        <a:font script="Mong" typeface="Mongolian Baiti"/>
+        <a:font script="Viet" typeface="Arial"/>
+        <a:font script="Uigh" typeface="Microsoft Uighur"/>
+      </a:majorFont>
+      <a:minorFont>
+        <a:latin typeface="Georgia"/>
+        <a:ea typeface=""/>
+        <a:cs typeface=""/>
+        <a:font script="Jpan" typeface="ＭＳ Ｐ明朝"/>
+        <a:font script="Hang" typeface="바탕"/>
+        <a:font script="Hans" typeface="方正舒体"/>
         <a:font script="Hant" typeface="新細明體"/>
         <a:font script="Arab" typeface="Times New Roman"/>
         <a:font script="Hebr" typeface="Times New Roman"/>
@@ -4758,111 +7785,38 @@
         <a:font script="Mong" typeface="Mongolian Baiti"/>
         <a:font script="Viet" typeface="Times New Roman"/>
         <a:font script="Uigh" typeface="Microsoft Uighur"/>
-      </a:majorFont>
-      <a:minorFont>
-        <a:latin typeface="Calibri"/>
-        <a:ea typeface=""/>
-        <a:cs typeface=""/>
-        <a:font script="Jpan" typeface="ＭＳ Ｐゴシック"/>
-        <a:font script="Hang" typeface="맑은 고딕"/>
-        <a:font script="Hans" typeface="宋体"/>
-        <a:font script="Hant" typeface="新細明體"/>
-        <a:font script="Arab" typeface="Arial"/>
-        <a:font script="Hebr" typeface="Arial"/>
-        <a:font script="Thai" typeface="Cordia New"/>
-        <a:font script="Ethi" typeface="Nyala"/>
-        <a:font script="Beng" typeface="Vrinda"/>
-        <a:font script="Gujr" typeface="Shruti"/>
-        <a:font script="Khmr" typeface="DaunPenh"/>
-        <a:font script="Knda" typeface="Tunga"/>
-        <a:font script="Guru" typeface="Raavi"/>
-        <a:font script="Cans" typeface="Euphemia"/>
-        <a:font script="Cher" typeface="Plantagenet Cherokee"/>
-        <a:font script="Yiii" typeface="Microsoft Yi Baiti"/>
-        <a:font script="Tibt" typeface="Microsoft Himalaya"/>
-        <a:font script="Thaa" typeface="MV Boli"/>
-        <a:font script="Deva" typeface="Mangal"/>
-        <a:font script="Telu" typeface="Gautami"/>
-        <a:font script="Taml" typeface="Latha"/>
-        <a:font script="Syrc" typeface="Estrangelo Edessa"/>
-        <a:font script="Orya" typeface="Kalinga"/>
-        <a:font script="Mlym" typeface="Kartika"/>
-        <a:font script="Laoo" typeface="DokChampa"/>
-        <a:font script="Sinh" typeface="Iskoola Pota"/>
-        <a:font script="Mong" typeface="Mongolian Baiti"/>
-        <a:font script="Viet" typeface="Arial"/>
-        <a:font script="Uigh" typeface="Microsoft Uighur"/>
       </a:minorFont>
     </a:fontScheme>
-    <a:fmtScheme name="Office">
+    <a:fmtScheme name="Civic">
       <a:fillStyleLst>
         <a:solidFill>
           <a:schemeClr val="phClr"/>
         </a:solidFill>
-        <a:gradFill rotWithShape="1">
-          <a:gsLst>
-            <a:gs pos="0">
-              <a:schemeClr val="phClr">
-                <a:tint val="50000"/>
-                <a:satMod val="300000"/>
-              </a:schemeClr>
-            </a:gs>
-            <a:gs pos="35000">
-              <a:schemeClr val="phClr">
-                <a:tint val="37000"/>
-                <a:satMod val="300000"/>
-              </a:schemeClr>
-            </a:gs>
-            <a:gs pos="100000">
-              <a:schemeClr val="phClr">
-                <a:tint val="15000"/>
-                <a:satMod val="350000"/>
-              </a:schemeClr>
-            </a:gs>
-          </a:gsLst>
-          <a:lin ang="16200000" scaled="1"/>
-        </a:gradFill>
-        <a:gradFill rotWithShape="1">
-          <a:gsLst>
-            <a:gs pos="0">
-              <a:schemeClr val="phClr">
-                <a:shade val="51000"/>
-                <a:satMod val="130000"/>
-              </a:schemeClr>
-            </a:gs>
-            <a:gs pos="80000">
-              <a:schemeClr val="phClr">
-                <a:shade val="93000"/>
-                <a:satMod val="130000"/>
-              </a:schemeClr>
-            </a:gs>
-            <a:gs pos="100000">
-              <a:schemeClr val="phClr">
-                <a:shade val="94000"/>
-                <a:satMod val="135000"/>
-              </a:schemeClr>
-            </a:gs>
-          </a:gsLst>
-          <a:lin ang="16200000" scaled="0"/>
-        </a:gradFill>
+        <a:solidFill>
+          <a:schemeClr val="phClr">
+            <a:tint val="45000"/>
+          </a:schemeClr>
+        </a:solidFill>
+        <a:solidFill>
+          <a:schemeClr val="phClr">
+            <a:tint val="95000"/>
+          </a:schemeClr>
+        </a:solidFill>
       </a:fillStyleLst>
       <a:lnStyleLst>
         <a:ln w="9525" cap="flat" cmpd="sng" algn="ctr">
           <a:solidFill>
-            <a:schemeClr val="phClr">
-              <a:shade val="95000"/>
-              <a:satMod val="105000"/>
-            </a:schemeClr>
+            <a:schemeClr val="phClr"/>
           </a:solidFill>
           <a:prstDash val="solid"/>
         </a:ln>
-        <a:ln w="25400" cap="flat" cmpd="sng" algn="ctr">
+        <a:ln w="11429" cap="flat" cmpd="sng" algn="ctr">
           <a:solidFill>
             <a:schemeClr val="phClr"/>
           </a:solidFill>
-          <a:prstDash val="solid"/>
+          <a:prstDash val="sysDash"/>
         </a:ln>
-        <a:ln w="38100" cap="flat" cmpd="sng" algn="ctr">
+        <a:ln w="20000" cap="flat" cmpd="sng" algn="ctr">
           <a:solidFill>
             <a:schemeClr val="phClr"/>
           </a:solidFill>
@@ -4872,16 +7826,7 @@
       <a:effectStyleLst>
         <a:effectStyle>
           <a:effectLst>
-            <a:outerShdw blurRad="40000" dist="20000" dir="5400000" rotWithShape="0">
-              <a:srgbClr val="000000">
-                <a:alpha val="38000"/>
-              </a:srgbClr>
-            </a:outerShdw>
-          </a:effectLst>
-        </a:effectStyle>
-        <a:effectStyle>
-          <a:effectLst>
-            <a:outerShdw blurRad="40000" dist="23000" dir="5400000" rotWithShape="0">
+            <a:outerShdw blurRad="50800" dist="25400" dir="5400000" rotWithShape="0">
               <a:srgbClr val="000000">
                 <a:alpha val="35000"/>
               </a:srgbClr>
@@ -4890,22 +7835,51 @@
         </a:effectStyle>
         <a:effectStyle>
           <a:effectLst>
-            <a:outerShdw blurRad="40000" dist="23000" dir="5400000" rotWithShape="0">
+            <a:outerShdw blurRad="50800" dist="25400" dir="5400000" rotWithShape="0">
               <a:srgbClr val="000000">
-                <a:alpha val="35000"/>
+                <a:alpha val="45000"/>
               </a:srgbClr>
             </a:outerShdw>
           </a:effectLst>
           <a:scene3d>
-            <a:camera prst="orthographicFront">
+            <a:camera prst="orthographicFront" fov="0">
               <a:rot lat="0" lon="0" rev="0"/>
             </a:camera>
             <a:lightRig rig="threePt" dir="t">
-              <a:rot lat="0" lon="0" rev="1200000"/>
+              <a:rot lat="0" lon="0" rev="0"/>
             </a:lightRig>
           </a:scene3d>
-          <a:sp3d>
-            <a:bevelT w="63500" h="25400"/>
+          <a:sp3d contourW="9525" prstMaterial="matte">
+            <a:bevelT w="0" h="0"/>
+            <a:contourClr>
+              <a:schemeClr val="phClr">
+                <a:shade val="70000"/>
+                <a:satMod val="105000"/>
+              </a:schemeClr>
+            </a:contourClr>
+          </a:sp3d>
+        </a:effectStyle>
+        <a:effectStyle>
+          <a:effectLst>
+            <a:outerShdw blurRad="50800" dist="25400" dir="5400000" rotWithShape="0">
+              <a:srgbClr val="000000">
+                <a:alpha val="45000"/>
+              </a:srgbClr>
+            </a:outerShdw>
+          </a:effectLst>
+          <a:scene3d>
+            <a:camera prst="orthographicFront" fov="0">
+              <a:rot lat="0" lon="0" rev="0"/>
+            </a:camera>
+            <a:lightRig rig="soft" dir="b">
+              <a:rot lat="0" lon="0" rev="0"/>
+            </a:lightRig>
+          </a:scene3d>
+          <a:sp3d prstMaterial="dkEdge">
+            <a:bevelT w="63500" h="63500" prst="cross"/>
+            <a:contourClr>
+              <a:schemeClr val="phClr"/>
+            </a:contourClr>
           </a:sp3d>
         </a:effectStyle>
       </a:effectStyleLst>
@@ -4913,51 +7887,34 @@
         <a:solidFill>
           <a:schemeClr val="phClr"/>
         </a:solidFill>
-        <a:gradFill rotWithShape="1">
-          <a:gsLst>
-            <a:gs pos="0">
+        <a:blipFill>
+          <a:blip xmlns:r="http://schemas.openxmlformats.org/officeDocument/2006/relationships" r:embed="rId1">
+            <a:duotone>
               <a:schemeClr val="phClr">
-                <a:tint val="40000"/>
-                <a:satMod val="350000"/>
+                <a:shade val="70000"/>
+                <a:satMod val="115000"/>
               </a:schemeClr>
-            </a:gs>
-            <a:gs pos="40000">
               <a:schemeClr val="phClr">
-                <a:tint val="45000"/>
-                <a:shade val="99000"/>
-                <a:satMod val="350000"/>
+                <a:tint val="85000"/>
               </a:schemeClr>
-            </a:gs>
-            <a:gs pos="100000">
+            </a:duotone>
+          </a:blip>
+          <a:tile tx="0" ty="0" sx="85000" sy="85000" flip="none" algn="tl"/>
+        </a:blipFill>
+        <a:blipFill>
+          <a:blip xmlns:r="http://schemas.openxmlformats.org/officeDocument/2006/relationships" r:embed="rId2">
+            <a:duotone>
               <a:schemeClr val="phClr">
-                <a:shade val="20000"/>
-                <a:satMod val="255000"/>
+                <a:shade val="65000"/>
+                <a:satMod val="115000"/>
               </a:schemeClr>
-            </a:gs>
-          </a:gsLst>
-          <a:path path="circle">
-            <a:fillToRect l="50000" t="-80000" r="50000" b="180000"/>
-          </a:path>
-        </a:gradFill>
-        <a:gradFill rotWithShape="1">
-          <a:gsLst>
-            <a:gs pos="0">
               <a:schemeClr val="phClr">
-                <a:tint val="80000"/>
-                <a:satMod val="300000"/>
+                <a:tint val="85000"/>
               </a:schemeClr>
-            </a:gs>
-            <a:gs pos="100000">
-              <a:schemeClr val="phClr">
-                <a:shade val="30000"/>
-                <a:satMod val="200000"/>
-              </a:schemeClr>
-            </a:gs>
-          </a:gsLst>
-          <a:path path="circle">
-            <a:fillToRect l="50000" t="50000" r="50000" b="50000"/>
-          </a:path>
-        </a:gradFill>
+            </a:duotone>
+          </a:blip>
+          <a:tile tx="0" ty="0" sx="65000" sy="65000" flip="none" algn="tl"/>
+        </a:blipFill>
       </a:bgFillStyleLst>
     </a:fmtScheme>
   </a:themeElements>

--- a/Does Forest Growth Correlate to Happiness.pptx
+++ b/Does Forest Growth Correlate to Happiness.pptx
@@ -10,20 +10,34 @@
     <p:sldId id="261" r:id="rId4"/>
     <p:sldId id="258" r:id="rId5"/>
     <p:sldId id="260" r:id="rId6"/>
-    <p:sldId id="259" r:id="rId7"/>
-    <p:sldId id="262" r:id="rId8"/>
-    <p:sldId id="263" r:id="rId9"/>
-    <p:sldId id="265" r:id="rId10"/>
-    <p:sldId id="264" r:id="rId11"/>
-    <p:sldId id="266" r:id="rId12"/>
-    <p:sldId id="267" r:id="rId13"/>
-    <p:sldId id="268" r:id="rId14"/>
-    <p:sldId id="269" r:id="rId15"/>
-    <p:sldId id="270" r:id="rId16"/>
-    <p:sldId id="271" r:id="rId17"/>
-    <p:sldId id="272" r:id="rId18"/>
-    <p:sldId id="273" r:id="rId19"/>
-    <p:sldId id="274" r:id="rId20"/>
+    <p:sldId id="263" r:id="rId7"/>
+    <p:sldId id="265" r:id="rId8"/>
+    <p:sldId id="264" r:id="rId9"/>
+    <p:sldId id="266" r:id="rId10"/>
+    <p:sldId id="267" r:id="rId11"/>
+    <p:sldId id="268" r:id="rId12"/>
+    <p:sldId id="269" r:id="rId13"/>
+    <p:sldId id="270" r:id="rId14"/>
+    <p:sldId id="271" r:id="rId15"/>
+    <p:sldId id="273" r:id="rId16"/>
+    <p:sldId id="272" r:id="rId17"/>
+    <p:sldId id="274" r:id="rId18"/>
+    <p:sldId id="288" r:id="rId19"/>
+    <p:sldId id="259" r:id="rId20"/>
+    <p:sldId id="262" r:id="rId21"/>
+    <p:sldId id="287" r:id="rId22"/>
+    <p:sldId id="275" r:id="rId23"/>
+    <p:sldId id="276" r:id="rId24"/>
+    <p:sldId id="277" r:id="rId25"/>
+    <p:sldId id="278" r:id="rId26"/>
+    <p:sldId id="279" r:id="rId27"/>
+    <p:sldId id="280" r:id="rId28"/>
+    <p:sldId id="281" r:id="rId29"/>
+    <p:sldId id="282" r:id="rId30"/>
+    <p:sldId id="283" r:id="rId31"/>
+    <p:sldId id="284" r:id="rId32"/>
+    <p:sldId id="285" r:id="rId33"/>
+    <p:sldId id="286" r:id="rId34"/>
   </p:sldIdLst>
   <p:sldSz cx="9144000" cy="6858000" type="screen4x3"/>
   <p:notesSz cx="6858000" cy="9144000"/>
@@ -6213,7 +6227,7 @@
           <a:p>
             <a:r>
               <a:rPr lang="en-US" dirty="0" smtClean="0"/>
-              <a:t>Suicide Rates</a:t>
+              <a:t>Income Ratio</a:t>
             </a:r>
             <a:endParaRPr lang="en-US" dirty="0"/>
           </a:p>
@@ -6221,7 +6235,7 @@
       </p:sp>
       <p:pic>
         <p:nvPicPr>
-          <p:cNvPr id="4" name="Content Placeholder 3" descr="suicide crude rate us.png"/>
+          <p:cNvPr id="4" name="Content Placeholder 3" descr="IR US.png"/>
           <p:cNvPicPr>
             <a:picLocks noGrp="1" noChangeAspect="1"/>
           </p:cNvPicPr>
@@ -6237,41 +6251,11 @@
         </p:blipFill>
         <p:spPr>
           <a:xfrm>
-            <a:off x="990600" y="1219200"/>
-            <a:ext cx="6781800" cy="4478245"/>
+            <a:off x="1143000" y="1371600"/>
+            <a:ext cx="6572827" cy="4579564"/>
           </a:xfrm>
         </p:spPr>
       </p:pic>
-      <p:sp>
-        <p:nvSpPr>
-          <p:cNvPr id="5" name="TextBox 4"/>
-          <p:cNvSpPr txBox="1"/>
-          <p:nvPr/>
-        </p:nvSpPr>
-        <p:spPr>
-          <a:xfrm>
-            <a:off x="762000" y="5715000"/>
-            <a:ext cx="7772400" cy="646331"/>
-          </a:xfrm>
-          <a:prstGeom prst="rect">
-            <a:avLst/>
-          </a:prstGeom>
-          <a:noFill/>
-        </p:spPr>
-        <p:txBody>
-          <a:bodyPr wrap="square" rtlCol="0">
-            <a:spAutoFit/>
-          </a:bodyPr>
-          <a:lstStyle/>
-          <a:p>
-            <a:r>
-              <a:rPr lang="en-US" dirty="0" smtClean="0"/>
-              <a:t>Here again, we see a rough negative correlation between Suicide Rates and Forest Density.</a:t>
-            </a:r>
-            <a:endParaRPr lang="en-US" dirty="0"/>
-          </a:p>
-        </p:txBody>
-      </p:sp>
     </p:spTree>
   </p:cSld>
   <p:clrMapOvr>
@@ -6309,12 +6293,14 @@
         </p:nvSpPr>
         <p:spPr/>
         <p:txBody>
-          <a:bodyPr/>
+          <a:bodyPr>
+            <a:normAutofit/>
+          </a:bodyPr>
           <a:lstStyle/>
           <a:p>
             <a:r>
               <a:rPr lang="en-US" dirty="0" smtClean="0"/>
-              <a:t>Poverty Rates</a:t>
+              <a:t>Percentage of Population over 65 years old.</a:t>
             </a:r>
             <a:endParaRPr lang="en-US" dirty="0"/>
           </a:p>
@@ -6322,7 +6308,7 @@
       </p:sp>
       <p:pic>
         <p:nvPicPr>
-          <p:cNvPr id="4" name="Content Placeholder 3" descr="download.png"/>
+          <p:cNvPr id="4" name="Content Placeholder 3" descr="over 65 us.png"/>
           <p:cNvPicPr>
             <a:picLocks noGrp="1" noChangeAspect="1"/>
           </p:cNvPicPr>
@@ -6338,41 +6324,11 @@
         </p:blipFill>
         <p:spPr>
           <a:xfrm>
-            <a:off x="990600" y="1371600"/>
-            <a:ext cx="6629400" cy="4618981"/>
+            <a:off x="838200" y="1371600"/>
+            <a:ext cx="6934200" cy="4831348"/>
           </a:xfrm>
         </p:spPr>
       </p:pic>
-      <p:sp>
-        <p:nvSpPr>
-          <p:cNvPr id="5" name="TextBox 4"/>
-          <p:cNvSpPr txBox="1"/>
-          <p:nvPr/>
-        </p:nvSpPr>
-        <p:spPr>
-          <a:xfrm>
-            <a:off x="609600" y="5943600"/>
-            <a:ext cx="7924800" cy="369332"/>
-          </a:xfrm>
-          <a:prstGeom prst="rect">
-            <a:avLst/>
-          </a:prstGeom>
-          <a:noFill/>
-        </p:spPr>
-        <p:txBody>
-          <a:bodyPr wrap="square" rtlCol="0">
-            <a:spAutoFit/>
-          </a:bodyPr>
-          <a:lstStyle/>
-          <a:p>
-            <a:r>
-              <a:rPr lang="en-US" dirty="0" smtClean="0"/>
-              <a:t>Poverty Rates have a negative correlation to Forest Density.</a:t>
-            </a:r>
-            <a:endParaRPr lang="en-US" dirty="0"/>
-          </a:p>
-        </p:txBody>
-      </p:sp>
     </p:spTree>
   </p:cSld>
   <p:clrMapOvr>
@@ -6410,12 +6366,14 @@
         </p:nvSpPr>
         <p:spPr/>
         <p:txBody>
-          <a:bodyPr/>
+          <a:bodyPr>
+            <a:normAutofit/>
+          </a:bodyPr>
           <a:lstStyle/>
           <a:p>
             <a:r>
               <a:rPr lang="en-US" dirty="0" smtClean="0"/>
-              <a:t>Income Ratio</a:t>
+              <a:t>Percentage of Population under 18 years old.</a:t>
             </a:r>
             <a:endParaRPr lang="en-US" dirty="0"/>
           </a:p>
@@ -6423,7 +6381,7 @@
       </p:sp>
       <p:pic>
         <p:nvPicPr>
-          <p:cNvPr id="4" name="Content Placeholder 3" descr="IR US.png"/>
+          <p:cNvPr id="4" name="Content Placeholder 3" descr="under 18 us.png"/>
           <p:cNvPicPr>
             <a:picLocks noGrp="1" noChangeAspect="1"/>
           </p:cNvPicPr>
@@ -6439,8 +6397,8 @@
         </p:blipFill>
         <p:spPr>
           <a:xfrm>
-            <a:off x="1143000" y="1371600"/>
-            <a:ext cx="6572827" cy="4579564"/>
+            <a:off x="1219200" y="1600200"/>
+            <a:ext cx="6553200" cy="4565889"/>
           </a:xfrm>
         </p:spPr>
       </p:pic>
@@ -6481,14 +6439,12 @@
         </p:nvSpPr>
         <p:spPr/>
         <p:txBody>
-          <a:bodyPr>
-            <a:normAutofit/>
-          </a:bodyPr>
+          <a:bodyPr/>
           <a:lstStyle/>
           <a:p>
             <a:r>
               <a:rPr lang="en-US" dirty="0" smtClean="0"/>
-              <a:t>Percentage of Population over 65 years old.</a:t>
+              <a:t>Drug Overdose Mortality Rate</a:t>
             </a:r>
             <a:endParaRPr lang="en-US" dirty="0"/>
           </a:p>
@@ -6496,7 +6452,7 @@
       </p:sp>
       <p:pic>
         <p:nvPicPr>
-          <p:cNvPr id="4" name="Content Placeholder 3" descr="over 65 us.png"/>
+          <p:cNvPr id="4" name="Content Placeholder 3" descr="Drug_Overdose.png"/>
           <p:cNvPicPr>
             <a:picLocks noGrp="1" noChangeAspect="1"/>
           </p:cNvPicPr>
@@ -6512,8 +6468,8 @@
         </p:blipFill>
         <p:spPr>
           <a:xfrm>
-            <a:off x="838200" y="1371600"/>
-            <a:ext cx="6934200" cy="4831348"/>
+            <a:off x="914400" y="1371600"/>
+            <a:ext cx="7010400" cy="4673600"/>
           </a:xfrm>
         </p:spPr>
       </p:pic>
@@ -6554,14 +6510,12 @@
         </p:nvSpPr>
         <p:spPr/>
         <p:txBody>
-          <a:bodyPr>
-            <a:normAutofit/>
-          </a:bodyPr>
+          <a:bodyPr/>
           <a:lstStyle/>
           <a:p>
             <a:r>
               <a:rPr lang="en-US" dirty="0" smtClean="0"/>
-              <a:t>Percentage of Population under 18 years old.</a:t>
+              <a:t>Life Expectancy</a:t>
             </a:r>
             <a:endParaRPr lang="en-US" dirty="0"/>
           </a:p>
@@ -6569,7 +6523,7 @@
       </p:sp>
       <p:pic>
         <p:nvPicPr>
-          <p:cNvPr id="4" name="Content Placeholder 3" descr="under 18 us.png"/>
+          <p:cNvPr id="4" name="Content Placeholder 3" descr="Life_Expectancy.png"/>
           <p:cNvPicPr>
             <a:picLocks noGrp="1" noChangeAspect="1"/>
           </p:cNvPicPr>
@@ -6585,8 +6539,8 @@
         </p:blipFill>
         <p:spPr>
           <a:xfrm>
-            <a:off x="1219200" y="1600200"/>
-            <a:ext cx="6553200" cy="4565889"/>
+            <a:off x="838200" y="1295400"/>
+            <a:ext cx="6858000" cy="4572000"/>
           </a:xfrm>
         </p:spPr>
       </p:pic>
@@ -6632,7 +6586,7 @@
           <a:p>
             <a:r>
               <a:rPr lang="en-US" dirty="0" smtClean="0"/>
-              <a:t>Drug Overdose Mortality Rate</a:t>
+              <a:t>Percentage of Homeowners</a:t>
             </a:r>
             <a:endParaRPr lang="en-US" dirty="0"/>
           </a:p>
@@ -6640,7 +6594,7 @@
       </p:sp>
       <p:pic>
         <p:nvPicPr>
-          <p:cNvPr id="4" name="Content Placeholder 3" descr="Drug_Overdose.png"/>
+          <p:cNvPr id="4" name="Content Placeholder 3" descr="Percent_Homeowners.png"/>
           <p:cNvPicPr>
             <a:picLocks noGrp="1" noChangeAspect="1"/>
           </p:cNvPicPr>
@@ -6656,8 +6610,8 @@
         </p:blipFill>
         <p:spPr>
           <a:xfrm>
-            <a:off x="914400" y="1371600"/>
-            <a:ext cx="7010400" cy="4673600"/>
+            <a:off x="1066800" y="1371600"/>
+            <a:ext cx="6629400" cy="4419600"/>
           </a:xfrm>
         </p:spPr>
       </p:pic>
@@ -6703,7 +6657,7 @@
           <a:p>
             <a:r>
               <a:rPr lang="en-US" dirty="0" smtClean="0"/>
-              <a:t>Life Expectancy</a:t>
+              <a:t>Percent Unemployed</a:t>
             </a:r>
             <a:endParaRPr lang="en-US" dirty="0"/>
           </a:p>
@@ -6711,7 +6665,7 @@
       </p:sp>
       <p:pic>
         <p:nvPicPr>
-          <p:cNvPr id="4" name="Content Placeholder 3" descr="Life_Expectancy.png"/>
+          <p:cNvPr id="6" name="Content Placeholder 5" descr="Percent_Unemployed.png"/>
           <p:cNvPicPr>
             <a:picLocks noGrp="1" noChangeAspect="1"/>
           </p:cNvPicPr>
@@ -6727,8 +6681,8 @@
         </p:blipFill>
         <p:spPr>
           <a:xfrm>
-            <a:off x="838200" y="1295400"/>
-            <a:ext cx="6858000" cy="4572000"/>
+            <a:off x="1447800" y="1828800"/>
+            <a:ext cx="6096000" cy="4064000"/>
           </a:xfrm>
         </p:spPr>
       </p:pic>
@@ -6769,12 +6723,14 @@
         </p:nvSpPr>
         <p:spPr/>
         <p:txBody>
-          <a:bodyPr/>
+          <a:bodyPr>
+            <a:normAutofit fontScale="90000"/>
+          </a:bodyPr>
           <a:lstStyle/>
           <a:p>
             <a:r>
               <a:rPr lang="en-US" dirty="0" smtClean="0"/>
-              <a:t>Percent Unemployed</a:t>
+              <a:t>Association Rate (Amount of Community Services/Associations)</a:t>
             </a:r>
             <a:endParaRPr lang="en-US" dirty="0"/>
           </a:p>
@@ -6782,7 +6738,7 @@
       </p:sp>
       <p:pic>
         <p:nvPicPr>
-          <p:cNvPr id="4" name="Content Placeholder 3" descr="Percent_Unemployed.png"/>
+          <p:cNvPr id="6" name="Content Placeholder 5" descr="Association_Rate.png"/>
           <p:cNvPicPr>
             <a:picLocks noGrp="1" noChangeAspect="1"/>
           </p:cNvPicPr>
@@ -6798,8 +6754,8 @@
         </p:blipFill>
         <p:spPr>
           <a:xfrm>
-            <a:off x="990600" y="1295400"/>
-            <a:ext cx="6629400" cy="4419600"/>
+            <a:off x="1143000" y="1600200"/>
+            <a:ext cx="7010400" cy="4673600"/>
           </a:xfrm>
         </p:spPr>
       </p:pic>
@@ -6845,7 +6801,7 @@
           <a:p>
             <a:r>
               <a:rPr lang="en-US" dirty="0" smtClean="0"/>
-              <a:t>Percentage of Homeowners</a:t>
+              <a:t>Household Income</a:t>
             </a:r>
             <a:endParaRPr lang="en-US" dirty="0"/>
           </a:p>
@@ -6853,7 +6809,7 @@
       </p:sp>
       <p:pic>
         <p:nvPicPr>
-          <p:cNvPr id="4" name="Content Placeholder 3" descr="Percent_Homeowners.png"/>
+          <p:cNvPr id="4" name="Content Placeholder 3" descr="Household_Income.png"/>
           <p:cNvPicPr>
             <a:picLocks noGrp="1" noChangeAspect="1"/>
           </p:cNvPicPr>
@@ -6869,8 +6825,8 @@
         </p:blipFill>
         <p:spPr>
           <a:xfrm>
-            <a:off x="1066800" y="1371600"/>
-            <a:ext cx="6629400" cy="4419600"/>
+            <a:off x="1143000" y="1676400"/>
+            <a:ext cx="6781800" cy="4521200"/>
           </a:xfrm>
         </p:spPr>
       </p:pic>
@@ -6911,14 +6867,20 @@
         </p:nvSpPr>
         <p:spPr/>
         <p:txBody>
-          <a:bodyPr>
-            <a:normAutofit fontScale="90000"/>
-          </a:bodyPr>
+          <a:bodyPr/>
           <a:lstStyle/>
           <a:p>
             <a:r>
               <a:rPr lang="en-US" dirty="0" smtClean="0"/>
-              <a:t>Association Rate (Amount of Community Services/Associations)</a:t>
+              <a:t>Tree Canopy Cover (m</a:t>
+            </a:r>
+            <a:r>
+              <a:rPr lang="en-US" baseline="30000" dirty="0" smtClean="0"/>
+              <a:t>2</a:t>
+            </a:r>
+            <a:r>
+              <a:rPr lang="en-US" dirty="0" smtClean="0"/>
+              <a:t>/person)</a:t>
             </a:r>
             <a:endParaRPr lang="en-US" dirty="0"/>
           </a:p>
@@ -6926,7 +6888,7 @@
       </p:sp>
       <p:pic>
         <p:nvPicPr>
-          <p:cNvPr id="4" name="Content Placeholder 3" descr="Association_Rate.png"/>
+          <p:cNvPr id="4" name="Content Placeholder 3" descr="Canopy Cover NJ Final.png"/>
           <p:cNvPicPr>
             <a:picLocks noGrp="1" noChangeAspect="1"/>
           </p:cNvPicPr>
@@ -6942,8 +6904,8 @@
         </p:blipFill>
         <p:spPr>
           <a:xfrm>
-            <a:off x="1066800" y="1676400"/>
-            <a:ext cx="6705600" cy="4470400"/>
+            <a:off x="301625" y="1687115"/>
+            <a:ext cx="8504238" cy="4252119"/>
           </a:xfrm>
         </p:spPr>
       </p:pic>
@@ -7048,6 +7010,716 @@
 </p:sld>
 </file>
 
+<file path=ppt/slides/slide20.xml><?xml version="1.0" encoding="utf-8"?>
+<p:sld xmlns:a="http://schemas.openxmlformats.org/drawingml/2006/main" xmlns:r="http://schemas.openxmlformats.org/officeDocument/2006/relationships" xmlns:p="http://schemas.openxmlformats.org/presentationml/2006/main">
+  <p:cSld>
+    <p:spTree>
+      <p:nvGrpSpPr>
+        <p:cNvPr id="1" name=""/>
+        <p:cNvGrpSpPr/>
+        <p:nvPr/>
+      </p:nvGrpSpPr>
+      <p:grpSpPr>
+        <a:xfrm>
+          <a:off x="0" y="0"/>
+          <a:ext cx="0" cy="0"/>
+          <a:chOff x="0" y="0"/>
+          <a:chExt cx="0" cy="0"/>
+        </a:xfrm>
+      </p:grpSpPr>
+      <p:sp>
+        <p:nvSpPr>
+          <p:cNvPr id="2" name="Title 1"/>
+          <p:cNvSpPr>
+            <a:spLocks noGrp="1"/>
+          </p:cNvSpPr>
+          <p:nvPr>
+            <p:ph type="title"/>
+          </p:nvPr>
+        </p:nvSpPr>
+        <p:spPr/>
+        <p:txBody>
+          <a:bodyPr/>
+          <a:lstStyle/>
+          <a:p>
+            <a:r>
+              <a:rPr lang="en-US" dirty="0" smtClean="0"/>
+              <a:t>NJ County Wellness Ranking</a:t>
+            </a:r>
+            <a:endParaRPr lang="en-US" dirty="0"/>
+          </a:p>
+        </p:txBody>
+      </p:sp>
+      <p:pic>
+        <p:nvPicPr>
+          <p:cNvPr id="4" name="Content Placeholder 3" descr="NRankMapFinal.png"/>
+          <p:cNvPicPr>
+            <a:picLocks noGrp="1" noChangeAspect="1"/>
+          </p:cNvPicPr>
+          <p:nvPr>
+            <p:ph sz="quarter" idx="1"/>
+          </p:nvPr>
+        </p:nvPicPr>
+        <p:blipFill>
+          <a:blip r:embed="rId2" cstate="print"/>
+          <a:stretch>
+            <a:fillRect/>
+          </a:stretch>
+        </p:blipFill>
+        <p:spPr>
+          <a:xfrm>
+            <a:off x="301625" y="1687115"/>
+            <a:ext cx="8504238" cy="4252119"/>
+          </a:xfrm>
+        </p:spPr>
+      </p:pic>
+    </p:spTree>
+  </p:cSld>
+  <p:clrMapOvr>
+    <a:masterClrMapping/>
+  </p:clrMapOvr>
+</p:sld>
+</file>
+
+<file path=ppt/slides/slide21.xml><?xml version="1.0" encoding="utf-8"?>
+<p:sld xmlns:a="http://schemas.openxmlformats.org/drawingml/2006/main" xmlns:r="http://schemas.openxmlformats.org/officeDocument/2006/relationships" xmlns:p="http://schemas.openxmlformats.org/presentationml/2006/main">
+  <p:cSld>
+    <p:spTree>
+      <p:nvGrpSpPr>
+        <p:cNvPr id="1" name=""/>
+        <p:cNvGrpSpPr/>
+        <p:nvPr/>
+      </p:nvGrpSpPr>
+      <p:grpSpPr>
+        <a:xfrm>
+          <a:off x="0" y="0"/>
+          <a:ext cx="0" cy="0"/>
+          <a:chOff x="0" y="0"/>
+          <a:chExt cx="0" cy="0"/>
+        </a:xfrm>
+      </p:grpSpPr>
+      <p:sp>
+        <p:nvSpPr>
+          <p:cNvPr id="2" name="Title 1"/>
+          <p:cNvSpPr>
+            <a:spLocks noGrp="1"/>
+          </p:cNvSpPr>
+          <p:nvPr>
+            <p:ph type="title"/>
+          </p:nvPr>
+        </p:nvSpPr>
+        <p:spPr/>
+        <p:txBody>
+          <a:bodyPr/>
+          <a:lstStyle/>
+          <a:p>
+            <a:r>
+              <a:rPr lang="en-US" dirty="0" smtClean="0"/>
+              <a:t>Calculations of Wellness Index</a:t>
+            </a:r>
+            <a:endParaRPr lang="en-US" dirty="0"/>
+          </a:p>
+        </p:txBody>
+      </p:sp>
+      <p:pic>
+        <p:nvPicPr>
+          <p:cNvPr id="4" name="Content Placeholder 3" descr="rankingxl.png"/>
+          <p:cNvPicPr>
+            <a:picLocks noGrp="1" noChangeAspect="1"/>
+          </p:cNvPicPr>
+          <p:nvPr>
+            <p:ph sz="quarter" idx="1"/>
+          </p:nvPr>
+        </p:nvPicPr>
+        <p:blipFill>
+          <a:blip r:embed="rId2" cstate="print"/>
+          <a:stretch>
+            <a:fillRect/>
+          </a:stretch>
+        </p:blipFill>
+        <p:spPr>
+          <a:xfrm>
+            <a:off x="301625" y="2395802"/>
+            <a:ext cx="8504238" cy="2834746"/>
+          </a:xfrm>
+        </p:spPr>
+      </p:pic>
+    </p:spTree>
+  </p:cSld>
+  <p:clrMapOvr>
+    <a:masterClrMapping/>
+  </p:clrMapOvr>
+</p:sld>
+</file>
+
+<file path=ppt/slides/slide22.xml><?xml version="1.0" encoding="utf-8"?>
+<p:sld xmlns:a="http://schemas.openxmlformats.org/drawingml/2006/main" xmlns:r="http://schemas.openxmlformats.org/officeDocument/2006/relationships" xmlns:p="http://schemas.openxmlformats.org/presentationml/2006/main">
+  <p:cSld>
+    <p:spTree>
+      <p:nvGrpSpPr>
+        <p:cNvPr id="1" name=""/>
+        <p:cNvGrpSpPr/>
+        <p:nvPr/>
+      </p:nvGrpSpPr>
+      <p:grpSpPr>
+        <a:xfrm>
+          <a:off x="0" y="0"/>
+          <a:ext cx="0" cy="0"/>
+          <a:chOff x="0" y="0"/>
+          <a:chExt cx="0" cy="0"/>
+        </a:xfrm>
+      </p:grpSpPr>
+      <p:sp>
+        <p:nvSpPr>
+          <p:cNvPr id="2" name="Title 1"/>
+          <p:cNvSpPr>
+            <a:spLocks noGrp="1"/>
+          </p:cNvSpPr>
+          <p:nvPr>
+            <p:ph type="title"/>
+          </p:nvPr>
+        </p:nvSpPr>
+        <p:spPr/>
+        <p:txBody>
+          <a:bodyPr/>
+          <a:lstStyle/>
+          <a:p>
+            <a:r>
+              <a:rPr lang="en-US" dirty="0" smtClean="0"/>
+              <a:t>Percent Child Poverty in NJ</a:t>
+            </a:r>
+            <a:endParaRPr lang="en-US" dirty="0"/>
+          </a:p>
+        </p:txBody>
+      </p:sp>
+      <p:pic>
+        <p:nvPicPr>
+          <p:cNvPr id="4" name="Content Placeholder 3" descr="child poverty NJ.png"/>
+          <p:cNvPicPr>
+            <a:picLocks noGrp="1" noChangeAspect="1"/>
+          </p:cNvPicPr>
+          <p:nvPr>
+            <p:ph sz="quarter" idx="1"/>
+          </p:nvPr>
+        </p:nvPicPr>
+        <p:blipFill>
+          <a:blip r:embed="rId2" cstate="print"/>
+          <a:stretch>
+            <a:fillRect/>
+          </a:stretch>
+        </p:blipFill>
+        <p:spPr>
+          <a:xfrm>
+            <a:off x="1600200" y="1828800"/>
+            <a:ext cx="5970377" cy="4118524"/>
+          </a:xfrm>
+        </p:spPr>
+      </p:pic>
+    </p:spTree>
+  </p:cSld>
+  <p:clrMapOvr>
+    <a:masterClrMapping/>
+  </p:clrMapOvr>
+</p:sld>
+</file>
+
+<file path=ppt/slides/slide23.xml><?xml version="1.0" encoding="utf-8"?>
+<p:sld xmlns:a="http://schemas.openxmlformats.org/drawingml/2006/main" xmlns:r="http://schemas.openxmlformats.org/officeDocument/2006/relationships" xmlns:p="http://schemas.openxmlformats.org/presentationml/2006/main">
+  <p:cSld>
+    <p:spTree>
+      <p:nvGrpSpPr>
+        <p:cNvPr id="1" name=""/>
+        <p:cNvGrpSpPr/>
+        <p:nvPr/>
+      </p:nvGrpSpPr>
+      <p:grpSpPr>
+        <a:xfrm>
+          <a:off x="0" y="0"/>
+          <a:ext cx="0" cy="0"/>
+          <a:chOff x="0" y="0"/>
+          <a:chExt cx="0" cy="0"/>
+        </a:xfrm>
+      </p:grpSpPr>
+      <p:sp>
+        <p:nvSpPr>
+          <p:cNvPr id="2" name="Title 1"/>
+          <p:cNvSpPr>
+            <a:spLocks noGrp="1"/>
+          </p:cNvSpPr>
+          <p:nvPr>
+            <p:ph type="title"/>
+          </p:nvPr>
+        </p:nvSpPr>
+        <p:spPr/>
+        <p:txBody>
+          <a:bodyPr/>
+          <a:lstStyle/>
+          <a:p>
+            <a:r>
+              <a:rPr lang="en-US" dirty="0" smtClean="0"/>
+              <a:t>Percent College Education in NJ</a:t>
+            </a:r>
+            <a:endParaRPr lang="en-US" dirty="0"/>
+          </a:p>
+        </p:txBody>
+      </p:sp>
+      <p:pic>
+        <p:nvPicPr>
+          <p:cNvPr id="4" name="Content Placeholder 3" descr="college_NJ.png"/>
+          <p:cNvPicPr>
+            <a:picLocks noGrp="1" noChangeAspect="1"/>
+          </p:cNvPicPr>
+          <p:nvPr>
+            <p:ph sz="quarter" idx="1"/>
+          </p:nvPr>
+        </p:nvPicPr>
+        <p:blipFill>
+          <a:blip r:embed="rId2" cstate="print"/>
+          <a:stretch>
+            <a:fillRect/>
+          </a:stretch>
+        </p:blipFill>
+        <p:spPr>
+          <a:xfrm>
+            <a:off x="1219200" y="1676400"/>
+            <a:ext cx="6172200" cy="4433777"/>
+          </a:xfrm>
+        </p:spPr>
+      </p:pic>
+    </p:spTree>
+  </p:cSld>
+  <p:clrMapOvr>
+    <a:masterClrMapping/>
+  </p:clrMapOvr>
+</p:sld>
+</file>
+
+<file path=ppt/slides/slide24.xml><?xml version="1.0" encoding="utf-8"?>
+<p:sld xmlns:a="http://schemas.openxmlformats.org/drawingml/2006/main" xmlns:r="http://schemas.openxmlformats.org/officeDocument/2006/relationships" xmlns:p="http://schemas.openxmlformats.org/presentationml/2006/main">
+  <p:cSld>
+    <p:spTree>
+      <p:nvGrpSpPr>
+        <p:cNvPr id="1" name=""/>
+        <p:cNvGrpSpPr/>
+        <p:nvPr/>
+      </p:nvGrpSpPr>
+      <p:grpSpPr>
+        <a:xfrm>
+          <a:off x="0" y="0"/>
+          <a:ext cx="0" cy="0"/>
+          <a:chOff x="0" y="0"/>
+          <a:chExt cx="0" cy="0"/>
+        </a:xfrm>
+      </p:grpSpPr>
+      <p:sp>
+        <p:nvSpPr>
+          <p:cNvPr id="2" name="Title 1"/>
+          <p:cNvSpPr>
+            <a:spLocks noGrp="1"/>
+          </p:cNvSpPr>
+          <p:nvPr>
+            <p:ph type="title"/>
+          </p:nvPr>
+        </p:nvSpPr>
+        <p:spPr/>
+        <p:txBody>
+          <a:bodyPr/>
+          <a:lstStyle/>
+          <a:p>
+            <a:r>
+              <a:rPr lang="en-US" dirty="0" smtClean="0"/>
+              <a:t>Mentally Unhealthy Days in NJ</a:t>
+            </a:r>
+            <a:endParaRPr lang="en-US" dirty="0"/>
+          </a:p>
+        </p:txBody>
+      </p:sp>
+      <p:pic>
+        <p:nvPicPr>
+          <p:cNvPr id="4" name="Content Placeholder 3" descr="mentally unhealthy NJ.png"/>
+          <p:cNvPicPr>
+            <a:picLocks noGrp="1" noChangeAspect="1"/>
+          </p:cNvPicPr>
+          <p:nvPr>
+            <p:ph sz="quarter" idx="1"/>
+          </p:nvPr>
+        </p:nvPicPr>
+        <p:blipFill>
+          <a:blip r:embed="rId2" cstate="print"/>
+          <a:stretch>
+            <a:fillRect/>
+          </a:stretch>
+        </p:blipFill>
+        <p:spPr>
+          <a:xfrm>
+            <a:off x="914400" y="1600200"/>
+            <a:ext cx="7315200" cy="4876800"/>
+          </a:xfrm>
+        </p:spPr>
+      </p:pic>
+    </p:spTree>
+  </p:cSld>
+  <p:clrMapOvr>
+    <a:masterClrMapping/>
+  </p:clrMapOvr>
+</p:sld>
+</file>
+
+<file path=ppt/slides/slide25.xml><?xml version="1.0" encoding="utf-8"?>
+<p:sld xmlns:a="http://schemas.openxmlformats.org/drawingml/2006/main" xmlns:r="http://schemas.openxmlformats.org/officeDocument/2006/relationships" xmlns:p="http://schemas.openxmlformats.org/presentationml/2006/main">
+  <p:cSld>
+    <p:spTree>
+      <p:nvGrpSpPr>
+        <p:cNvPr id="1" name=""/>
+        <p:cNvGrpSpPr/>
+        <p:nvPr/>
+      </p:nvGrpSpPr>
+      <p:grpSpPr>
+        <a:xfrm>
+          <a:off x="0" y="0"/>
+          <a:ext cx="0" cy="0"/>
+          <a:chOff x="0" y="0"/>
+          <a:chExt cx="0" cy="0"/>
+        </a:xfrm>
+      </p:grpSpPr>
+      <p:sp>
+        <p:nvSpPr>
+          <p:cNvPr id="2" name="Title 1"/>
+          <p:cNvSpPr>
+            <a:spLocks noGrp="1"/>
+          </p:cNvSpPr>
+          <p:nvPr>
+            <p:ph type="title"/>
+          </p:nvPr>
+        </p:nvSpPr>
+        <p:spPr/>
+        <p:txBody>
+          <a:bodyPr/>
+          <a:lstStyle/>
+          <a:p>
+            <a:r>
+              <a:rPr lang="en-US" dirty="0" smtClean="0"/>
+              <a:t>Income Ratio in NJ</a:t>
+            </a:r>
+            <a:endParaRPr lang="en-US" dirty="0"/>
+          </a:p>
+        </p:txBody>
+      </p:sp>
+      <p:pic>
+        <p:nvPicPr>
+          <p:cNvPr id="4" name="Content Placeholder 3" descr="IR__NJ.png"/>
+          <p:cNvPicPr>
+            <a:picLocks noGrp="1" noChangeAspect="1"/>
+          </p:cNvPicPr>
+          <p:nvPr>
+            <p:ph sz="quarter" idx="1"/>
+          </p:nvPr>
+        </p:nvPicPr>
+        <p:blipFill>
+          <a:blip r:embed="rId2" cstate="print"/>
+          <a:stretch>
+            <a:fillRect/>
+          </a:stretch>
+        </p:blipFill>
+        <p:spPr>
+          <a:xfrm>
+            <a:off x="838200" y="1676400"/>
+            <a:ext cx="6629400" cy="4774543"/>
+          </a:xfrm>
+        </p:spPr>
+      </p:pic>
+    </p:spTree>
+  </p:cSld>
+  <p:clrMapOvr>
+    <a:masterClrMapping/>
+  </p:clrMapOvr>
+</p:sld>
+</file>
+
+<file path=ppt/slides/slide26.xml><?xml version="1.0" encoding="utf-8"?>
+<p:sld xmlns:a="http://schemas.openxmlformats.org/drawingml/2006/main" xmlns:r="http://schemas.openxmlformats.org/officeDocument/2006/relationships" xmlns:p="http://schemas.openxmlformats.org/presentationml/2006/main">
+  <p:cSld>
+    <p:spTree>
+      <p:nvGrpSpPr>
+        <p:cNvPr id="1" name=""/>
+        <p:cNvGrpSpPr/>
+        <p:nvPr/>
+      </p:nvGrpSpPr>
+      <p:grpSpPr>
+        <a:xfrm>
+          <a:off x="0" y="0"/>
+          <a:ext cx="0" cy="0"/>
+          <a:chOff x="0" y="0"/>
+          <a:chExt cx="0" cy="0"/>
+        </a:xfrm>
+      </p:grpSpPr>
+      <p:sp>
+        <p:nvSpPr>
+          <p:cNvPr id="2" name="Title 1"/>
+          <p:cNvSpPr>
+            <a:spLocks noGrp="1"/>
+          </p:cNvSpPr>
+          <p:nvPr>
+            <p:ph type="title"/>
+          </p:nvPr>
+        </p:nvSpPr>
+        <p:spPr/>
+        <p:txBody>
+          <a:bodyPr/>
+          <a:lstStyle/>
+          <a:p>
+            <a:r>
+              <a:rPr lang="en-US" dirty="0" smtClean="0"/>
+              <a:t>Violent Crime Rate in NJ</a:t>
+            </a:r>
+            <a:endParaRPr lang="en-US" dirty="0"/>
+          </a:p>
+        </p:txBody>
+      </p:sp>
+      <p:pic>
+        <p:nvPicPr>
+          <p:cNvPr id="4" name="Content Placeholder 3" descr="violent crime NJ.png"/>
+          <p:cNvPicPr>
+            <a:picLocks noGrp="1" noChangeAspect="1"/>
+          </p:cNvPicPr>
+          <p:nvPr>
+            <p:ph sz="quarter" idx="1"/>
+          </p:nvPr>
+        </p:nvPicPr>
+        <p:blipFill>
+          <a:blip r:embed="rId2" cstate="print"/>
+          <a:stretch>
+            <a:fillRect/>
+          </a:stretch>
+        </p:blipFill>
+        <p:spPr>
+          <a:xfrm>
+            <a:off x="1066800" y="1600200"/>
+            <a:ext cx="6553200" cy="4543117"/>
+          </a:xfrm>
+        </p:spPr>
+      </p:pic>
+    </p:spTree>
+  </p:cSld>
+  <p:clrMapOvr>
+    <a:masterClrMapping/>
+  </p:clrMapOvr>
+</p:sld>
+</file>
+
+<file path=ppt/slides/slide27.xml><?xml version="1.0" encoding="utf-8"?>
+<p:sld xmlns:a="http://schemas.openxmlformats.org/drawingml/2006/main" xmlns:r="http://schemas.openxmlformats.org/officeDocument/2006/relationships" xmlns:p="http://schemas.openxmlformats.org/presentationml/2006/main">
+  <p:cSld>
+    <p:spTree>
+      <p:nvGrpSpPr>
+        <p:cNvPr id="1" name=""/>
+        <p:cNvGrpSpPr/>
+        <p:nvPr/>
+      </p:nvGrpSpPr>
+      <p:grpSpPr>
+        <a:xfrm>
+          <a:off x="0" y="0"/>
+          <a:ext cx="0" cy="0"/>
+          <a:chOff x="0" y="0"/>
+          <a:chExt cx="0" cy="0"/>
+        </a:xfrm>
+      </p:grpSpPr>
+      <p:sp>
+        <p:nvSpPr>
+          <p:cNvPr id="2" name="Title 1"/>
+          <p:cNvSpPr>
+            <a:spLocks noGrp="1"/>
+          </p:cNvSpPr>
+          <p:nvPr>
+            <p:ph type="title"/>
+          </p:nvPr>
+        </p:nvSpPr>
+        <p:spPr/>
+        <p:txBody>
+          <a:bodyPr/>
+          <a:lstStyle/>
+          <a:p>
+            <a:r>
+              <a:rPr lang="en-US" dirty="0" smtClean="0"/>
+              <a:t>Percent Unemployed</a:t>
+            </a:r>
+            <a:endParaRPr lang="en-US" dirty="0"/>
+          </a:p>
+        </p:txBody>
+      </p:sp>
+      <p:pic>
+        <p:nvPicPr>
+          <p:cNvPr id="4" name="Content Placeholder 3" descr="Unemployed_nj.png"/>
+          <p:cNvPicPr>
+            <a:picLocks noGrp="1" noChangeAspect="1"/>
+          </p:cNvPicPr>
+          <p:nvPr>
+            <p:ph sz="quarter" idx="1"/>
+          </p:nvPr>
+        </p:nvPicPr>
+        <p:blipFill>
+          <a:blip r:embed="rId2" cstate="print"/>
+          <a:stretch>
+            <a:fillRect/>
+          </a:stretch>
+        </p:blipFill>
+        <p:spPr>
+          <a:xfrm>
+            <a:off x="1066800" y="1524000"/>
+            <a:ext cx="6553200" cy="4832334"/>
+          </a:xfrm>
+        </p:spPr>
+      </p:pic>
+    </p:spTree>
+  </p:cSld>
+  <p:clrMapOvr>
+    <a:masterClrMapping/>
+  </p:clrMapOvr>
+</p:sld>
+</file>
+
+<file path=ppt/slides/slide28.xml><?xml version="1.0" encoding="utf-8"?>
+<p:sld xmlns:a="http://schemas.openxmlformats.org/drawingml/2006/main" xmlns:r="http://schemas.openxmlformats.org/officeDocument/2006/relationships" xmlns:p="http://schemas.openxmlformats.org/presentationml/2006/main">
+  <p:cSld>
+    <p:spTree>
+      <p:nvGrpSpPr>
+        <p:cNvPr id="1" name=""/>
+        <p:cNvGrpSpPr/>
+        <p:nvPr/>
+      </p:nvGrpSpPr>
+      <p:grpSpPr>
+        <a:xfrm>
+          <a:off x="0" y="0"/>
+          <a:ext cx="0" cy="0"/>
+          <a:chOff x="0" y="0"/>
+          <a:chExt cx="0" cy="0"/>
+        </a:xfrm>
+      </p:grpSpPr>
+      <p:sp>
+        <p:nvSpPr>
+          <p:cNvPr id="2" name="Title 1"/>
+          <p:cNvSpPr>
+            <a:spLocks noGrp="1"/>
+          </p:cNvSpPr>
+          <p:nvPr>
+            <p:ph type="title"/>
+          </p:nvPr>
+        </p:nvSpPr>
+        <p:spPr/>
+        <p:txBody>
+          <a:bodyPr/>
+          <a:lstStyle/>
+          <a:p>
+            <a:r>
+              <a:rPr lang="en-US" dirty="0" smtClean="0"/>
+              <a:t>Percent Severe Housing Problems in NJ</a:t>
+            </a:r>
+            <a:endParaRPr lang="en-US" dirty="0"/>
+          </a:p>
+        </p:txBody>
+      </p:sp>
+      <p:pic>
+        <p:nvPicPr>
+          <p:cNvPr id="4" name="Content Placeholder 3" descr="housing problems NJ.png"/>
+          <p:cNvPicPr>
+            <a:picLocks noGrp="1" noChangeAspect="1"/>
+          </p:cNvPicPr>
+          <p:nvPr>
+            <p:ph sz="quarter" idx="1"/>
+          </p:nvPr>
+        </p:nvPicPr>
+        <p:blipFill>
+          <a:blip r:embed="rId2" cstate="print"/>
+          <a:stretch>
+            <a:fillRect/>
+          </a:stretch>
+        </p:blipFill>
+        <p:spPr>
+          <a:xfrm>
+            <a:off x="838200" y="1524000"/>
+            <a:ext cx="7315200" cy="4740386"/>
+          </a:xfrm>
+        </p:spPr>
+      </p:pic>
+    </p:spTree>
+  </p:cSld>
+  <p:clrMapOvr>
+    <a:masterClrMapping/>
+  </p:clrMapOvr>
+</p:sld>
+</file>
+
+<file path=ppt/slides/slide29.xml><?xml version="1.0" encoding="utf-8"?>
+<p:sld xmlns:a="http://schemas.openxmlformats.org/drawingml/2006/main" xmlns:r="http://schemas.openxmlformats.org/officeDocument/2006/relationships" xmlns:p="http://schemas.openxmlformats.org/presentationml/2006/main">
+  <p:cSld>
+    <p:spTree>
+      <p:nvGrpSpPr>
+        <p:cNvPr id="1" name=""/>
+        <p:cNvGrpSpPr/>
+        <p:nvPr/>
+      </p:nvGrpSpPr>
+      <p:grpSpPr>
+        <a:xfrm>
+          <a:off x="0" y="0"/>
+          <a:ext cx="0" cy="0"/>
+          <a:chOff x="0" y="0"/>
+          <a:chExt cx="0" cy="0"/>
+        </a:xfrm>
+      </p:grpSpPr>
+      <p:sp>
+        <p:nvSpPr>
+          <p:cNvPr id="2" name="Title 1"/>
+          <p:cNvSpPr>
+            <a:spLocks noGrp="1"/>
+          </p:cNvSpPr>
+          <p:nvPr>
+            <p:ph type="title"/>
+          </p:nvPr>
+        </p:nvSpPr>
+        <p:spPr/>
+        <p:txBody>
+          <a:bodyPr/>
+          <a:lstStyle/>
+          <a:p>
+            <a:r>
+              <a:rPr lang="en-US" dirty="0" smtClean="0"/>
+              <a:t>Percent Excessive Drinking in NJ</a:t>
+            </a:r>
+            <a:endParaRPr lang="en-US" dirty="0"/>
+          </a:p>
+        </p:txBody>
+      </p:sp>
+      <p:pic>
+        <p:nvPicPr>
+          <p:cNvPr id="4" name="Content Placeholder 3" descr="Xdrinking NJ.png"/>
+          <p:cNvPicPr>
+            <a:picLocks noGrp="1" noChangeAspect="1"/>
+          </p:cNvPicPr>
+          <p:nvPr>
+            <p:ph sz="quarter" idx="1"/>
+          </p:nvPr>
+        </p:nvPicPr>
+        <p:blipFill>
+          <a:blip r:embed="rId2" cstate="print"/>
+          <a:stretch>
+            <a:fillRect/>
+          </a:stretch>
+        </p:blipFill>
+        <p:spPr>
+          <a:xfrm>
+            <a:off x="990600" y="1600200"/>
+            <a:ext cx="7010400" cy="4847989"/>
+          </a:xfrm>
+        </p:spPr>
+      </p:pic>
+    </p:spTree>
+  </p:cSld>
+  <p:clrMapOvr>
+    <a:masterClrMapping/>
+  </p:clrMapOvr>
+</p:sld>
+</file>
+
 <file path=ppt/slides/slide3.xml><?xml version="1.0" encoding="utf-8"?>
 <p:sld xmlns:a="http://schemas.openxmlformats.org/drawingml/2006/main" xmlns:r="http://schemas.openxmlformats.org/officeDocument/2006/relationships" xmlns:p="http://schemas.openxmlformats.org/presentationml/2006/main">
   <p:cSld>
@@ -7131,6 +7803,320 @@
             </a:r>
           </a:p>
           <a:p>
+            <a:endParaRPr lang="en-US" dirty="0"/>
+          </a:p>
+        </p:txBody>
+      </p:sp>
+    </p:spTree>
+  </p:cSld>
+  <p:clrMapOvr>
+    <a:masterClrMapping/>
+  </p:clrMapOvr>
+</p:sld>
+</file>
+
+<file path=ppt/slides/slide30.xml><?xml version="1.0" encoding="utf-8"?>
+<p:sld xmlns:a="http://schemas.openxmlformats.org/drawingml/2006/main" xmlns:r="http://schemas.openxmlformats.org/officeDocument/2006/relationships" xmlns:p="http://schemas.openxmlformats.org/presentationml/2006/main">
+  <p:cSld>
+    <p:spTree>
+      <p:nvGrpSpPr>
+        <p:cNvPr id="1" name=""/>
+        <p:cNvGrpSpPr/>
+        <p:nvPr/>
+      </p:nvGrpSpPr>
+      <p:grpSpPr>
+        <a:xfrm>
+          <a:off x="0" y="0"/>
+          <a:ext cx="0" cy="0"/>
+          <a:chOff x="0" y="0"/>
+          <a:chExt cx="0" cy="0"/>
+        </a:xfrm>
+      </p:grpSpPr>
+      <p:sp>
+        <p:nvSpPr>
+          <p:cNvPr id="2" name="Title 1"/>
+          <p:cNvSpPr>
+            <a:spLocks noGrp="1"/>
+          </p:cNvSpPr>
+          <p:nvPr>
+            <p:ph type="title"/>
+          </p:nvPr>
+        </p:nvSpPr>
+        <p:spPr/>
+        <p:txBody>
+          <a:bodyPr/>
+          <a:lstStyle/>
+          <a:p>
+            <a:r>
+              <a:rPr lang="en-US" dirty="0" smtClean="0"/>
+              <a:t>Physically Unhealthy  Days in NJ</a:t>
+            </a:r>
+            <a:endParaRPr lang="en-US" dirty="0"/>
+          </a:p>
+        </p:txBody>
+      </p:sp>
+      <p:pic>
+        <p:nvPicPr>
+          <p:cNvPr id="4" name="Content Placeholder 3" descr="physically unhealthy NJ.png"/>
+          <p:cNvPicPr>
+            <a:picLocks noGrp="1" noChangeAspect="1"/>
+          </p:cNvPicPr>
+          <p:nvPr>
+            <p:ph sz="quarter" idx="1"/>
+          </p:nvPr>
+        </p:nvPicPr>
+        <p:blipFill>
+          <a:blip r:embed="rId2" cstate="print"/>
+          <a:stretch>
+            <a:fillRect/>
+          </a:stretch>
+        </p:blipFill>
+        <p:spPr>
+          <a:xfrm>
+            <a:off x="1066800" y="1752600"/>
+            <a:ext cx="6705600" cy="4427927"/>
+          </a:xfrm>
+        </p:spPr>
+      </p:pic>
+    </p:spTree>
+  </p:cSld>
+  <p:clrMapOvr>
+    <a:masterClrMapping/>
+  </p:clrMapOvr>
+</p:sld>
+</file>
+
+<file path=ppt/slides/slide31.xml><?xml version="1.0" encoding="utf-8"?>
+<p:sld xmlns:a="http://schemas.openxmlformats.org/drawingml/2006/main" xmlns:r="http://schemas.openxmlformats.org/officeDocument/2006/relationships" xmlns:p="http://schemas.openxmlformats.org/presentationml/2006/main">
+  <p:cSld>
+    <p:spTree>
+      <p:nvGrpSpPr>
+        <p:cNvPr id="1" name=""/>
+        <p:cNvGrpSpPr/>
+        <p:nvPr/>
+      </p:nvGrpSpPr>
+      <p:grpSpPr>
+        <a:xfrm>
+          <a:off x="0" y="0"/>
+          <a:ext cx="0" cy="0"/>
+          <a:chOff x="0" y="0"/>
+          <a:chExt cx="0" cy="0"/>
+        </a:xfrm>
+      </p:grpSpPr>
+      <p:sp>
+        <p:nvSpPr>
+          <p:cNvPr id="2" name="Title 1"/>
+          <p:cNvSpPr>
+            <a:spLocks noGrp="1"/>
+          </p:cNvSpPr>
+          <p:nvPr>
+            <p:ph type="title"/>
+          </p:nvPr>
+        </p:nvSpPr>
+        <p:spPr/>
+        <p:txBody>
+          <a:bodyPr/>
+          <a:lstStyle/>
+          <a:p>
+            <a:r>
+              <a:rPr lang="en-US" dirty="0" smtClean="0"/>
+              <a:t>Association Rates in NJ</a:t>
+            </a:r>
+            <a:endParaRPr lang="en-US" dirty="0"/>
+          </a:p>
+        </p:txBody>
+      </p:sp>
+      <p:pic>
+        <p:nvPicPr>
+          <p:cNvPr id="4" name="Content Placeholder 3" descr="association NJ.png"/>
+          <p:cNvPicPr>
+            <a:picLocks noGrp="1" noChangeAspect="1"/>
+          </p:cNvPicPr>
+          <p:nvPr>
+            <p:ph sz="quarter" idx="1"/>
+          </p:nvPr>
+        </p:nvPicPr>
+        <p:blipFill>
+          <a:blip r:embed="rId2" cstate="print"/>
+          <a:stretch>
+            <a:fillRect/>
+          </a:stretch>
+        </p:blipFill>
+        <p:spPr>
+          <a:xfrm>
+            <a:off x="1143000" y="1752600"/>
+            <a:ext cx="6172200" cy="4422350"/>
+          </a:xfrm>
+        </p:spPr>
+      </p:pic>
+    </p:spTree>
+  </p:cSld>
+  <p:clrMapOvr>
+    <a:masterClrMapping/>
+  </p:clrMapOvr>
+</p:sld>
+</file>
+
+<file path=ppt/slides/slide32.xml><?xml version="1.0" encoding="utf-8"?>
+<p:sld xmlns:a="http://schemas.openxmlformats.org/drawingml/2006/main" xmlns:r="http://schemas.openxmlformats.org/officeDocument/2006/relationships" xmlns:p="http://schemas.openxmlformats.org/presentationml/2006/main">
+  <p:cSld>
+    <p:spTree>
+      <p:nvGrpSpPr>
+        <p:cNvPr id="1" name=""/>
+        <p:cNvGrpSpPr/>
+        <p:nvPr/>
+      </p:nvGrpSpPr>
+      <p:grpSpPr>
+        <a:xfrm>
+          <a:off x="0" y="0"/>
+          <a:ext cx="0" cy="0"/>
+          <a:chOff x="0" y="0"/>
+          <a:chExt cx="0" cy="0"/>
+        </a:xfrm>
+      </p:grpSpPr>
+      <p:sp>
+        <p:nvSpPr>
+          <p:cNvPr id="2" name="Title 1"/>
+          <p:cNvSpPr>
+            <a:spLocks noGrp="1"/>
+          </p:cNvSpPr>
+          <p:nvPr>
+            <p:ph type="title"/>
+          </p:nvPr>
+        </p:nvSpPr>
+        <p:spPr/>
+        <p:txBody>
+          <a:bodyPr/>
+          <a:lstStyle/>
+          <a:p>
+            <a:r>
+              <a:rPr lang="en-US" dirty="0" smtClean="0"/>
+              <a:t>Afterword</a:t>
+            </a:r>
+            <a:endParaRPr lang="en-US" dirty="0"/>
+          </a:p>
+        </p:txBody>
+      </p:sp>
+      <p:sp>
+        <p:nvSpPr>
+          <p:cNvPr id="3" name="Content Placeholder 2"/>
+          <p:cNvSpPr>
+            <a:spLocks noGrp="1"/>
+          </p:cNvSpPr>
+          <p:nvPr>
+            <p:ph sz="quarter" idx="1"/>
+          </p:nvPr>
+        </p:nvSpPr>
+        <p:spPr/>
+        <p:txBody>
+          <a:bodyPr/>
+          <a:lstStyle/>
+          <a:p>
+            <a:r>
+              <a:rPr lang="en-US" dirty="0" smtClean="0"/>
+              <a:t>As stated earlier, we believed that the correlation between forest growth and the social states of different states would be complex. As well their interactions may have many layers.</a:t>
+            </a:r>
+          </a:p>
+          <a:p>
+            <a:r>
+              <a:rPr lang="en-US" dirty="0" smtClean="0"/>
+              <a:t>When it comes to national data, we see that there does exist slight correlations both expected and unexpected when plotted against forest growth.</a:t>
+            </a:r>
+          </a:p>
+          <a:p>
+            <a:r>
+              <a:rPr lang="en-US" dirty="0" smtClean="0"/>
+              <a:t>However, when it comes to national data, there may be multiple phenomenon occur within each dataset.</a:t>
+            </a:r>
+            <a:endParaRPr lang="en-US" dirty="0"/>
+          </a:p>
+        </p:txBody>
+      </p:sp>
+    </p:spTree>
+  </p:cSld>
+  <p:clrMapOvr>
+    <a:masterClrMapping/>
+  </p:clrMapOvr>
+</p:sld>
+</file>
+
+<file path=ppt/slides/slide33.xml><?xml version="1.0" encoding="utf-8"?>
+<p:sld xmlns:a="http://schemas.openxmlformats.org/drawingml/2006/main" xmlns:r="http://schemas.openxmlformats.org/officeDocument/2006/relationships" xmlns:p="http://schemas.openxmlformats.org/presentationml/2006/main">
+  <p:cSld>
+    <p:spTree>
+      <p:nvGrpSpPr>
+        <p:cNvPr id="1" name=""/>
+        <p:cNvGrpSpPr/>
+        <p:nvPr/>
+      </p:nvGrpSpPr>
+      <p:grpSpPr>
+        <a:xfrm>
+          <a:off x="0" y="0"/>
+          <a:ext cx="0" cy="0"/>
+          <a:chOff x="0" y="0"/>
+          <a:chExt cx="0" cy="0"/>
+        </a:xfrm>
+      </p:grpSpPr>
+      <p:sp>
+        <p:nvSpPr>
+          <p:cNvPr id="2" name="Title 1"/>
+          <p:cNvSpPr>
+            <a:spLocks noGrp="1"/>
+          </p:cNvSpPr>
+          <p:nvPr>
+            <p:ph type="title"/>
+          </p:nvPr>
+        </p:nvSpPr>
+        <p:spPr/>
+        <p:txBody>
+          <a:bodyPr/>
+          <a:lstStyle/>
+          <a:p>
+            <a:r>
+              <a:rPr lang="en-US" dirty="0" smtClean="0"/>
+              <a:t>Afterword (Cont.)</a:t>
+            </a:r>
+            <a:endParaRPr lang="en-US" dirty="0"/>
+          </a:p>
+        </p:txBody>
+      </p:sp>
+      <p:sp>
+        <p:nvSpPr>
+          <p:cNvPr id="3" name="Content Placeholder 2"/>
+          <p:cNvSpPr>
+            <a:spLocks noGrp="1"/>
+          </p:cNvSpPr>
+          <p:nvPr>
+            <p:ph sz="quarter" idx="1"/>
+          </p:nvPr>
+        </p:nvSpPr>
+        <p:spPr/>
+        <p:txBody>
+          <a:bodyPr/>
+          <a:lstStyle/>
+          <a:p>
+            <a:r>
+              <a:rPr lang="en-US" dirty="0" smtClean="0"/>
+              <a:t>Certain extraneous circumstances can exist that vary from state to state which can skew our data.</a:t>
+            </a:r>
+          </a:p>
+          <a:p>
+            <a:r>
+              <a:rPr lang="en-US" dirty="0" smtClean="0"/>
+              <a:t>Politics can have an affect on different metrics such as mental stress, unemployment, etc.</a:t>
+            </a:r>
+          </a:p>
+          <a:p>
+            <a:r>
+              <a:rPr lang="en-US" dirty="0" smtClean="0"/>
+              <a:t>Environmental stressors unique to certain geographic areas of the United States may cause “happiness” to be effected despite forest growth.</a:t>
+            </a:r>
+          </a:p>
+          <a:p>
+            <a:r>
+              <a:rPr lang="en-US" dirty="0" smtClean="0"/>
+              <a:t>A further study may want to look at datasets specific to states or certain contiguous geographic locations that share very similar features.</a:t>
+            </a:r>
             <a:endParaRPr lang="en-US" dirty="0"/>
           </a:p>
         </p:txBody>
@@ -7358,15 +8344,7 @@
           <a:p>
             <a:r>
               <a:rPr lang="en-US" dirty="0" smtClean="0"/>
-              <a:t>Tree Canopy Cover (m</a:t>
-            </a:r>
-            <a:r>
-              <a:rPr lang="en-US" baseline="30000" dirty="0" smtClean="0"/>
-              <a:t>2</a:t>
-            </a:r>
-            <a:r>
-              <a:rPr lang="en-US" dirty="0" smtClean="0"/>
-              <a:t>/person)</a:t>
+              <a:t>Violent Crime Rate</a:t>
             </a:r>
             <a:endParaRPr lang="en-US" dirty="0"/>
           </a:p>
@@ -7374,7 +8352,7 @@
       </p:sp>
       <p:pic>
         <p:nvPicPr>
-          <p:cNvPr id="4" name="Content Placeholder 3" descr="Canopy Cover NJ Final.png"/>
+          <p:cNvPr id="4" name="Content Placeholder 3" descr="crime rate us .png"/>
           <p:cNvPicPr>
             <a:picLocks noGrp="1" noChangeAspect="1"/>
           </p:cNvPicPr>
@@ -7390,11 +8368,41 @@
         </p:blipFill>
         <p:spPr>
           <a:xfrm>
-            <a:off x="301625" y="1687115"/>
-            <a:ext cx="8504238" cy="4252119"/>
+            <a:off x="990600" y="1295400"/>
+            <a:ext cx="6807796" cy="4593611"/>
           </a:xfrm>
         </p:spPr>
       </p:pic>
+      <p:sp>
+        <p:nvSpPr>
+          <p:cNvPr id="6" name="TextBox 5"/>
+          <p:cNvSpPr txBox="1"/>
+          <p:nvPr/>
+        </p:nvSpPr>
+        <p:spPr>
+          <a:xfrm>
+            <a:off x="685800" y="5791200"/>
+            <a:ext cx="8153400" cy="646331"/>
+          </a:xfrm>
+          <a:prstGeom prst="rect">
+            <a:avLst/>
+          </a:prstGeom>
+          <a:noFill/>
+        </p:spPr>
+        <p:txBody>
+          <a:bodyPr wrap="square" rtlCol="0">
+            <a:spAutoFit/>
+          </a:bodyPr>
+          <a:lstStyle/>
+          <a:p>
+            <a:r>
+              <a:rPr lang="en-US" dirty="0" smtClean="0"/>
+              <a:t>We can roughly see that there is a negative correlation between Violent Crime Rate and Forest Density</a:t>
+            </a:r>
+            <a:endParaRPr lang="en-US" dirty="0"/>
+          </a:p>
+        </p:txBody>
+      </p:sp>
     </p:spTree>
   </p:cSld>
   <p:clrMapOvr>
@@ -7437,7 +8445,7 @@
           <a:p>
             <a:r>
               <a:rPr lang="en-US" dirty="0" smtClean="0"/>
-              <a:t>NJ County Wellness Ranking</a:t>
+              <a:t>Crime Rates</a:t>
             </a:r>
             <a:endParaRPr lang="en-US" dirty="0"/>
           </a:p>
@@ -7445,7 +8453,7 @@
       </p:sp>
       <p:pic>
         <p:nvPicPr>
-          <p:cNvPr id="4" name="Content Placeholder 3" descr="NRankMapFinal.png"/>
+          <p:cNvPr id="4" name="Content Placeholder 3" descr="crime rate us .png"/>
           <p:cNvPicPr>
             <a:picLocks noGrp="1" noChangeAspect="1"/>
           </p:cNvPicPr>
@@ -7461,11 +8469,41 @@
         </p:blipFill>
         <p:spPr>
           <a:xfrm>
-            <a:off x="301625" y="1687115"/>
-            <a:ext cx="8504238" cy="4252119"/>
+            <a:off x="914400" y="1143000"/>
+            <a:ext cx="7082088" cy="4778692"/>
           </a:xfrm>
         </p:spPr>
       </p:pic>
+      <p:sp>
+        <p:nvSpPr>
+          <p:cNvPr id="5" name="TextBox 4"/>
+          <p:cNvSpPr txBox="1"/>
+          <p:nvPr/>
+        </p:nvSpPr>
+        <p:spPr>
+          <a:xfrm>
+            <a:off x="685800" y="6172200"/>
+            <a:ext cx="7772400" cy="369332"/>
+          </a:xfrm>
+          <a:prstGeom prst="rect">
+            <a:avLst/>
+          </a:prstGeom>
+          <a:noFill/>
+        </p:spPr>
+        <p:txBody>
+          <a:bodyPr wrap="square" rtlCol="0">
+            <a:spAutoFit/>
+          </a:bodyPr>
+          <a:lstStyle/>
+          <a:p>
+            <a:r>
+              <a:rPr lang="en-US" dirty="0" smtClean="0"/>
+              <a:t>As with violent crime rates, we see a rough negative correlation.</a:t>
+            </a:r>
+            <a:endParaRPr lang="en-US" dirty="0"/>
+          </a:p>
+        </p:txBody>
+      </p:sp>
     </p:spTree>
   </p:cSld>
   <p:clrMapOvr>
@@ -7508,7 +8546,7 @@
           <a:p>
             <a:r>
               <a:rPr lang="en-US" dirty="0" smtClean="0"/>
-              <a:t>Violent Crime Rate</a:t>
+              <a:t>Suicide Rates</a:t>
             </a:r>
             <a:endParaRPr lang="en-US" dirty="0"/>
           </a:p>
@@ -7516,7 +8554,7 @@
       </p:sp>
       <p:pic>
         <p:nvPicPr>
-          <p:cNvPr id="4" name="Content Placeholder 3" descr="crime rate us .png"/>
+          <p:cNvPr id="4" name="Content Placeholder 3" descr="suicide crude rate us.png"/>
           <p:cNvPicPr>
             <a:picLocks noGrp="1" noChangeAspect="1"/>
           </p:cNvPicPr>
@@ -7532,21 +8570,21 @@
         </p:blipFill>
         <p:spPr>
           <a:xfrm>
-            <a:off x="990600" y="1295400"/>
-            <a:ext cx="6807796" cy="4593611"/>
+            <a:off x="990600" y="1219200"/>
+            <a:ext cx="6781800" cy="4478245"/>
           </a:xfrm>
         </p:spPr>
       </p:pic>
       <p:sp>
         <p:nvSpPr>
-          <p:cNvPr id="6" name="TextBox 5"/>
+          <p:cNvPr id="5" name="TextBox 4"/>
           <p:cNvSpPr txBox="1"/>
           <p:nvPr/>
         </p:nvSpPr>
         <p:spPr>
           <a:xfrm>
-            <a:off x="685800" y="5791200"/>
-            <a:ext cx="8153400" cy="646331"/>
+            <a:off x="762000" y="5715000"/>
+            <a:ext cx="7772400" cy="646331"/>
           </a:xfrm>
           <a:prstGeom prst="rect">
             <a:avLst/>
@@ -7561,7 +8599,7 @@
           <a:p>
             <a:r>
               <a:rPr lang="en-US" dirty="0" smtClean="0"/>
-              <a:t>We can roughly see that there is a negative correlation between Violent Crime Rate and Forest Density</a:t>
+              <a:t>Here again, we see a rough negative correlation between Suicide Rates and Forest Density.</a:t>
             </a:r>
             <a:endParaRPr lang="en-US" dirty="0"/>
           </a:p>
@@ -7609,7 +8647,7 @@
           <a:p>
             <a:r>
               <a:rPr lang="en-US" dirty="0" smtClean="0"/>
-              <a:t>Crime Rates</a:t>
+              <a:t>Poverty Rates</a:t>
             </a:r>
             <a:endParaRPr lang="en-US" dirty="0"/>
           </a:p>
@@ -7617,7 +8655,7 @@
       </p:sp>
       <p:pic>
         <p:nvPicPr>
-          <p:cNvPr id="4" name="Content Placeholder 3" descr="crime rate us .png"/>
+          <p:cNvPr id="4" name="Content Placeholder 3" descr="download.png"/>
           <p:cNvPicPr>
             <a:picLocks noGrp="1" noChangeAspect="1"/>
           </p:cNvPicPr>
@@ -7633,8 +8671,8 @@
         </p:blipFill>
         <p:spPr>
           <a:xfrm>
-            <a:off x="914400" y="1143000"/>
-            <a:ext cx="7082088" cy="4778692"/>
+            <a:off x="990600" y="1371600"/>
+            <a:ext cx="6629400" cy="4618981"/>
           </a:xfrm>
         </p:spPr>
       </p:pic>
@@ -7646,8 +8684,8 @@
         </p:nvSpPr>
         <p:spPr>
           <a:xfrm>
-            <a:off x="685800" y="6172200"/>
-            <a:ext cx="7772400" cy="369332"/>
+            <a:off x="609600" y="5943600"/>
+            <a:ext cx="7924800" cy="369332"/>
           </a:xfrm>
           <a:prstGeom prst="rect">
             <a:avLst/>
@@ -7662,7 +8700,7 @@
           <a:p>
             <a:r>
               <a:rPr lang="en-US" dirty="0" smtClean="0"/>
-              <a:t>As with violent crime rates, we see a rough negative correlation.</a:t>
+              <a:t>Poverty Rates have a negative correlation to Forest Density.</a:t>
             </a:r>
             <a:endParaRPr lang="en-US" dirty="0"/>
           </a:p>
